--- a/Capstone/JDUSCHAK CAPSTONE POWERPOINT.pptx
+++ b/Capstone/JDUSCHAK CAPSTONE POWERPOINT.pptx
@@ -5,29 +5,32 @@
     <p:sldMasterId id="2147483648" r:id="rId10"/>
   </p:sldMasterIdLst>
   <p:notesMasterIdLst>
-    <p:notesMasterId r:id="rId28"/>
+    <p:notesMasterId r:id="rId31"/>
   </p:notesMasterIdLst>
   <p:handoutMasterIdLst>
-    <p:handoutMasterId r:id="rId29"/>
+    <p:handoutMasterId r:id="rId32"/>
   </p:handoutMasterIdLst>
   <p:sldIdLst>
     <p:sldId id="277" r:id="rId11"/>
     <p:sldId id="305" r:id="rId12"/>
-    <p:sldId id="306" r:id="rId13"/>
-    <p:sldId id="307" r:id="rId14"/>
-    <p:sldId id="301" r:id="rId15"/>
-    <p:sldId id="310" r:id="rId16"/>
-    <p:sldId id="302" r:id="rId17"/>
-    <p:sldId id="299" r:id="rId18"/>
-    <p:sldId id="297" r:id="rId19"/>
-    <p:sldId id="303" r:id="rId20"/>
-    <p:sldId id="298" r:id="rId21"/>
-    <p:sldId id="309" r:id="rId22"/>
-    <p:sldId id="296" r:id="rId23"/>
-    <p:sldId id="300" r:id="rId24"/>
-    <p:sldId id="308" r:id="rId25"/>
-    <p:sldId id="295" r:id="rId26"/>
-    <p:sldId id="288" r:id="rId27"/>
+    <p:sldId id="313" r:id="rId13"/>
+    <p:sldId id="306" r:id="rId14"/>
+    <p:sldId id="307" r:id="rId15"/>
+    <p:sldId id="312" r:id="rId16"/>
+    <p:sldId id="310" r:id="rId17"/>
+    <p:sldId id="302" r:id="rId18"/>
+    <p:sldId id="301" r:id="rId19"/>
+    <p:sldId id="311" r:id="rId20"/>
+    <p:sldId id="299" r:id="rId21"/>
+    <p:sldId id="297" r:id="rId22"/>
+    <p:sldId id="303" r:id="rId23"/>
+    <p:sldId id="298" r:id="rId24"/>
+    <p:sldId id="309" r:id="rId25"/>
+    <p:sldId id="296" r:id="rId26"/>
+    <p:sldId id="300" r:id="rId27"/>
+    <p:sldId id="308" r:id="rId28"/>
+    <p:sldId id="295" r:id="rId29"/>
+    <p:sldId id="288" r:id="rId30"/>
   </p:sldIdLst>
   <p:sldSz cx="9144000" cy="6858000" type="screen4x3"/>
   <p:notesSz cx="6997700" cy="9283700"/>
@@ -446,6 +449,362 @@
     </pc:docChg>
   </pc:docChgLst>
   <pc:docChgLst>
+    <pc:chgData name="Duschak, Jennifer (Chief Data Office)" userId="bc9cde4e-dfd7-4af5-98f1-09ef461b221f" providerId="ADAL" clId="{4AA14816-38AF-42D3-8008-DDBEC2552DB3}"/>
+    <pc:docChg chg="undo custSel addSld modSld sldOrd">
+      <pc:chgData name="Duschak, Jennifer (Chief Data Office)" userId="bc9cde4e-dfd7-4af5-98f1-09ef461b221f" providerId="ADAL" clId="{4AA14816-38AF-42D3-8008-DDBEC2552DB3}" dt="2023-11-09T19:27:43.351" v="941"/>
+      <pc:docMkLst>
+        <pc:docMk/>
+      </pc:docMkLst>
+      <pc:sldChg chg="modSp mod">
+        <pc:chgData name="Duschak, Jennifer (Chief Data Office)" userId="bc9cde4e-dfd7-4af5-98f1-09ef461b221f" providerId="ADAL" clId="{4AA14816-38AF-42D3-8008-DDBEC2552DB3}" dt="2023-11-09T19:27:43.351" v="941"/>
+        <pc:sldMkLst>
+          <pc:docMk/>
+          <pc:sldMk cId="2631957148" sldId="295"/>
+        </pc:sldMkLst>
+        <pc:spChg chg="mod">
+          <ac:chgData name="Duschak, Jennifer (Chief Data Office)" userId="bc9cde4e-dfd7-4af5-98f1-09ef461b221f" providerId="ADAL" clId="{4AA14816-38AF-42D3-8008-DDBEC2552DB3}" dt="2023-11-09T19:27:43.351" v="941"/>
+          <ac:spMkLst>
+            <pc:docMk/>
+            <pc:sldMk cId="2631957148" sldId="295"/>
+            <ac:spMk id="5" creationId="{F744684B-D0C2-50CE-D71C-640A315516DE}"/>
+          </ac:spMkLst>
+        </pc:spChg>
+        <pc:spChg chg="mod">
+          <ac:chgData name="Duschak, Jennifer (Chief Data Office)" userId="bc9cde4e-dfd7-4af5-98f1-09ef461b221f" providerId="ADAL" clId="{4AA14816-38AF-42D3-8008-DDBEC2552DB3}" dt="2023-11-09T16:34:44.466" v="883" actId="20577"/>
+          <ac:spMkLst>
+            <pc:docMk/>
+            <pc:sldMk cId="2631957148" sldId="295"/>
+            <ac:spMk id="15" creationId="{00000000-0000-0000-0000-000000000000}"/>
+          </ac:spMkLst>
+        </pc:spChg>
+      </pc:sldChg>
+      <pc:sldChg chg="addSp delSp modSp mod">
+        <pc:chgData name="Duschak, Jennifer (Chief Data Office)" userId="bc9cde4e-dfd7-4af5-98f1-09ef461b221f" providerId="ADAL" clId="{4AA14816-38AF-42D3-8008-DDBEC2552DB3}" dt="2023-11-09T15:51:01.270" v="343" actId="1076"/>
+        <pc:sldMkLst>
+          <pc:docMk/>
+          <pc:sldMk cId="3657309869" sldId="296"/>
+        </pc:sldMkLst>
+        <pc:spChg chg="mod">
+          <ac:chgData name="Duschak, Jennifer (Chief Data Office)" userId="bc9cde4e-dfd7-4af5-98f1-09ef461b221f" providerId="ADAL" clId="{4AA14816-38AF-42D3-8008-DDBEC2552DB3}" dt="2023-11-09T15:47:05.086" v="333" actId="6549"/>
+          <ac:spMkLst>
+            <pc:docMk/>
+            <pc:sldMk cId="3657309869" sldId="296"/>
+            <ac:spMk id="2" creationId="{761DC641-983A-996F-E956-0C944F3E7526}"/>
+          </ac:spMkLst>
+        </pc:spChg>
+        <pc:picChg chg="add del mod">
+          <ac:chgData name="Duschak, Jennifer (Chief Data Office)" userId="bc9cde4e-dfd7-4af5-98f1-09ef461b221f" providerId="ADAL" clId="{4AA14816-38AF-42D3-8008-DDBEC2552DB3}" dt="2023-11-09T15:29:14.329" v="240" actId="478"/>
+          <ac:picMkLst>
+            <pc:docMk/>
+            <pc:sldMk cId="3657309869" sldId="296"/>
+            <ac:picMk id="5" creationId="{3E3E3E6F-F8B1-025E-1A79-30B9CBB4FC77}"/>
+          </ac:picMkLst>
+        </pc:picChg>
+        <pc:picChg chg="add mod">
+          <ac:chgData name="Duschak, Jennifer (Chief Data Office)" userId="bc9cde4e-dfd7-4af5-98f1-09ef461b221f" providerId="ADAL" clId="{4AA14816-38AF-42D3-8008-DDBEC2552DB3}" dt="2023-11-09T15:34:40.721" v="282" actId="14100"/>
+          <ac:picMkLst>
+            <pc:docMk/>
+            <pc:sldMk cId="3657309869" sldId="296"/>
+            <ac:picMk id="7" creationId="{4025752C-DFB9-9C51-88E8-E010F92D00F2}"/>
+          </ac:picMkLst>
+        </pc:picChg>
+        <pc:picChg chg="del mod">
+          <ac:chgData name="Duschak, Jennifer (Chief Data Office)" userId="bc9cde4e-dfd7-4af5-98f1-09ef461b221f" providerId="ADAL" clId="{4AA14816-38AF-42D3-8008-DDBEC2552DB3}" dt="2023-11-09T15:33:29.487" v="244" actId="478"/>
+          <ac:picMkLst>
+            <pc:docMk/>
+            <pc:sldMk cId="3657309869" sldId="296"/>
+            <ac:picMk id="8" creationId="{6B6E2731-B850-1D44-FE19-7E0AE41C195A}"/>
+          </ac:picMkLst>
+        </pc:picChg>
+        <pc:picChg chg="add del mod">
+          <ac:chgData name="Duschak, Jennifer (Chief Data Office)" userId="bc9cde4e-dfd7-4af5-98f1-09ef461b221f" providerId="ADAL" clId="{4AA14816-38AF-42D3-8008-DDBEC2552DB3}" dt="2023-11-09T15:47:08.748" v="334" actId="478"/>
+          <ac:picMkLst>
+            <pc:docMk/>
+            <pc:sldMk cId="3657309869" sldId="296"/>
+            <ac:picMk id="10" creationId="{AE32DABF-DC76-555E-0FC4-ADD55EBF2404}"/>
+          </ac:picMkLst>
+        </pc:picChg>
+        <pc:picChg chg="add del mod">
+          <ac:chgData name="Duschak, Jennifer (Chief Data Office)" userId="bc9cde4e-dfd7-4af5-98f1-09ef461b221f" providerId="ADAL" clId="{4AA14816-38AF-42D3-8008-DDBEC2552DB3}" dt="2023-11-09T15:50:31.696" v="339" actId="478"/>
+          <ac:picMkLst>
+            <pc:docMk/>
+            <pc:sldMk cId="3657309869" sldId="296"/>
+            <ac:picMk id="12" creationId="{AAC3BF7D-1172-53B8-B164-CF4FBFAA2569}"/>
+          </ac:picMkLst>
+        </pc:picChg>
+        <pc:picChg chg="add mod">
+          <ac:chgData name="Duschak, Jennifer (Chief Data Office)" userId="bc9cde4e-dfd7-4af5-98f1-09ef461b221f" providerId="ADAL" clId="{4AA14816-38AF-42D3-8008-DDBEC2552DB3}" dt="2023-11-09T15:51:01.270" v="343" actId="1076"/>
+          <ac:picMkLst>
+            <pc:docMk/>
+            <pc:sldMk cId="3657309869" sldId="296"/>
+            <ac:picMk id="14" creationId="{8B442104-FE13-8424-751D-EAFF6F402A88}"/>
+          </ac:picMkLst>
+        </pc:picChg>
+      </pc:sldChg>
+      <pc:sldChg chg="modSp mod">
+        <pc:chgData name="Duschak, Jennifer (Chief Data Office)" userId="bc9cde4e-dfd7-4af5-98f1-09ef461b221f" providerId="ADAL" clId="{4AA14816-38AF-42D3-8008-DDBEC2552DB3}" dt="2023-11-09T16:12:40.581" v="585" actId="20577"/>
+        <pc:sldMkLst>
+          <pc:docMk/>
+          <pc:sldMk cId="1921320003" sldId="299"/>
+        </pc:sldMkLst>
+        <pc:spChg chg="mod">
+          <ac:chgData name="Duschak, Jennifer (Chief Data Office)" userId="bc9cde4e-dfd7-4af5-98f1-09ef461b221f" providerId="ADAL" clId="{4AA14816-38AF-42D3-8008-DDBEC2552DB3}" dt="2023-11-09T16:12:40.581" v="585" actId="20577"/>
+          <ac:spMkLst>
+            <pc:docMk/>
+            <pc:sldMk cId="1921320003" sldId="299"/>
+            <ac:spMk id="2" creationId="{D8E0DBAD-F81A-DBBE-69C4-9EC60C4DAA78}"/>
+          </ac:spMkLst>
+        </pc:spChg>
+      </pc:sldChg>
+      <pc:sldChg chg="modSp mod">
+        <pc:chgData name="Duschak, Jennifer (Chief Data Office)" userId="bc9cde4e-dfd7-4af5-98f1-09ef461b221f" providerId="ADAL" clId="{4AA14816-38AF-42D3-8008-DDBEC2552DB3}" dt="2023-11-09T16:04:49.195" v="372" actId="1076"/>
+        <pc:sldMkLst>
+          <pc:docMk/>
+          <pc:sldMk cId="4013641661" sldId="301"/>
+        </pc:sldMkLst>
+        <pc:spChg chg="mod">
+          <ac:chgData name="Duschak, Jennifer (Chief Data Office)" userId="bc9cde4e-dfd7-4af5-98f1-09ef461b221f" providerId="ADAL" clId="{4AA14816-38AF-42D3-8008-DDBEC2552DB3}" dt="2023-11-09T16:04:46.946" v="371" actId="14100"/>
+          <ac:spMkLst>
+            <pc:docMk/>
+            <pc:sldMk cId="4013641661" sldId="301"/>
+            <ac:spMk id="2" creationId="{130597F3-437F-CB85-03F2-D53DCAD686B4}"/>
+          </ac:spMkLst>
+        </pc:spChg>
+        <pc:picChg chg="mod">
+          <ac:chgData name="Duschak, Jennifer (Chief Data Office)" userId="bc9cde4e-dfd7-4af5-98f1-09ef461b221f" providerId="ADAL" clId="{4AA14816-38AF-42D3-8008-DDBEC2552DB3}" dt="2023-11-09T16:04:49.195" v="372" actId="1076"/>
+          <ac:picMkLst>
+            <pc:docMk/>
+            <pc:sldMk cId="4013641661" sldId="301"/>
+            <ac:picMk id="6" creationId="{19FFF1AE-E496-18FC-D95C-AF2B4FB3E487}"/>
+          </ac:picMkLst>
+        </pc:picChg>
+      </pc:sldChg>
+      <pc:sldChg chg="addSp delSp modSp mod ord">
+        <pc:chgData name="Duschak, Jennifer (Chief Data Office)" userId="bc9cde4e-dfd7-4af5-98f1-09ef461b221f" providerId="ADAL" clId="{4AA14816-38AF-42D3-8008-DDBEC2552DB3}" dt="2023-11-09T17:30:45.159" v="927" actId="1076"/>
+        <pc:sldMkLst>
+          <pc:docMk/>
+          <pc:sldMk cId="3675679554" sldId="302"/>
+        </pc:sldMkLst>
+        <pc:picChg chg="add del mod">
+          <ac:chgData name="Duschak, Jennifer (Chief Data Office)" userId="bc9cde4e-dfd7-4af5-98f1-09ef461b221f" providerId="ADAL" clId="{4AA14816-38AF-42D3-8008-DDBEC2552DB3}" dt="2023-11-09T17:29:51.912" v="923" actId="478"/>
+          <ac:picMkLst>
+            <pc:docMk/>
+            <pc:sldMk cId="3675679554" sldId="302"/>
+            <ac:picMk id="4" creationId="{1ECE54E2-5E23-BED1-DDB0-816D5B5D6FC6}"/>
+          </ac:picMkLst>
+        </pc:picChg>
+        <pc:picChg chg="add mod">
+          <ac:chgData name="Duschak, Jennifer (Chief Data Office)" userId="bc9cde4e-dfd7-4af5-98f1-09ef461b221f" providerId="ADAL" clId="{4AA14816-38AF-42D3-8008-DDBEC2552DB3}" dt="2023-11-09T17:30:45.159" v="927" actId="1076"/>
+          <ac:picMkLst>
+            <pc:docMk/>
+            <pc:sldMk cId="3675679554" sldId="302"/>
+            <ac:picMk id="6" creationId="{D6C227D5-046C-3DB6-8EA4-229662ECB6DA}"/>
+          </ac:picMkLst>
+        </pc:picChg>
+        <pc:picChg chg="del mod">
+          <ac:chgData name="Duschak, Jennifer (Chief Data Office)" userId="bc9cde4e-dfd7-4af5-98f1-09ef461b221f" providerId="ADAL" clId="{4AA14816-38AF-42D3-8008-DDBEC2552DB3}" dt="2023-11-09T17:29:41.256" v="919" actId="478"/>
+          <ac:picMkLst>
+            <pc:docMk/>
+            <pc:sldMk cId="3675679554" sldId="302"/>
+            <ac:picMk id="12" creationId="{6396F560-858D-77FF-1DDD-437B8C425E24}"/>
+          </ac:picMkLst>
+        </pc:picChg>
+      </pc:sldChg>
+      <pc:sldChg chg="modSp mod">
+        <pc:chgData name="Duschak, Jennifer (Chief Data Office)" userId="bc9cde4e-dfd7-4af5-98f1-09ef461b221f" providerId="ADAL" clId="{4AA14816-38AF-42D3-8008-DDBEC2552DB3}" dt="2023-11-09T16:32:31.611" v="864" actId="21"/>
+        <pc:sldMkLst>
+          <pc:docMk/>
+          <pc:sldMk cId="2356183093" sldId="303"/>
+        </pc:sldMkLst>
+        <pc:spChg chg="mod">
+          <ac:chgData name="Duschak, Jennifer (Chief Data Office)" userId="bc9cde4e-dfd7-4af5-98f1-09ef461b221f" providerId="ADAL" clId="{4AA14816-38AF-42D3-8008-DDBEC2552DB3}" dt="2023-11-09T15:06:29.811" v="57" actId="20577"/>
+          <ac:spMkLst>
+            <pc:docMk/>
+            <pc:sldMk cId="2356183093" sldId="303"/>
+            <ac:spMk id="2" creationId="{B19FA095-E0CC-2F9A-8A17-1705098112C6}"/>
+          </ac:spMkLst>
+        </pc:spChg>
+        <pc:spChg chg="mod">
+          <ac:chgData name="Duschak, Jennifer (Chief Data Office)" userId="bc9cde4e-dfd7-4af5-98f1-09ef461b221f" providerId="ADAL" clId="{4AA14816-38AF-42D3-8008-DDBEC2552DB3}" dt="2023-11-09T16:32:31.611" v="864" actId="21"/>
+          <ac:spMkLst>
+            <pc:docMk/>
+            <pc:sldMk cId="2356183093" sldId="303"/>
+            <ac:spMk id="15" creationId="{00000000-0000-0000-0000-000000000000}"/>
+          </ac:spMkLst>
+        </pc:spChg>
+        <pc:picChg chg="mod">
+          <ac:chgData name="Duschak, Jennifer (Chief Data Office)" userId="bc9cde4e-dfd7-4af5-98f1-09ef461b221f" providerId="ADAL" clId="{4AA14816-38AF-42D3-8008-DDBEC2552DB3}" dt="2023-11-09T15:06:25.924" v="54" actId="1076"/>
+          <ac:picMkLst>
+            <pc:docMk/>
+            <pc:sldMk cId="2356183093" sldId="303"/>
+            <ac:picMk id="12" creationId="{01B72F0A-71FA-A093-FFF3-9BD1DC224AEB}"/>
+          </ac:picMkLst>
+        </pc:picChg>
+        <pc:picChg chg="mod">
+          <ac:chgData name="Duschak, Jennifer (Chief Data Office)" userId="bc9cde4e-dfd7-4af5-98f1-09ef461b221f" providerId="ADAL" clId="{4AA14816-38AF-42D3-8008-DDBEC2552DB3}" dt="2023-11-09T15:06:21.565" v="53" actId="1076"/>
+          <ac:picMkLst>
+            <pc:docMk/>
+            <pc:sldMk cId="2356183093" sldId="303"/>
+            <ac:picMk id="14" creationId="{5519F19F-B5F0-FACD-E9D7-90B0520CCA91}"/>
+          </ac:picMkLst>
+        </pc:picChg>
+      </pc:sldChg>
+      <pc:sldChg chg="modSp mod">
+        <pc:chgData name="Duschak, Jennifer (Chief Data Office)" userId="bc9cde4e-dfd7-4af5-98f1-09ef461b221f" providerId="ADAL" clId="{4AA14816-38AF-42D3-8008-DDBEC2552DB3}" dt="2023-11-09T16:35:50.160" v="918" actId="6549"/>
+        <pc:sldMkLst>
+          <pc:docMk/>
+          <pc:sldMk cId="3091039958" sldId="305"/>
+        </pc:sldMkLst>
+        <pc:spChg chg="mod">
+          <ac:chgData name="Duschak, Jennifer (Chief Data Office)" userId="bc9cde4e-dfd7-4af5-98f1-09ef461b221f" providerId="ADAL" clId="{4AA14816-38AF-42D3-8008-DDBEC2552DB3}" dt="2023-11-09T16:30:58.385" v="771" actId="20577"/>
+          <ac:spMkLst>
+            <pc:docMk/>
+            <pc:sldMk cId="3091039958" sldId="305"/>
+            <ac:spMk id="6" creationId="{00000000-0000-0000-0000-000000000000}"/>
+          </ac:spMkLst>
+        </pc:spChg>
+        <pc:spChg chg="mod">
+          <ac:chgData name="Duschak, Jennifer (Chief Data Office)" userId="bc9cde4e-dfd7-4af5-98f1-09ef461b221f" providerId="ADAL" clId="{4AA14816-38AF-42D3-8008-DDBEC2552DB3}" dt="2023-11-09T16:35:50.160" v="918" actId="6549"/>
+          <ac:spMkLst>
+            <pc:docMk/>
+            <pc:sldMk cId="3091039958" sldId="305"/>
+            <ac:spMk id="7" creationId="{00000000-0000-0000-0000-000000000000}"/>
+          </ac:spMkLst>
+        </pc:spChg>
+      </pc:sldChg>
+      <pc:sldChg chg="modSp mod">
+        <pc:chgData name="Duschak, Jennifer (Chief Data Office)" userId="bc9cde4e-dfd7-4af5-98f1-09ef461b221f" providerId="ADAL" clId="{4AA14816-38AF-42D3-8008-DDBEC2552DB3}" dt="2023-11-09T16:26:38.012" v="610"/>
+        <pc:sldMkLst>
+          <pc:docMk/>
+          <pc:sldMk cId="4143210992" sldId="306"/>
+        </pc:sldMkLst>
+        <pc:spChg chg="mod">
+          <ac:chgData name="Duschak, Jennifer (Chief Data Office)" userId="bc9cde4e-dfd7-4af5-98f1-09ef461b221f" providerId="ADAL" clId="{4AA14816-38AF-42D3-8008-DDBEC2552DB3}" dt="2023-11-09T16:26:38.012" v="610"/>
+          <ac:spMkLst>
+            <pc:docMk/>
+            <pc:sldMk cId="4143210992" sldId="306"/>
+            <ac:spMk id="7" creationId="{00000000-0000-0000-0000-000000000000}"/>
+          </ac:spMkLst>
+        </pc:spChg>
+      </pc:sldChg>
+      <pc:sldChg chg="addSp delSp modSp mod">
+        <pc:chgData name="Duschak, Jennifer (Chief Data Office)" userId="bc9cde4e-dfd7-4af5-98f1-09ef461b221f" providerId="ADAL" clId="{4AA14816-38AF-42D3-8008-DDBEC2552DB3}" dt="2023-11-09T16:02:59.709" v="350" actId="962"/>
+        <pc:sldMkLst>
+          <pc:docMk/>
+          <pc:sldMk cId="2010582933" sldId="307"/>
+        </pc:sldMkLst>
+        <pc:spChg chg="add del mod">
+          <ac:chgData name="Duschak, Jennifer (Chief Data Office)" userId="bc9cde4e-dfd7-4af5-98f1-09ef461b221f" providerId="ADAL" clId="{4AA14816-38AF-42D3-8008-DDBEC2552DB3}" dt="2023-11-09T16:02:58.814" v="348" actId="931"/>
+          <ac:spMkLst>
+            <pc:docMk/>
+            <pc:sldMk cId="2010582933" sldId="307"/>
+            <ac:spMk id="4" creationId="{511AA68F-53C6-2A75-D167-49DD0668EAE0}"/>
+          </ac:spMkLst>
+        </pc:spChg>
+        <pc:picChg chg="del">
+          <ac:chgData name="Duschak, Jennifer (Chief Data Office)" userId="bc9cde4e-dfd7-4af5-98f1-09ef461b221f" providerId="ADAL" clId="{4AA14816-38AF-42D3-8008-DDBEC2552DB3}" dt="2023-11-09T16:02:30.289" v="347" actId="478"/>
+          <ac:picMkLst>
+            <pc:docMk/>
+            <pc:sldMk cId="2010582933" sldId="307"/>
+            <ac:picMk id="3" creationId="{B796F91F-32D9-7433-C52D-2B6C8A940B8E}"/>
+          </ac:picMkLst>
+        </pc:picChg>
+        <pc:picChg chg="add mod">
+          <ac:chgData name="Duschak, Jennifer (Chief Data Office)" userId="bc9cde4e-dfd7-4af5-98f1-09ef461b221f" providerId="ADAL" clId="{4AA14816-38AF-42D3-8008-DDBEC2552DB3}" dt="2023-11-09T16:02:59.709" v="350" actId="962"/>
+          <ac:picMkLst>
+            <pc:docMk/>
+            <pc:sldMk cId="2010582933" sldId="307"/>
+            <ac:picMk id="9" creationId="{FFA3F48C-A6BB-47CE-51AC-5E17CE907AFF}"/>
+          </ac:picMkLst>
+        </pc:picChg>
+      </pc:sldChg>
+      <pc:sldChg chg="modSp mod ord">
+        <pc:chgData name="Duschak, Jennifer (Chief Data Office)" userId="bc9cde4e-dfd7-4af5-98f1-09ef461b221f" providerId="ADAL" clId="{4AA14816-38AF-42D3-8008-DDBEC2552DB3}" dt="2023-11-09T17:33:13.560" v="939" actId="20577"/>
+        <pc:sldMkLst>
+          <pc:docMk/>
+          <pc:sldMk cId="2726571923" sldId="310"/>
+        </pc:sldMkLst>
+        <pc:spChg chg="mod">
+          <ac:chgData name="Duschak, Jennifer (Chief Data Office)" userId="bc9cde4e-dfd7-4af5-98f1-09ef461b221f" providerId="ADAL" clId="{4AA14816-38AF-42D3-8008-DDBEC2552DB3}" dt="2023-11-09T17:33:13.560" v="939" actId="20577"/>
+          <ac:spMkLst>
+            <pc:docMk/>
+            <pc:sldMk cId="2726571923" sldId="310"/>
+            <ac:spMk id="2" creationId="{130597F3-437F-CB85-03F2-D53DCAD686B4}"/>
+          </ac:spMkLst>
+        </pc:spChg>
+        <pc:picChg chg="mod">
+          <ac:chgData name="Duschak, Jennifer (Chief Data Office)" userId="bc9cde4e-dfd7-4af5-98f1-09ef461b221f" providerId="ADAL" clId="{4AA14816-38AF-42D3-8008-DDBEC2552DB3}" dt="2023-11-09T16:04:30.353" v="367" actId="1076"/>
+          <ac:picMkLst>
+            <pc:docMk/>
+            <pc:sldMk cId="2726571923" sldId="310"/>
+            <ac:picMk id="5" creationId="{D73F7B78-08FD-BAE5-53C7-2EA323AB0502}"/>
+          </ac:picMkLst>
+        </pc:picChg>
+      </pc:sldChg>
+      <pc:sldChg chg="addSp delSp modSp add mod ord">
+        <pc:chgData name="Duschak, Jennifer (Chief Data Office)" userId="bc9cde4e-dfd7-4af5-98f1-09ef461b221f" providerId="ADAL" clId="{4AA14816-38AF-42D3-8008-DDBEC2552DB3}" dt="2023-11-09T17:32:44.405" v="938" actId="1076"/>
+        <pc:sldMkLst>
+          <pc:docMk/>
+          <pc:sldMk cId="3633699534" sldId="311"/>
+        </pc:sldMkLst>
+        <pc:spChg chg="mod">
+          <ac:chgData name="Duschak, Jennifer (Chief Data Office)" userId="bc9cde4e-dfd7-4af5-98f1-09ef461b221f" providerId="ADAL" clId="{4AA14816-38AF-42D3-8008-DDBEC2552DB3}" dt="2023-11-09T16:31:53.499" v="855" actId="6549"/>
+          <ac:spMkLst>
+            <pc:docMk/>
+            <pc:sldMk cId="3633699534" sldId="311"/>
+            <ac:spMk id="15" creationId="{00000000-0000-0000-0000-000000000000}"/>
+          </ac:spMkLst>
+        </pc:spChg>
+        <pc:picChg chg="add del mod">
+          <ac:chgData name="Duschak, Jennifer (Chief Data Office)" userId="bc9cde4e-dfd7-4af5-98f1-09ef461b221f" providerId="ADAL" clId="{4AA14816-38AF-42D3-8008-DDBEC2552DB3}" dt="2023-11-09T17:31:57.382" v="928" actId="478"/>
+          <ac:picMkLst>
+            <pc:docMk/>
+            <pc:sldMk cId="3633699534" sldId="311"/>
+            <ac:picMk id="4" creationId="{FB19C2B9-ABAD-8A66-396D-7D89DF337CB5}"/>
+          </ac:picMkLst>
+        </pc:picChg>
+        <pc:picChg chg="add del mod">
+          <ac:chgData name="Duschak, Jennifer (Chief Data Office)" userId="bc9cde4e-dfd7-4af5-98f1-09ef461b221f" providerId="ADAL" clId="{4AA14816-38AF-42D3-8008-DDBEC2552DB3}" dt="2023-11-09T17:32:30.518" v="933" actId="478"/>
+          <ac:picMkLst>
+            <pc:docMk/>
+            <pc:sldMk cId="3633699534" sldId="311"/>
+            <ac:picMk id="6" creationId="{FA0B6526-89DE-F6D0-425B-1FE300B57CD9}"/>
+          </ac:picMkLst>
+        </pc:picChg>
+        <pc:picChg chg="add mod">
+          <ac:chgData name="Duschak, Jennifer (Chief Data Office)" userId="bc9cde4e-dfd7-4af5-98f1-09ef461b221f" providerId="ADAL" clId="{4AA14816-38AF-42D3-8008-DDBEC2552DB3}" dt="2023-11-09T17:32:44.405" v="938" actId="1076"/>
+          <ac:picMkLst>
+            <pc:docMk/>
+            <pc:sldMk cId="3633699534" sldId="311"/>
+            <ac:picMk id="8" creationId="{EADEDB82-CE86-7942-E069-034F360E4BFB}"/>
+          </ac:picMkLst>
+        </pc:picChg>
+        <pc:picChg chg="del">
+          <ac:chgData name="Duschak, Jennifer (Chief Data Office)" userId="bc9cde4e-dfd7-4af5-98f1-09ef461b221f" providerId="ADAL" clId="{4AA14816-38AF-42D3-8008-DDBEC2552DB3}" dt="2023-11-09T14:51:47.885" v="36" actId="478"/>
+          <ac:picMkLst>
+            <pc:docMk/>
+            <pc:sldMk cId="3633699534" sldId="311"/>
+            <ac:picMk id="12" creationId="{6396F560-858D-77FF-1DDD-437B8C425E24}"/>
+          </ac:picMkLst>
+        </pc:picChg>
+      </pc:sldChg>
+      <pc:sldChg chg="add">
+        <pc:chgData name="Duschak, Jennifer (Chief Data Office)" userId="bc9cde4e-dfd7-4af5-98f1-09ef461b221f" providerId="ADAL" clId="{4AA14816-38AF-42D3-8008-DDBEC2552DB3}" dt="2023-11-09T16:02:27.437" v="346" actId="2890"/>
+        <pc:sldMkLst>
+          <pc:docMk/>
+          <pc:sldMk cId="681815517" sldId="312"/>
+        </pc:sldMkLst>
+      </pc:sldChg>
+      <pc:sldChg chg="add">
+        <pc:chgData name="Duschak, Jennifer (Chief Data Office)" userId="bc9cde4e-dfd7-4af5-98f1-09ef461b221f" providerId="ADAL" clId="{4AA14816-38AF-42D3-8008-DDBEC2552DB3}" dt="2023-11-09T16:30:36.082" v="732"/>
+        <pc:sldMkLst>
+          <pc:docMk/>
+          <pc:sldMk cId="109215085" sldId="313"/>
+        </pc:sldMkLst>
+      </pc:sldChg>
+    </pc:docChg>
+  </pc:docChgLst>
+  <pc:docChgLst>
     <pc:chgData name="Duschak, Jennifer (Chief Data Office)" userId="bc9cde4e-dfd7-4af5-98f1-09ef461b221f" providerId="ADAL" clId="{AFE85794-6672-4312-8047-505E4BF46858}"/>
     <pc:docChg chg="modSld">
       <pc:chgData name="Duschak, Jennifer (Chief Data Office)" userId="bc9cde4e-dfd7-4af5-98f1-09ef461b221f" providerId="ADAL" clId="{AFE85794-6672-4312-8047-505E4BF46858}" dt="2023-11-04T01:44:47.063" v="94" actId="20577"/>
@@ -472,6 +831,60 @@
             <pc:docMk/>
             <pc:sldMk cId="3907147413" sldId="277"/>
             <ac:spMk id="7170" creationId="{00000000-0000-0000-0000-000000000000}"/>
+          </ac:spMkLst>
+        </pc:spChg>
+      </pc:sldChg>
+    </pc:docChg>
+  </pc:docChgLst>
+  <pc:docChgLst>
+    <pc:chgData name="Duschak, Jennifer (Chief Data Office)" userId="bc9cde4e-dfd7-4af5-98f1-09ef461b221f" providerId="ADAL" clId="{9A0C0C14-2AB5-4B04-9B77-5C18F1320F10}"/>
+    <pc:docChg chg="custSel modSld">
+      <pc:chgData name="Duschak, Jennifer (Chief Data Office)" userId="bc9cde4e-dfd7-4af5-98f1-09ef461b221f" providerId="ADAL" clId="{9A0C0C14-2AB5-4B04-9B77-5C18F1320F10}" dt="2023-11-09T14:17:17.407" v="236" actId="20577"/>
+      <pc:docMkLst>
+        <pc:docMk/>
+      </pc:docMkLst>
+      <pc:sldChg chg="modSp mod">
+        <pc:chgData name="Duschak, Jennifer (Chief Data Office)" userId="bc9cde4e-dfd7-4af5-98f1-09ef461b221f" providerId="ADAL" clId="{9A0C0C14-2AB5-4B04-9B77-5C18F1320F10}" dt="2023-11-09T14:17:17.407" v="236" actId="20577"/>
+        <pc:sldMkLst>
+          <pc:docMk/>
+          <pc:sldMk cId="1921320003" sldId="299"/>
+        </pc:sldMkLst>
+        <pc:spChg chg="mod">
+          <ac:chgData name="Duschak, Jennifer (Chief Data Office)" userId="bc9cde4e-dfd7-4af5-98f1-09ef461b221f" providerId="ADAL" clId="{9A0C0C14-2AB5-4B04-9B77-5C18F1320F10}" dt="2023-11-09T14:17:17.407" v="236" actId="20577"/>
+          <ac:spMkLst>
+            <pc:docMk/>
+            <pc:sldMk cId="1921320003" sldId="299"/>
+            <ac:spMk id="2" creationId="{D8E0DBAD-F81A-DBBE-69C4-9EC60C4DAA78}"/>
+          </ac:spMkLst>
+        </pc:spChg>
+      </pc:sldChg>
+      <pc:sldChg chg="modSp mod">
+        <pc:chgData name="Duschak, Jennifer (Chief Data Office)" userId="bc9cde4e-dfd7-4af5-98f1-09ef461b221f" providerId="ADAL" clId="{9A0C0C14-2AB5-4B04-9B77-5C18F1320F10}" dt="2023-11-09T14:14:32.318" v="2" actId="6549"/>
+        <pc:sldMkLst>
+          <pc:docMk/>
+          <pc:sldMk cId="3091039958" sldId="305"/>
+        </pc:sldMkLst>
+        <pc:spChg chg="mod">
+          <ac:chgData name="Duschak, Jennifer (Chief Data Office)" userId="bc9cde4e-dfd7-4af5-98f1-09ef461b221f" providerId="ADAL" clId="{9A0C0C14-2AB5-4B04-9B77-5C18F1320F10}" dt="2023-11-09T14:14:32.318" v="2" actId="6549"/>
+          <ac:spMkLst>
+            <pc:docMk/>
+            <pc:sldMk cId="3091039958" sldId="305"/>
+            <ac:spMk id="7" creationId="{00000000-0000-0000-0000-000000000000}"/>
+          </ac:spMkLst>
+        </pc:spChg>
+      </pc:sldChg>
+      <pc:sldChg chg="modSp mod">
+        <pc:chgData name="Duschak, Jennifer (Chief Data Office)" userId="bc9cde4e-dfd7-4af5-98f1-09ef461b221f" providerId="ADAL" clId="{9A0C0C14-2AB5-4B04-9B77-5C18F1320F10}" dt="2023-11-09T14:15:21.901" v="34" actId="20577"/>
+        <pc:sldMkLst>
+          <pc:docMk/>
+          <pc:sldMk cId="4143210992" sldId="306"/>
+        </pc:sldMkLst>
+        <pc:spChg chg="mod">
+          <ac:chgData name="Duschak, Jennifer (Chief Data Office)" userId="bc9cde4e-dfd7-4af5-98f1-09ef461b221f" providerId="ADAL" clId="{9A0C0C14-2AB5-4B04-9B77-5C18F1320F10}" dt="2023-11-09T14:15:21.901" v="34" actId="20577"/>
+          <ac:spMkLst>
+            <pc:docMk/>
+            <pc:sldMk cId="4143210992" sldId="306"/>
+            <ac:spMk id="7" creationId="{00000000-0000-0000-0000-000000000000}"/>
           </ac:spMkLst>
         </pc:spChg>
       </pc:sldChg>
@@ -2430,7 +2843,7 @@
           <a:p>
             <a:fld id="{D222FEBE-30E3-4062-AECF-BBD26B7B1BD4}" type="datetimeFigureOut">
               <a:rPr lang="en-US" smtClean="0"/>
-              <a:t>11/8/2023</a:t>
+              <a:t>11/9/2023</a:t>
             </a:fld>
             <a:endParaRPr lang="en-US"/>
           </a:p>
@@ -3247,7 +3660,7 @@
     </p:spTree>
     <p:extLst>
       <p:ext uri="{BB962C8B-B14F-4D97-AF65-F5344CB8AC3E}">
-        <p14:creationId xmlns:p14="http://schemas.microsoft.com/office/powerpoint/2010/main" val="1969157245"/>
+        <p14:creationId xmlns:p14="http://schemas.microsoft.com/office/powerpoint/2010/main" val="237938432"/>
       </p:ext>
     </p:extLst>
   </p:cSld>
@@ -3387,7 +3800,7 @@
     </p:spTree>
     <p:extLst>
       <p:ext uri="{BB962C8B-B14F-4D97-AF65-F5344CB8AC3E}">
-        <p14:creationId xmlns:p14="http://schemas.microsoft.com/office/powerpoint/2010/main" val="130108688"/>
+        <p14:creationId xmlns:p14="http://schemas.microsoft.com/office/powerpoint/2010/main" val="4181439597"/>
       </p:ext>
     </p:extLst>
   </p:cSld>
@@ -3527,7 +3940,7 @@
     </p:spTree>
     <p:extLst>
       <p:ext uri="{BB962C8B-B14F-4D97-AF65-F5344CB8AC3E}">
-        <p14:creationId xmlns:p14="http://schemas.microsoft.com/office/powerpoint/2010/main" val="1566832734"/>
+        <p14:creationId xmlns:p14="http://schemas.microsoft.com/office/powerpoint/2010/main" val="377226054"/>
       </p:ext>
     </p:extLst>
   </p:cSld>
@@ -3667,7 +4080,7 @@
     </p:spTree>
     <p:extLst>
       <p:ext uri="{BB962C8B-B14F-4D97-AF65-F5344CB8AC3E}">
-        <p14:creationId xmlns:p14="http://schemas.microsoft.com/office/powerpoint/2010/main" val="3489159815"/>
+        <p14:creationId xmlns:p14="http://schemas.microsoft.com/office/powerpoint/2010/main" val="1969157245"/>
       </p:ext>
     </p:extLst>
   </p:cSld>
@@ -3807,7 +4220,7 @@
     </p:spTree>
     <p:extLst>
       <p:ext uri="{BB962C8B-B14F-4D97-AF65-F5344CB8AC3E}">
-        <p14:creationId xmlns:p14="http://schemas.microsoft.com/office/powerpoint/2010/main" val="2875137160"/>
+        <p14:creationId xmlns:p14="http://schemas.microsoft.com/office/powerpoint/2010/main" val="130108688"/>
       </p:ext>
     </p:extLst>
   </p:cSld>
@@ -3947,7 +4360,7 @@
     </p:spTree>
     <p:extLst>
       <p:ext uri="{BB962C8B-B14F-4D97-AF65-F5344CB8AC3E}">
-        <p14:creationId xmlns:p14="http://schemas.microsoft.com/office/powerpoint/2010/main" val="732487429"/>
+        <p14:creationId xmlns:p14="http://schemas.microsoft.com/office/powerpoint/2010/main" val="1566832734"/>
       </p:ext>
     </p:extLst>
   </p:cSld>
@@ -4087,7 +4500,7 @@
     </p:spTree>
     <p:extLst>
       <p:ext uri="{BB962C8B-B14F-4D97-AF65-F5344CB8AC3E}">
-        <p14:creationId xmlns:p14="http://schemas.microsoft.com/office/powerpoint/2010/main" val="1398557697"/>
+        <p14:creationId xmlns:p14="http://schemas.microsoft.com/office/powerpoint/2010/main" val="3489159815"/>
       </p:ext>
     </p:extLst>
   </p:cSld>
@@ -4180,12 +4593,7 @@
             </p:custDataLst>
           </p:nvPr>
         </p:nvSpPr>
-        <p:spPr>
-          <a:xfrm>
-            <a:off x="0" y="8817904"/>
-            <a:ext cx="6997700" cy="464185"/>
-          </a:xfrm>
-        </p:spPr>
+        <p:spPr/>
         <p:txBody>
           <a:bodyPr/>
           <a:lstStyle/>
@@ -4194,7 +4602,7 @@
               <a:defRPr/>
             </a:pPr>
             <a:r>
-              <a:rPr lang="en-US" altLang="en-US"/>
+              <a:rPr lang="en-US"/>
               <a:t>© 2020 by The Hartford. Classification: Company Confidential. No part of this document may be reproduced, published or used without the permission of The Hartford.</a:t>
             </a:r>
           </a:p>
@@ -4232,7 +4640,287 @@
     </p:spTree>
     <p:extLst>
       <p:ext uri="{BB962C8B-B14F-4D97-AF65-F5344CB8AC3E}">
-        <p14:creationId xmlns:p14="http://schemas.microsoft.com/office/powerpoint/2010/main" val="2692272267"/>
+        <p14:creationId xmlns:p14="http://schemas.microsoft.com/office/powerpoint/2010/main" val="2875137160"/>
+      </p:ext>
+    </p:extLst>
+  </p:cSld>
+  <p:clrMapOvr>
+    <a:masterClrMapping/>
+  </p:clrMapOvr>
+</p:notes>
+</file>
+
+<file path=ppt/notesSlides/notesSlide18.xml><?xml version="1.0" encoding="utf-8"?>
+<p:notes xmlns:a="http://schemas.openxmlformats.org/drawingml/2006/main" xmlns:r="http://schemas.openxmlformats.org/officeDocument/2006/relationships" xmlns:p="http://schemas.openxmlformats.org/presentationml/2006/main">
+  <p:cSld>
+    <p:spTree>
+      <p:nvGrpSpPr>
+        <p:cNvPr id="1" name=""/>
+        <p:cNvGrpSpPr/>
+        <p:nvPr/>
+      </p:nvGrpSpPr>
+      <p:grpSpPr>
+        <a:xfrm>
+          <a:off x="0" y="0"/>
+          <a:ext cx="0" cy="0"/>
+          <a:chOff x="0" y="0"/>
+          <a:chExt cx="0" cy="0"/>
+        </a:xfrm>
+      </p:grpSpPr>
+      <p:sp>
+        <p:nvSpPr>
+          <p:cNvPr id="2" name="Slide Image Placeholder 1"/>
+          <p:cNvSpPr>
+            <a:spLocks noGrp="1" noRot="1" noChangeAspect="1"/>
+          </p:cNvSpPr>
+          <p:nvPr>
+            <p:ph type="sldImg"/>
+          </p:nvPr>
+        </p:nvSpPr>
+        <p:spPr/>
+      </p:sp>
+      <p:sp>
+        <p:nvSpPr>
+          <p:cNvPr id="3" name="Notes Placeholder 2"/>
+          <p:cNvSpPr>
+            <a:spLocks noGrp="1"/>
+          </p:cNvSpPr>
+          <p:nvPr>
+            <p:ph type="body" idx="1"/>
+          </p:nvPr>
+        </p:nvSpPr>
+        <p:spPr/>
+        <p:txBody>
+          <a:bodyPr/>
+          <a:lstStyle/>
+          <a:p>
+            <a:endParaRPr lang="en-US"/>
+          </a:p>
+        </p:txBody>
+      </p:sp>
+      <p:sp>
+        <p:nvSpPr>
+          <p:cNvPr id="4" name="Header Placeholder 3"/>
+          <p:cNvSpPr>
+            <a:spLocks noGrp="1"/>
+          </p:cNvSpPr>
+          <p:nvPr>
+            <p:ph type="hdr" sz="quarter" idx="10"/>
+          </p:nvPr>
+        </p:nvSpPr>
+        <p:spPr/>
+        <p:txBody>
+          <a:bodyPr/>
+          <a:lstStyle/>
+          <a:p>
+            <a:pPr>
+              <a:defRPr/>
+            </a:pPr>
+            <a:endParaRPr lang="en-US" altLang="en-US"/>
+          </a:p>
+        </p:txBody>
+      </p:sp>
+      <p:sp>
+        <p:nvSpPr>
+          <p:cNvPr id="5" name="Footer Placeholder 4"/>
+          <p:cNvSpPr>
+            <a:spLocks noGrp="1"/>
+          </p:cNvSpPr>
+          <p:nvPr>
+            <p:ph type="ftr" sz="quarter" idx="11"/>
+            <p:custDataLst>
+              <p:tags r:id="rId1"/>
+            </p:custDataLst>
+          </p:nvPr>
+        </p:nvSpPr>
+        <p:spPr/>
+        <p:txBody>
+          <a:bodyPr/>
+          <a:lstStyle/>
+          <a:p>
+            <a:pPr>
+              <a:defRPr/>
+            </a:pPr>
+            <a:r>
+              <a:rPr lang="en-US"/>
+              <a:t>© 2020 by The Hartford. Classification: Company Confidential. No part of this document may be reproduced, published or used without the permission of The Hartford.</a:t>
+            </a:r>
+          </a:p>
+        </p:txBody>
+      </p:sp>
+      <p:sp>
+        <p:nvSpPr>
+          <p:cNvPr id="6" name="Slide Number Placeholder 5"/>
+          <p:cNvSpPr>
+            <a:spLocks noGrp="1"/>
+          </p:cNvSpPr>
+          <p:nvPr>
+            <p:ph type="sldNum" sz="quarter" idx="12"/>
+          </p:nvPr>
+        </p:nvSpPr>
+        <p:spPr/>
+        <p:txBody>
+          <a:bodyPr/>
+          <a:lstStyle/>
+          <a:p>
+            <a:pPr>
+              <a:defRPr/>
+            </a:pPr>
+            <a:fld id="{0EB2B284-1554-48B6-A6E2-FFBA963387BB}" type="slidenum">
+              <a:rPr lang="en-US" altLang="en-US" smtClean="0"/>
+              <a:pPr>
+                <a:defRPr/>
+              </a:pPr>
+              <a:t>18</a:t>
+            </a:fld>
+            <a:endParaRPr lang="en-US" altLang="en-US"/>
+          </a:p>
+        </p:txBody>
+      </p:sp>
+    </p:spTree>
+    <p:extLst>
+      <p:ext uri="{BB962C8B-B14F-4D97-AF65-F5344CB8AC3E}">
+        <p14:creationId xmlns:p14="http://schemas.microsoft.com/office/powerpoint/2010/main" val="732487429"/>
+      </p:ext>
+    </p:extLst>
+  </p:cSld>
+  <p:clrMapOvr>
+    <a:masterClrMapping/>
+  </p:clrMapOvr>
+</p:notes>
+</file>
+
+<file path=ppt/notesSlides/notesSlide19.xml><?xml version="1.0" encoding="utf-8"?>
+<p:notes xmlns:a="http://schemas.openxmlformats.org/drawingml/2006/main" xmlns:r="http://schemas.openxmlformats.org/officeDocument/2006/relationships" xmlns:p="http://schemas.openxmlformats.org/presentationml/2006/main">
+  <p:cSld>
+    <p:spTree>
+      <p:nvGrpSpPr>
+        <p:cNvPr id="1" name=""/>
+        <p:cNvGrpSpPr/>
+        <p:nvPr/>
+      </p:nvGrpSpPr>
+      <p:grpSpPr>
+        <a:xfrm>
+          <a:off x="0" y="0"/>
+          <a:ext cx="0" cy="0"/>
+          <a:chOff x="0" y="0"/>
+          <a:chExt cx="0" cy="0"/>
+        </a:xfrm>
+      </p:grpSpPr>
+      <p:sp>
+        <p:nvSpPr>
+          <p:cNvPr id="2" name="Slide Image Placeholder 1"/>
+          <p:cNvSpPr>
+            <a:spLocks noGrp="1" noRot="1" noChangeAspect="1"/>
+          </p:cNvSpPr>
+          <p:nvPr>
+            <p:ph type="sldImg"/>
+          </p:nvPr>
+        </p:nvSpPr>
+        <p:spPr/>
+      </p:sp>
+      <p:sp>
+        <p:nvSpPr>
+          <p:cNvPr id="3" name="Notes Placeholder 2"/>
+          <p:cNvSpPr>
+            <a:spLocks noGrp="1"/>
+          </p:cNvSpPr>
+          <p:nvPr>
+            <p:ph type="body" idx="1"/>
+          </p:nvPr>
+        </p:nvSpPr>
+        <p:spPr/>
+        <p:txBody>
+          <a:bodyPr/>
+          <a:lstStyle/>
+          <a:p>
+            <a:endParaRPr lang="en-US"/>
+          </a:p>
+        </p:txBody>
+      </p:sp>
+      <p:sp>
+        <p:nvSpPr>
+          <p:cNvPr id="4" name="Header Placeholder 3"/>
+          <p:cNvSpPr>
+            <a:spLocks noGrp="1"/>
+          </p:cNvSpPr>
+          <p:nvPr>
+            <p:ph type="hdr" sz="quarter" idx="10"/>
+          </p:nvPr>
+        </p:nvSpPr>
+        <p:spPr/>
+        <p:txBody>
+          <a:bodyPr/>
+          <a:lstStyle/>
+          <a:p>
+            <a:pPr>
+              <a:defRPr/>
+            </a:pPr>
+            <a:endParaRPr lang="en-US" altLang="en-US"/>
+          </a:p>
+        </p:txBody>
+      </p:sp>
+      <p:sp>
+        <p:nvSpPr>
+          <p:cNvPr id="5" name="Footer Placeholder 4"/>
+          <p:cNvSpPr>
+            <a:spLocks noGrp="1"/>
+          </p:cNvSpPr>
+          <p:nvPr>
+            <p:ph type="ftr" sz="quarter" idx="11"/>
+            <p:custDataLst>
+              <p:tags r:id="rId1"/>
+            </p:custDataLst>
+          </p:nvPr>
+        </p:nvSpPr>
+        <p:spPr/>
+        <p:txBody>
+          <a:bodyPr/>
+          <a:lstStyle/>
+          <a:p>
+            <a:pPr>
+              <a:defRPr/>
+            </a:pPr>
+            <a:r>
+              <a:rPr lang="en-US"/>
+              <a:t>© 2020 by The Hartford. Classification: Company Confidential. No part of this document may be reproduced, published or used without the permission of The Hartford.</a:t>
+            </a:r>
+          </a:p>
+        </p:txBody>
+      </p:sp>
+      <p:sp>
+        <p:nvSpPr>
+          <p:cNvPr id="6" name="Slide Number Placeholder 5"/>
+          <p:cNvSpPr>
+            <a:spLocks noGrp="1"/>
+          </p:cNvSpPr>
+          <p:nvPr>
+            <p:ph type="sldNum" sz="quarter" idx="12"/>
+          </p:nvPr>
+        </p:nvSpPr>
+        <p:spPr/>
+        <p:txBody>
+          <a:bodyPr/>
+          <a:lstStyle/>
+          <a:p>
+            <a:pPr>
+              <a:defRPr/>
+            </a:pPr>
+            <a:fld id="{0EB2B284-1554-48B6-A6E2-FFBA963387BB}" type="slidenum">
+              <a:rPr lang="en-US" altLang="en-US" smtClean="0"/>
+              <a:pPr>
+                <a:defRPr/>
+              </a:pPr>
+              <a:t>19</a:t>
+            </a:fld>
+            <a:endParaRPr lang="en-US" altLang="en-US"/>
+          </a:p>
+        </p:txBody>
+      </p:sp>
+    </p:spTree>
+    <p:extLst>
+      <p:ext uri="{BB962C8B-B14F-4D97-AF65-F5344CB8AC3E}">
+        <p14:creationId xmlns:p14="http://schemas.microsoft.com/office/powerpoint/2010/main" val="1398557697"/>
       </p:ext>
     </p:extLst>
   </p:cSld>
@@ -4382,6 +5070,151 @@
 </p:notes>
 </file>
 
+<file path=ppt/notesSlides/notesSlide20.xml><?xml version="1.0" encoding="utf-8"?>
+<p:notes xmlns:a="http://schemas.openxmlformats.org/drawingml/2006/main" xmlns:r="http://schemas.openxmlformats.org/officeDocument/2006/relationships" xmlns:p="http://schemas.openxmlformats.org/presentationml/2006/main">
+  <p:cSld>
+    <p:spTree>
+      <p:nvGrpSpPr>
+        <p:cNvPr id="1" name=""/>
+        <p:cNvGrpSpPr/>
+        <p:nvPr/>
+      </p:nvGrpSpPr>
+      <p:grpSpPr>
+        <a:xfrm>
+          <a:off x="0" y="0"/>
+          <a:ext cx="0" cy="0"/>
+          <a:chOff x="0" y="0"/>
+          <a:chExt cx="0" cy="0"/>
+        </a:xfrm>
+      </p:grpSpPr>
+      <p:sp>
+        <p:nvSpPr>
+          <p:cNvPr id="2" name="Slide Image Placeholder 1"/>
+          <p:cNvSpPr>
+            <a:spLocks noGrp="1" noRot="1" noChangeAspect="1"/>
+          </p:cNvSpPr>
+          <p:nvPr>
+            <p:ph type="sldImg"/>
+          </p:nvPr>
+        </p:nvSpPr>
+        <p:spPr/>
+      </p:sp>
+      <p:sp>
+        <p:nvSpPr>
+          <p:cNvPr id="3" name="Notes Placeholder 2"/>
+          <p:cNvSpPr>
+            <a:spLocks noGrp="1"/>
+          </p:cNvSpPr>
+          <p:nvPr>
+            <p:ph type="body" idx="1"/>
+          </p:nvPr>
+        </p:nvSpPr>
+        <p:spPr/>
+        <p:txBody>
+          <a:bodyPr/>
+          <a:lstStyle/>
+          <a:p>
+            <a:endParaRPr lang="en-US"/>
+          </a:p>
+        </p:txBody>
+      </p:sp>
+      <p:sp>
+        <p:nvSpPr>
+          <p:cNvPr id="4" name="Header Placeholder 3"/>
+          <p:cNvSpPr>
+            <a:spLocks noGrp="1"/>
+          </p:cNvSpPr>
+          <p:nvPr>
+            <p:ph type="hdr" sz="quarter" idx="10"/>
+          </p:nvPr>
+        </p:nvSpPr>
+        <p:spPr/>
+        <p:txBody>
+          <a:bodyPr/>
+          <a:lstStyle/>
+          <a:p>
+            <a:pPr>
+              <a:defRPr/>
+            </a:pPr>
+            <a:endParaRPr lang="en-US" altLang="en-US"/>
+          </a:p>
+        </p:txBody>
+      </p:sp>
+      <p:sp>
+        <p:nvSpPr>
+          <p:cNvPr id="5" name="Footer Placeholder 4"/>
+          <p:cNvSpPr>
+            <a:spLocks noGrp="1"/>
+          </p:cNvSpPr>
+          <p:nvPr>
+            <p:ph type="ftr" sz="quarter" idx="11"/>
+            <p:custDataLst>
+              <p:tags r:id="rId1"/>
+            </p:custDataLst>
+          </p:nvPr>
+        </p:nvSpPr>
+        <p:spPr>
+          <a:xfrm>
+            <a:off x="0" y="8817904"/>
+            <a:ext cx="6997700" cy="464185"/>
+          </a:xfrm>
+        </p:spPr>
+        <p:txBody>
+          <a:bodyPr/>
+          <a:lstStyle/>
+          <a:p>
+            <a:pPr>
+              <a:defRPr/>
+            </a:pPr>
+            <a:r>
+              <a:rPr lang="en-US" altLang="en-US"/>
+              <a:t>© 2020 by The Hartford. Classification: Company Confidential. No part of this document may be reproduced, published or used without the permission of The Hartford.</a:t>
+            </a:r>
+          </a:p>
+        </p:txBody>
+      </p:sp>
+      <p:sp>
+        <p:nvSpPr>
+          <p:cNvPr id="6" name="Slide Number Placeholder 5"/>
+          <p:cNvSpPr>
+            <a:spLocks noGrp="1"/>
+          </p:cNvSpPr>
+          <p:nvPr>
+            <p:ph type="sldNum" sz="quarter" idx="12"/>
+          </p:nvPr>
+        </p:nvSpPr>
+        <p:spPr/>
+        <p:txBody>
+          <a:bodyPr/>
+          <a:lstStyle/>
+          <a:p>
+            <a:pPr>
+              <a:defRPr/>
+            </a:pPr>
+            <a:fld id="{0EB2B284-1554-48B6-A6E2-FFBA963387BB}" type="slidenum">
+              <a:rPr lang="en-US" altLang="en-US" smtClean="0"/>
+              <a:pPr>
+                <a:defRPr/>
+              </a:pPr>
+              <a:t>20</a:t>
+            </a:fld>
+            <a:endParaRPr lang="en-US" altLang="en-US"/>
+          </a:p>
+        </p:txBody>
+      </p:sp>
+    </p:spTree>
+    <p:extLst>
+      <p:ext uri="{BB962C8B-B14F-4D97-AF65-F5344CB8AC3E}">
+        <p14:creationId xmlns:p14="http://schemas.microsoft.com/office/powerpoint/2010/main" val="2692272267"/>
+      </p:ext>
+    </p:extLst>
+  </p:cSld>
+  <p:clrMapOvr>
+    <a:masterClrMapping/>
+  </p:clrMapOvr>
+</p:notes>
+</file>
+
 <file path=ppt/notesSlides/notesSlide3.xml><?xml version="1.0" encoding="utf-8"?>
 <p:notes xmlns:a="http://schemas.openxmlformats.org/drawingml/2006/main" xmlns:r="http://schemas.openxmlformats.org/officeDocument/2006/relationships" xmlns:p="http://schemas.openxmlformats.org/presentationml/2006/main">
   <p:cSld>
@@ -4512,7 +5345,7 @@
     </p:spTree>
     <p:extLst>
       <p:ext uri="{BB962C8B-B14F-4D97-AF65-F5344CB8AC3E}">
-        <p14:creationId xmlns:p14="http://schemas.microsoft.com/office/powerpoint/2010/main" val="2700300783"/>
+        <p14:creationId xmlns:p14="http://schemas.microsoft.com/office/powerpoint/2010/main" val="3566546015"/>
       </p:ext>
     </p:extLst>
   </p:cSld>
@@ -4652,7 +5485,7 @@
     </p:spTree>
     <p:extLst>
       <p:ext uri="{BB962C8B-B14F-4D97-AF65-F5344CB8AC3E}">
-        <p14:creationId xmlns:p14="http://schemas.microsoft.com/office/powerpoint/2010/main" val="463184860"/>
+        <p14:creationId xmlns:p14="http://schemas.microsoft.com/office/powerpoint/2010/main" val="2700300783"/>
       </p:ext>
     </p:extLst>
   </p:cSld>
@@ -4792,7 +5625,7 @@
     </p:spTree>
     <p:extLst>
       <p:ext uri="{BB962C8B-B14F-4D97-AF65-F5344CB8AC3E}">
-        <p14:creationId xmlns:p14="http://schemas.microsoft.com/office/powerpoint/2010/main" val="1564532762"/>
+        <p14:creationId xmlns:p14="http://schemas.microsoft.com/office/powerpoint/2010/main" val="463184860"/>
       </p:ext>
     </p:extLst>
   </p:cSld>
@@ -4932,7 +5765,7 @@
     </p:spTree>
     <p:extLst>
       <p:ext uri="{BB962C8B-B14F-4D97-AF65-F5344CB8AC3E}">
-        <p14:creationId xmlns:p14="http://schemas.microsoft.com/office/powerpoint/2010/main" val="1062740371"/>
+        <p14:creationId xmlns:p14="http://schemas.microsoft.com/office/powerpoint/2010/main" val="3012809328"/>
       </p:ext>
     </p:extLst>
   </p:cSld>
@@ -5072,7 +5905,7 @@
     </p:spTree>
     <p:extLst>
       <p:ext uri="{BB962C8B-B14F-4D97-AF65-F5344CB8AC3E}">
-        <p14:creationId xmlns:p14="http://schemas.microsoft.com/office/powerpoint/2010/main" val="1531962779"/>
+        <p14:creationId xmlns:p14="http://schemas.microsoft.com/office/powerpoint/2010/main" val="1062740371"/>
       </p:ext>
     </p:extLst>
   </p:cSld>
@@ -5212,7 +6045,7 @@
     </p:spTree>
     <p:extLst>
       <p:ext uri="{BB962C8B-B14F-4D97-AF65-F5344CB8AC3E}">
-        <p14:creationId xmlns:p14="http://schemas.microsoft.com/office/powerpoint/2010/main" val="4181439597"/>
+        <p14:creationId xmlns:p14="http://schemas.microsoft.com/office/powerpoint/2010/main" val="1531962779"/>
       </p:ext>
     </p:extLst>
   </p:cSld>
@@ -5352,7 +6185,7 @@
     </p:spTree>
     <p:extLst>
       <p:ext uri="{BB962C8B-B14F-4D97-AF65-F5344CB8AC3E}">
-        <p14:creationId xmlns:p14="http://schemas.microsoft.com/office/powerpoint/2010/main" val="377226054"/>
+        <p14:creationId xmlns:p14="http://schemas.microsoft.com/office/powerpoint/2010/main" val="1564532762"/>
       </p:ext>
     </p:extLst>
   </p:cSld>
@@ -7847,1025 +8680,37 @@
       </p:sp>
       <p:sp>
         <p:nvSpPr>
-          <p:cNvPr id="2" name="Content Placeholder 1">
+          <p:cNvPr id="15" name="Title 14"/>
+          <p:cNvSpPr>
+            <a:spLocks noGrp="1"/>
+          </p:cNvSpPr>
+          <p:nvPr>
+            <p:ph type="title"/>
+          </p:nvPr>
+        </p:nvSpPr>
+        <p:spPr>
+          <a:xfrm>
+            <a:off x="292742" y="381000"/>
+            <a:ext cx="7193280" cy="822960"/>
+          </a:xfrm>
+        </p:spPr>
+        <p:txBody>
+          <a:bodyPr/>
+          <a:lstStyle/>
+          <a:p>
+            <a:r>
+              <a:rPr lang="en-US" dirty="0"/>
+              <a:t>Dashboard #1.5 – Outlier Deep-Dive</a:t>
+            </a:r>
+          </a:p>
+        </p:txBody>
+      </p:sp>
+      <p:sp>
+        <p:nvSpPr>
+          <p:cNvPr id="10" name="Content Placeholder 6">
             <a:extLst>
               <a:ext uri="{FF2B5EF4-FFF2-40B4-BE49-F238E27FC236}">
-                <a16:creationId xmlns:a16="http://schemas.microsoft.com/office/drawing/2014/main" id="{B19FA095-E0CC-2F9A-8A17-1705098112C6}"/>
-              </a:ext>
-            </a:extLst>
-          </p:cNvPr>
-          <p:cNvSpPr>
-            <a:spLocks noGrp="1"/>
-          </p:cNvSpPr>
-          <p:nvPr>
-            <p:ph idx="11"/>
-          </p:nvPr>
-        </p:nvSpPr>
-        <p:spPr>
-          <a:xfrm>
-            <a:off x="274320" y="1371600"/>
-            <a:ext cx="4221480" cy="4800600"/>
-          </a:xfrm>
-        </p:spPr>
-        <p:txBody>
-          <a:bodyPr/>
-          <a:lstStyle/>
-          <a:p>
-            <a:r>
-              <a:rPr lang="en-US" dirty="0"/>
-              <a:t>Minimum age = 18</a:t>
-            </a:r>
-          </a:p>
-          <a:p>
-            <a:r>
-              <a:rPr lang="en-US" dirty="0"/>
-              <a:t>Maximum age = 60 </a:t>
-            </a:r>
-          </a:p>
-          <a:p>
-            <a:r>
-              <a:rPr lang="en-US" dirty="0"/>
-              <a:t>Average age = 35</a:t>
-            </a:r>
-          </a:p>
-          <a:p>
-            <a:endParaRPr lang="en-US" dirty="0"/>
-          </a:p>
-          <a:p>
-            <a:r>
-              <a:rPr lang="en-US" dirty="0"/>
-              <a:t>Gender/Marital Analysis:</a:t>
-            </a:r>
-          </a:p>
-          <a:p>
-            <a:pPr lvl="1"/>
-            <a:r>
-              <a:rPr lang="en-US" dirty="0"/>
-              <a:t>Males account for 45% of accidents and 49% of DUI.</a:t>
-            </a:r>
-          </a:p>
-          <a:p>
-            <a:pPr lvl="1"/>
-            <a:r>
-              <a:rPr lang="en-US" dirty="0"/>
-              <a:t>Approx. 20% of accidents and DUI are attributed to a “Neutral” gender marker per the dataset.</a:t>
-            </a:r>
-          </a:p>
-          <a:p>
-            <a:pPr marL="461963" lvl="1" indent="0">
-              <a:buNone/>
-            </a:pPr>
-            <a:endParaRPr lang="en-US" dirty="0"/>
-          </a:p>
-        </p:txBody>
-      </p:sp>
-      <p:sp>
-        <p:nvSpPr>
-          <p:cNvPr id="15" name="Title 14"/>
-          <p:cNvSpPr>
-            <a:spLocks noGrp="1"/>
-          </p:cNvSpPr>
-          <p:nvPr>
-            <p:ph type="title"/>
-          </p:nvPr>
-        </p:nvSpPr>
-        <p:spPr/>
-        <p:txBody>
-          <a:bodyPr/>
-          <a:lstStyle/>
-          <a:p>
-            <a:r>
-              <a:rPr lang="en-US" dirty="0"/>
-              <a:t>Policyholder Analysis:</a:t>
-            </a:r>
-          </a:p>
-        </p:txBody>
-      </p:sp>
-      <p:pic>
-        <p:nvPicPr>
-          <p:cNvPr id="12" name="Picture 11">
-            <a:extLst>
-              <a:ext uri="{FF2B5EF4-FFF2-40B4-BE49-F238E27FC236}">
-                <a16:creationId xmlns:a16="http://schemas.microsoft.com/office/drawing/2014/main" id="{01B72F0A-71FA-A093-FFF3-9BD1DC224AEB}"/>
-              </a:ext>
-            </a:extLst>
-          </p:cNvPr>
-          <p:cNvPicPr>
-            <a:picLocks noChangeAspect="1"/>
-          </p:cNvPicPr>
-          <p:nvPr/>
-        </p:nvPicPr>
-        <p:blipFill>
-          <a:blip r:embed="rId3"/>
-          <a:stretch>
-            <a:fillRect/>
-          </a:stretch>
-        </p:blipFill>
-        <p:spPr>
-          <a:xfrm>
-            <a:off x="4660762" y="1600200"/>
-            <a:ext cx="3844605" cy="1665615"/>
-          </a:xfrm>
-          <a:prstGeom prst="rect">
-            <a:avLst/>
-          </a:prstGeom>
-        </p:spPr>
-      </p:pic>
-      <p:pic>
-        <p:nvPicPr>
-          <p:cNvPr id="14" name="Picture 13">
-            <a:extLst>
-              <a:ext uri="{FF2B5EF4-FFF2-40B4-BE49-F238E27FC236}">
-                <a16:creationId xmlns:a16="http://schemas.microsoft.com/office/drawing/2014/main" id="{5519F19F-B5F0-FACD-E9D7-90B0520CCA91}"/>
-              </a:ext>
-            </a:extLst>
-          </p:cNvPr>
-          <p:cNvPicPr>
-            <a:picLocks noChangeAspect="1"/>
-          </p:cNvPicPr>
-          <p:nvPr/>
-        </p:nvPicPr>
-        <p:blipFill>
-          <a:blip r:embed="rId4"/>
-          <a:stretch>
-            <a:fillRect/>
-          </a:stretch>
-        </p:blipFill>
-        <p:spPr>
-          <a:xfrm>
-            <a:off x="4660762" y="3915857"/>
-            <a:ext cx="3504758" cy="1971426"/>
-          </a:xfrm>
-          <a:prstGeom prst="rect">
-            <a:avLst/>
-          </a:prstGeom>
-        </p:spPr>
-      </p:pic>
-    </p:spTree>
-    <p:extLst>
-      <p:ext uri="{BB962C8B-B14F-4D97-AF65-F5344CB8AC3E}">
-        <p14:creationId xmlns:p14="http://schemas.microsoft.com/office/powerpoint/2010/main" val="2356183093"/>
-      </p:ext>
-    </p:extLst>
-  </p:cSld>
-  <p:clrMapOvr>
-    <a:masterClrMapping/>
-  </p:clrMapOvr>
-</p:sld>
-</file>
-
-<file path=ppt/slides/slide11.xml><?xml version="1.0" encoding="utf-8"?>
-<p:sld xmlns:a="http://schemas.openxmlformats.org/drawingml/2006/main" xmlns:r="http://schemas.openxmlformats.org/officeDocument/2006/relationships" xmlns:p="http://schemas.openxmlformats.org/presentationml/2006/main">
-  <p:cSld>
-    <p:spTree>
-      <p:nvGrpSpPr>
-        <p:cNvPr id="1" name=""/>
-        <p:cNvGrpSpPr/>
-        <p:nvPr/>
-      </p:nvGrpSpPr>
-      <p:grpSpPr>
-        <a:xfrm>
-          <a:off x="0" y="0"/>
-          <a:ext cx="0" cy="0"/>
-          <a:chOff x="0" y="0"/>
-          <a:chExt cx="0" cy="0"/>
-        </a:xfrm>
-      </p:grpSpPr>
-      <p:sp>
-        <p:nvSpPr>
-          <p:cNvPr id="3" name="Slide Number Placeholder 2"/>
-          <p:cNvSpPr>
-            <a:spLocks noGrp="1"/>
-          </p:cNvSpPr>
-          <p:nvPr>
-            <p:ph type="sldNum" sz="quarter" idx="10"/>
-          </p:nvPr>
-        </p:nvSpPr>
-        <p:spPr/>
-        <p:txBody>
-          <a:bodyPr/>
-          <a:lstStyle/>
-          <a:p>
-            <a:pPr>
-              <a:defRPr/>
-            </a:pPr>
-            <a:fld id="{1188F9D2-5B65-4C92-8FFB-3F149C9EBFE1}" type="slidenum">
-              <a:rPr lang="en-US" altLang="en-US" smtClean="0"/>
-              <a:pPr>
-                <a:defRPr/>
-              </a:pPr>
-              <a:t>11</a:t>
-            </a:fld>
-            <a:endParaRPr lang="en-US" altLang="en-US" dirty="0"/>
-          </a:p>
-        </p:txBody>
-      </p:sp>
-      <p:sp>
-        <p:nvSpPr>
-          <p:cNvPr id="15" name="Title 14"/>
-          <p:cNvSpPr>
-            <a:spLocks noGrp="1"/>
-          </p:cNvSpPr>
-          <p:nvPr>
-            <p:ph type="title"/>
-          </p:nvPr>
-        </p:nvSpPr>
-        <p:spPr/>
-        <p:txBody>
-          <a:bodyPr/>
-          <a:lstStyle/>
-          <a:p>
-            <a:r>
-              <a:rPr lang="en-US" dirty="0"/>
-              <a:t>Dashboard #3 – States with highest DUI related Accidents</a:t>
-            </a:r>
-          </a:p>
-        </p:txBody>
-      </p:sp>
-      <p:pic>
-        <p:nvPicPr>
-          <p:cNvPr id="5" name="Picture 4">
-            <a:extLst>
-              <a:ext uri="{FF2B5EF4-FFF2-40B4-BE49-F238E27FC236}">
-                <a16:creationId xmlns:a16="http://schemas.microsoft.com/office/drawing/2014/main" id="{476D4FD6-CE43-B917-52BA-398E51CF5767}"/>
-              </a:ext>
-            </a:extLst>
-          </p:cNvPr>
-          <p:cNvPicPr>
-            <a:picLocks noChangeAspect="1"/>
-          </p:cNvPicPr>
-          <p:nvPr/>
-        </p:nvPicPr>
-        <p:blipFill>
-          <a:blip r:embed="rId3"/>
-          <a:stretch>
-            <a:fillRect/>
-          </a:stretch>
-        </p:blipFill>
-        <p:spPr>
-          <a:xfrm>
-            <a:off x="304800" y="1524000"/>
-            <a:ext cx="8534400" cy="4267200"/>
-          </a:xfrm>
-          <a:prstGeom prst="rect">
-            <a:avLst/>
-          </a:prstGeom>
-        </p:spPr>
-      </p:pic>
-    </p:spTree>
-    <p:extLst>
-      <p:ext uri="{BB962C8B-B14F-4D97-AF65-F5344CB8AC3E}">
-        <p14:creationId xmlns:p14="http://schemas.microsoft.com/office/powerpoint/2010/main" val="491978771"/>
-      </p:ext>
-    </p:extLst>
-  </p:cSld>
-  <p:clrMapOvr>
-    <a:masterClrMapping/>
-  </p:clrMapOvr>
-</p:sld>
-</file>
-
-<file path=ppt/slides/slide12.xml><?xml version="1.0" encoding="utf-8"?>
-<p:sld xmlns:a="http://schemas.openxmlformats.org/drawingml/2006/main" xmlns:r="http://schemas.openxmlformats.org/officeDocument/2006/relationships" xmlns:p="http://schemas.openxmlformats.org/presentationml/2006/main">
-  <p:cSld>
-    <p:spTree>
-      <p:nvGrpSpPr>
-        <p:cNvPr id="1" name=""/>
-        <p:cNvGrpSpPr/>
-        <p:nvPr/>
-      </p:nvGrpSpPr>
-      <p:grpSpPr>
-        <a:xfrm>
-          <a:off x="0" y="0"/>
-          <a:ext cx="0" cy="0"/>
-          <a:chOff x="0" y="0"/>
-          <a:chExt cx="0" cy="0"/>
-        </a:xfrm>
-      </p:grpSpPr>
-      <p:sp>
-        <p:nvSpPr>
-          <p:cNvPr id="3" name="Slide Number Placeholder 2"/>
-          <p:cNvSpPr>
-            <a:spLocks noGrp="1"/>
-          </p:cNvSpPr>
-          <p:nvPr>
-            <p:ph type="sldNum" sz="quarter" idx="10"/>
-          </p:nvPr>
-        </p:nvSpPr>
-        <p:spPr/>
-        <p:txBody>
-          <a:bodyPr/>
-          <a:lstStyle/>
-          <a:p>
-            <a:pPr>
-              <a:defRPr/>
-            </a:pPr>
-            <a:fld id="{1188F9D2-5B65-4C92-8FFB-3F149C9EBFE1}" type="slidenum">
-              <a:rPr lang="en-US" altLang="en-US" smtClean="0"/>
-              <a:pPr>
-                <a:defRPr/>
-              </a:pPr>
-              <a:t>12</a:t>
-            </a:fld>
-            <a:endParaRPr lang="en-US" altLang="en-US" dirty="0"/>
-          </a:p>
-        </p:txBody>
-      </p:sp>
-      <p:sp>
-        <p:nvSpPr>
-          <p:cNvPr id="2" name="Content Placeholder 1">
-            <a:extLst>
-              <a:ext uri="{FF2B5EF4-FFF2-40B4-BE49-F238E27FC236}">
-                <a16:creationId xmlns:a16="http://schemas.microsoft.com/office/drawing/2014/main" id="{B19FA095-E0CC-2F9A-8A17-1705098112C6}"/>
-              </a:ext>
-            </a:extLst>
-          </p:cNvPr>
-          <p:cNvSpPr>
-            <a:spLocks noGrp="1"/>
-          </p:cNvSpPr>
-          <p:nvPr>
-            <p:ph idx="11"/>
-          </p:nvPr>
-        </p:nvSpPr>
-        <p:spPr>
-          <a:xfrm>
-            <a:off x="274320" y="1361550"/>
-            <a:ext cx="8412480" cy="1457849"/>
-          </a:xfrm>
-        </p:spPr>
-        <p:txBody>
-          <a:bodyPr/>
-          <a:lstStyle/>
-          <a:p>
-            <a:r>
-              <a:rPr lang="en-US" sz="1600" dirty="0"/>
-              <a:t>I further analyzed the DUI age trend, as the 2 highest DUI states also had the lowest average ages.</a:t>
-            </a:r>
-          </a:p>
-          <a:p>
-            <a:r>
-              <a:rPr lang="en-US" sz="1600" dirty="0"/>
-              <a:t>Testing the hypothesis that younger drivers were more prone to DUI, the resulting scatterplot returned a statistically significant P-value, indicating that age and DUI count is related.</a:t>
-            </a:r>
-          </a:p>
-          <a:p>
-            <a:endParaRPr lang="en-US" dirty="0"/>
-          </a:p>
-          <a:p>
-            <a:endParaRPr lang="en-US" dirty="0"/>
-          </a:p>
-          <a:p>
-            <a:endParaRPr lang="en-US" b="1" dirty="0"/>
-          </a:p>
-          <a:p>
-            <a:pPr marL="461963" lvl="1" indent="0">
-              <a:buNone/>
-            </a:pPr>
-            <a:endParaRPr lang="en-US" dirty="0"/>
-          </a:p>
-        </p:txBody>
-      </p:sp>
-      <p:sp>
-        <p:nvSpPr>
-          <p:cNvPr id="15" name="Title 14"/>
-          <p:cNvSpPr>
-            <a:spLocks noGrp="1"/>
-          </p:cNvSpPr>
-          <p:nvPr>
-            <p:ph type="title"/>
-          </p:nvPr>
-        </p:nvSpPr>
-        <p:spPr/>
-        <p:txBody>
-          <a:bodyPr/>
-          <a:lstStyle/>
-          <a:p>
-            <a:r>
-              <a:rPr lang="en-US" dirty="0"/>
-              <a:t>Policyholder Analysis:</a:t>
-            </a:r>
-          </a:p>
-        </p:txBody>
-      </p:sp>
-      <p:grpSp>
-        <p:nvGrpSpPr>
-          <p:cNvPr id="18" name="Group 17">
-            <a:extLst>
-              <a:ext uri="{FF2B5EF4-FFF2-40B4-BE49-F238E27FC236}">
-                <a16:creationId xmlns:a16="http://schemas.microsoft.com/office/drawing/2014/main" id="{C2E9C7F1-E6AC-4589-F6D6-F9C4C3A21E7F}"/>
-              </a:ext>
-            </a:extLst>
-          </p:cNvPr>
-          <p:cNvGrpSpPr/>
-          <p:nvPr/>
-        </p:nvGrpSpPr>
-        <p:grpSpPr>
-          <a:xfrm>
-            <a:off x="834390" y="2868922"/>
-            <a:ext cx="7292340" cy="3810318"/>
-            <a:chOff x="0" y="1230605"/>
-            <a:chExt cx="9144000" cy="4396790"/>
-          </a:xfrm>
-        </p:grpSpPr>
-        <p:pic>
-          <p:nvPicPr>
-            <p:cNvPr id="13" name="Picture 12">
-              <a:extLst>
-                <a:ext uri="{FF2B5EF4-FFF2-40B4-BE49-F238E27FC236}">
-                  <a16:creationId xmlns:a16="http://schemas.microsoft.com/office/drawing/2014/main" id="{F9B47195-A7C9-CA4C-C5C0-C19051A8F4AF}"/>
-                </a:ext>
-              </a:extLst>
-            </p:cNvPr>
-            <p:cNvPicPr>
-              <a:picLocks noChangeAspect="1"/>
-            </p:cNvPicPr>
-            <p:nvPr/>
-          </p:nvPicPr>
-          <p:blipFill>
-            <a:blip r:embed="rId3"/>
-            <a:stretch>
-              <a:fillRect/>
-            </a:stretch>
-          </p:blipFill>
-          <p:spPr>
-            <a:xfrm>
-              <a:off x="0" y="1230605"/>
-              <a:ext cx="9144000" cy="4396790"/>
-            </a:xfrm>
-            <a:prstGeom prst="rect">
-              <a:avLst/>
-            </a:prstGeom>
-          </p:spPr>
-        </p:pic>
-        <p:pic>
-          <p:nvPicPr>
-            <p:cNvPr id="17" name="Picture 16">
-              <a:extLst>
-                <a:ext uri="{FF2B5EF4-FFF2-40B4-BE49-F238E27FC236}">
-                  <a16:creationId xmlns:a16="http://schemas.microsoft.com/office/drawing/2014/main" id="{64380B1B-F162-BA51-93E6-BC1712E5E272}"/>
-                </a:ext>
-              </a:extLst>
-            </p:cNvPr>
-            <p:cNvPicPr>
-              <a:picLocks noChangeAspect="1"/>
-            </p:cNvPicPr>
-            <p:nvPr/>
-          </p:nvPicPr>
-          <p:blipFill>
-            <a:blip r:embed="rId4"/>
-            <a:stretch>
-              <a:fillRect/>
-            </a:stretch>
-          </p:blipFill>
-          <p:spPr>
-            <a:xfrm>
-              <a:off x="4721909" y="1444847"/>
-              <a:ext cx="4276056" cy="460153"/>
-            </a:xfrm>
-            <a:prstGeom prst="rect">
-              <a:avLst/>
-            </a:prstGeom>
-          </p:spPr>
-        </p:pic>
-      </p:grpSp>
-    </p:spTree>
-    <p:extLst>
-      <p:ext uri="{BB962C8B-B14F-4D97-AF65-F5344CB8AC3E}">
-        <p14:creationId xmlns:p14="http://schemas.microsoft.com/office/powerpoint/2010/main" val="438840214"/>
-      </p:ext>
-    </p:extLst>
-  </p:cSld>
-  <p:clrMapOvr>
-    <a:masterClrMapping/>
-  </p:clrMapOvr>
-</p:sld>
-</file>
-
-<file path=ppt/slides/slide13.xml><?xml version="1.0" encoding="utf-8"?>
-<p:sld xmlns:a="http://schemas.openxmlformats.org/drawingml/2006/main" xmlns:r="http://schemas.openxmlformats.org/officeDocument/2006/relationships" xmlns:p="http://schemas.openxmlformats.org/presentationml/2006/main">
-  <p:cSld>
-    <p:spTree>
-      <p:nvGrpSpPr>
-        <p:cNvPr id="1" name=""/>
-        <p:cNvGrpSpPr/>
-        <p:nvPr/>
-      </p:nvGrpSpPr>
-      <p:grpSpPr>
-        <a:xfrm>
-          <a:off x="0" y="0"/>
-          <a:ext cx="0" cy="0"/>
-          <a:chOff x="0" y="0"/>
-          <a:chExt cx="0" cy="0"/>
-        </a:xfrm>
-      </p:grpSpPr>
-      <p:sp>
-        <p:nvSpPr>
-          <p:cNvPr id="3" name="Slide Number Placeholder 2"/>
-          <p:cNvSpPr>
-            <a:spLocks noGrp="1"/>
-          </p:cNvSpPr>
-          <p:nvPr>
-            <p:ph type="sldNum" sz="quarter" idx="10"/>
-          </p:nvPr>
-        </p:nvSpPr>
-        <p:spPr/>
-        <p:txBody>
-          <a:bodyPr/>
-          <a:lstStyle/>
-          <a:p>
-            <a:pPr>
-              <a:defRPr/>
-            </a:pPr>
-            <a:fld id="{1188F9D2-5B65-4C92-8FFB-3F149C9EBFE1}" type="slidenum">
-              <a:rPr lang="en-US" altLang="en-US" smtClean="0"/>
-              <a:pPr>
-                <a:defRPr/>
-              </a:pPr>
-              <a:t>13</a:t>
-            </a:fld>
-            <a:endParaRPr lang="en-US" altLang="en-US" dirty="0"/>
-          </a:p>
-        </p:txBody>
-      </p:sp>
-      <p:sp>
-        <p:nvSpPr>
-          <p:cNvPr id="2" name="Content Placeholder 1">
-            <a:extLst>
-              <a:ext uri="{FF2B5EF4-FFF2-40B4-BE49-F238E27FC236}">
-                <a16:creationId xmlns:a16="http://schemas.microsoft.com/office/drawing/2014/main" id="{761DC641-983A-996F-E956-0C944F3E7526}"/>
-              </a:ext>
-            </a:extLst>
-          </p:cNvPr>
-          <p:cNvSpPr>
-            <a:spLocks noGrp="1"/>
-          </p:cNvSpPr>
-          <p:nvPr>
-            <p:ph idx="11"/>
-          </p:nvPr>
-        </p:nvSpPr>
-        <p:spPr/>
-        <p:txBody>
-          <a:bodyPr/>
-          <a:lstStyle/>
-          <a:p>
-            <a:r>
-              <a:rPr lang="en-US" dirty="0"/>
-              <a:t>Only 5 body styles are used Convertible, Motorhome, Sedan, and Taxi/Limo/Van Pool</a:t>
-            </a:r>
-          </a:p>
-          <a:p>
-            <a:pPr marL="0" indent="0">
-              <a:buNone/>
-            </a:pPr>
-            <a:endParaRPr lang="en-US" dirty="0"/>
-          </a:p>
-          <a:p>
-            <a:r>
-              <a:rPr lang="en-US" dirty="0"/>
-              <a:t>Sedans make up 61% of total vehicles in dataset</a:t>
-            </a:r>
-          </a:p>
-          <a:p>
-            <a:endParaRPr lang="en-US" dirty="0"/>
-          </a:p>
-          <a:p>
-            <a:r>
-              <a:rPr lang="en-US" dirty="0"/>
-              <a:t>Accident type by body style</a:t>
-            </a:r>
-          </a:p>
-        </p:txBody>
-      </p:sp>
-      <p:sp>
-        <p:nvSpPr>
-          <p:cNvPr id="15" name="Title 14"/>
-          <p:cNvSpPr>
-            <a:spLocks noGrp="1"/>
-          </p:cNvSpPr>
-          <p:nvPr>
-            <p:ph type="title"/>
-          </p:nvPr>
-        </p:nvSpPr>
-        <p:spPr/>
-        <p:txBody>
-          <a:bodyPr/>
-          <a:lstStyle/>
-          <a:p>
-            <a:r>
-              <a:rPr lang="en-US" dirty="0"/>
-              <a:t>Vehicle Analysis:</a:t>
-            </a:r>
-          </a:p>
-        </p:txBody>
-      </p:sp>
-      <p:pic>
-        <p:nvPicPr>
-          <p:cNvPr id="8" name="Picture 7">
-            <a:extLst>
-              <a:ext uri="{FF2B5EF4-FFF2-40B4-BE49-F238E27FC236}">
-                <a16:creationId xmlns:a16="http://schemas.microsoft.com/office/drawing/2014/main" id="{6B6E2731-B850-1D44-FE19-7E0AE41C195A}"/>
-              </a:ext>
-            </a:extLst>
-          </p:cNvPr>
-          <p:cNvPicPr>
-            <a:picLocks noChangeAspect="1"/>
-          </p:cNvPicPr>
-          <p:nvPr/>
-        </p:nvPicPr>
-        <p:blipFill>
-          <a:blip r:embed="rId3"/>
-          <a:stretch>
-            <a:fillRect/>
-          </a:stretch>
-        </p:blipFill>
-        <p:spPr>
-          <a:xfrm>
-            <a:off x="4739396" y="1373275"/>
-            <a:ext cx="3658270" cy="1790452"/>
-          </a:xfrm>
-          <a:prstGeom prst="rect">
-            <a:avLst/>
-          </a:prstGeom>
-        </p:spPr>
-      </p:pic>
-    </p:spTree>
-    <p:extLst>
-      <p:ext uri="{BB962C8B-B14F-4D97-AF65-F5344CB8AC3E}">
-        <p14:creationId xmlns:p14="http://schemas.microsoft.com/office/powerpoint/2010/main" val="3657309869"/>
-      </p:ext>
-    </p:extLst>
-  </p:cSld>
-  <p:clrMapOvr>
-    <a:masterClrMapping/>
-  </p:clrMapOvr>
-</p:sld>
-</file>
-
-<file path=ppt/slides/slide14.xml><?xml version="1.0" encoding="utf-8"?>
-<p:sld xmlns:a="http://schemas.openxmlformats.org/drawingml/2006/main" xmlns:r="http://schemas.openxmlformats.org/officeDocument/2006/relationships" xmlns:p="http://schemas.openxmlformats.org/presentationml/2006/main">
-  <p:cSld>
-    <p:spTree>
-      <p:nvGrpSpPr>
-        <p:cNvPr id="1" name=""/>
-        <p:cNvGrpSpPr/>
-        <p:nvPr/>
-      </p:nvGrpSpPr>
-      <p:grpSpPr>
-        <a:xfrm>
-          <a:off x="0" y="0"/>
-          <a:ext cx="0" cy="0"/>
-          <a:chOff x="0" y="0"/>
-          <a:chExt cx="0" cy="0"/>
-        </a:xfrm>
-      </p:grpSpPr>
-      <p:sp>
-        <p:nvSpPr>
-          <p:cNvPr id="3" name="Slide Number Placeholder 2"/>
-          <p:cNvSpPr>
-            <a:spLocks noGrp="1"/>
-          </p:cNvSpPr>
-          <p:nvPr>
-            <p:ph type="sldNum" sz="quarter" idx="10"/>
-          </p:nvPr>
-        </p:nvSpPr>
-        <p:spPr/>
-        <p:txBody>
-          <a:bodyPr/>
-          <a:lstStyle/>
-          <a:p>
-            <a:pPr>
-              <a:defRPr/>
-            </a:pPr>
-            <a:fld id="{1188F9D2-5B65-4C92-8FFB-3F149C9EBFE1}" type="slidenum">
-              <a:rPr lang="en-US" altLang="en-US" smtClean="0"/>
-              <a:pPr>
-                <a:defRPr/>
-              </a:pPr>
-              <a:t>14</a:t>
-            </a:fld>
-            <a:endParaRPr lang="en-US" altLang="en-US" dirty="0"/>
-          </a:p>
-        </p:txBody>
-      </p:sp>
-      <p:sp>
-        <p:nvSpPr>
-          <p:cNvPr id="2" name="Content Placeholder 1">
-            <a:extLst>
-              <a:ext uri="{FF2B5EF4-FFF2-40B4-BE49-F238E27FC236}">
-                <a16:creationId xmlns:a16="http://schemas.microsoft.com/office/drawing/2014/main" id="{775AAD25-4F58-DB1C-AE3B-D434C09161FD}"/>
-              </a:ext>
-            </a:extLst>
-          </p:cNvPr>
-          <p:cNvSpPr>
-            <a:spLocks noGrp="1"/>
-          </p:cNvSpPr>
-          <p:nvPr>
-            <p:ph idx="11"/>
-          </p:nvPr>
-        </p:nvSpPr>
-        <p:spPr>
-          <a:xfrm>
-            <a:off x="274320" y="1371600"/>
-            <a:ext cx="8260080" cy="4876800"/>
-          </a:xfrm>
-        </p:spPr>
-        <p:txBody>
-          <a:bodyPr/>
-          <a:lstStyle/>
-          <a:p>
-            <a:r>
-              <a:rPr lang="en-US" dirty="0"/>
-              <a:t>Dataset included information on Estimated Repair costs and Actual Repair costs. </a:t>
-            </a:r>
-          </a:p>
-          <a:p>
-            <a:endParaRPr lang="en-US" dirty="0"/>
-          </a:p>
-          <a:p>
-            <a:r>
-              <a:rPr lang="en-US" dirty="0"/>
-              <a:t>In exploring this further, I wanted to pursue any trends among repair cost discrepancies</a:t>
-            </a:r>
-          </a:p>
-          <a:p>
-            <a:endParaRPr lang="en-US" dirty="0"/>
-          </a:p>
-          <a:p>
-            <a:r>
-              <a:rPr lang="en-US" dirty="0"/>
-              <a:t>Upon calculating a field for Repair Discrepancies (Sum and Average), noticed that West Virginia and District of Columbia were significant outliers in this area.</a:t>
-            </a:r>
-          </a:p>
-          <a:p>
-            <a:endParaRPr lang="en-US" dirty="0"/>
-          </a:p>
-          <a:p>
-            <a:r>
-              <a:rPr lang="en-US" dirty="0"/>
-              <a:t>West Virginia had the highest AVERAGE discrepancy ($1,909) and District of Columbia had the highest TOTAL discrepancies ($1,699,641.)</a:t>
-            </a:r>
-          </a:p>
-          <a:p>
-            <a:endParaRPr lang="en-US" dirty="0"/>
-          </a:p>
-          <a:p>
-            <a:r>
-              <a:rPr lang="en-US" dirty="0"/>
-              <a:t>Created dashboard to visualize these discrepancies.</a:t>
-            </a:r>
-          </a:p>
-        </p:txBody>
-      </p:sp>
-      <p:sp>
-        <p:nvSpPr>
-          <p:cNvPr id="15" name="Title 14"/>
-          <p:cNvSpPr>
-            <a:spLocks noGrp="1"/>
-          </p:cNvSpPr>
-          <p:nvPr>
-            <p:ph type="title"/>
-          </p:nvPr>
-        </p:nvSpPr>
-        <p:spPr/>
-        <p:txBody>
-          <a:bodyPr/>
-          <a:lstStyle/>
-          <a:p>
-            <a:r>
-              <a:rPr lang="en-US" dirty="0"/>
-              <a:t>Repair Discrepancies Deep-Dive</a:t>
-            </a:r>
-          </a:p>
-        </p:txBody>
-      </p:sp>
-    </p:spTree>
-    <p:extLst>
-      <p:ext uri="{BB962C8B-B14F-4D97-AF65-F5344CB8AC3E}">
-        <p14:creationId xmlns:p14="http://schemas.microsoft.com/office/powerpoint/2010/main" val="1184692340"/>
-      </p:ext>
-    </p:extLst>
-  </p:cSld>
-  <p:clrMapOvr>
-    <a:masterClrMapping/>
-  </p:clrMapOvr>
-</p:sld>
-</file>
-
-<file path=ppt/slides/slide15.xml><?xml version="1.0" encoding="utf-8"?>
-<p:sld xmlns:a="http://schemas.openxmlformats.org/drawingml/2006/main" xmlns:r="http://schemas.openxmlformats.org/officeDocument/2006/relationships" xmlns:p="http://schemas.openxmlformats.org/presentationml/2006/main">
-  <p:cSld>
-    <p:spTree>
-      <p:nvGrpSpPr>
-        <p:cNvPr id="1" name=""/>
-        <p:cNvGrpSpPr/>
-        <p:nvPr/>
-      </p:nvGrpSpPr>
-      <p:grpSpPr>
-        <a:xfrm>
-          <a:off x="0" y="0"/>
-          <a:ext cx="0" cy="0"/>
-          <a:chOff x="0" y="0"/>
-          <a:chExt cx="0" cy="0"/>
-        </a:xfrm>
-      </p:grpSpPr>
-      <p:sp>
-        <p:nvSpPr>
-          <p:cNvPr id="3" name="Slide Number Placeholder 2"/>
-          <p:cNvSpPr>
-            <a:spLocks noGrp="1"/>
-          </p:cNvSpPr>
-          <p:nvPr>
-            <p:ph type="sldNum" sz="quarter" idx="10"/>
-          </p:nvPr>
-        </p:nvSpPr>
-        <p:spPr/>
-        <p:txBody>
-          <a:bodyPr/>
-          <a:lstStyle/>
-          <a:p>
-            <a:pPr>
-              <a:defRPr/>
-            </a:pPr>
-            <a:fld id="{1188F9D2-5B65-4C92-8FFB-3F149C9EBFE1}" type="slidenum">
-              <a:rPr lang="en-US" altLang="en-US" smtClean="0"/>
-              <a:pPr>
-                <a:defRPr/>
-              </a:pPr>
-              <a:t>15</a:t>
-            </a:fld>
-            <a:endParaRPr lang="en-US" altLang="en-US" dirty="0"/>
-          </a:p>
-        </p:txBody>
-      </p:sp>
-      <p:sp>
-        <p:nvSpPr>
-          <p:cNvPr id="15" name="Title 14"/>
-          <p:cNvSpPr>
-            <a:spLocks noGrp="1"/>
-          </p:cNvSpPr>
-          <p:nvPr>
-            <p:ph type="title"/>
-          </p:nvPr>
-        </p:nvSpPr>
-        <p:spPr/>
-        <p:txBody>
-          <a:bodyPr/>
-          <a:lstStyle/>
-          <a:p>
-            <a:r>
-              <a:rPr lang="en-US" dirty="0"/>
-              <a:t>Dashboard #4 – Sum and Average Settlement Discrepancy</a:t>
-            </a:r>
-          </a:p>
-        </p:txBody>
-      </p:sp>
-      <p:pic>
-        <p:nvPicPr>
-          <p:cNvPr id="5" name="Picture 4">
-            <a:extLst>
-              <a:ext uri="{FF2B5EF4-FFF2-40B4-BE49-F238E27FC236}">
-                <a16:creationId xmlns:a16="http://schemas.microsoft.com/office/drawing/2014/main" id="{BD81517C-966E-E7EE-6F92-ECA0EA8962C0}"/>
-              </a:ext>
-            </a:extLst>
-          </p:cNvPr>
-          <p:cNvPicPr>
-            <a:picLocks noChangeAspect="1"/>
-          </p:cNvPicPr>
-          <p:nvPr/>
-        </p:nvPicPr>
-        <p:blipFill>
-          <a:blip r:embed="rId3"/>
-          <a:stretch>
-            <a:fillRect/>
-          </a:stretch>
-        </p:blipFill>
-        <p:spPr>
-          <a:xfrm>
-            <a:off x="426719" y="1573177"/>
-            <a:ext cx="7990205" cy="2183439"/>
-          </a:xfrm>
-          <a:prstGeom prst="rect">
-            <a:avLst/>
-          </a:prstGeom>
-        </p:spPr>
-      </p:pic>
-      <p:pic>
-        <p:nvPicPr>
-          <p:cNvPr id="7" name="Picture 6">
-            <a:extLst>
-              <a:ext uri="{FF2B5EF4-FFF2-40B4-BE49-F238E27FC236}">
-                <a16:creationId xmlns:a16="http://schemas.microsoft.com/office/drawing/2014/main" id="{8CB9381A-20BF-A569-FF4D-A8CD544D580C}"/>
-              </a:ext>
-            </a:extLst>
-          </p:cNvPr>
-          <p:cNvPicPr>
-            <a:picLocks noChangeAspect="1"/>
-          </p:cNvPicPr>
-          <p:nvPr/>
-        </p:nvPicPr>
-        <p:blipFill>
-          <a:blip r:embed="rId4"/>
-          <a:stretch>
-            <a:fillRect/>
-          </a:stretch>
-        </p:blipFill>
-        <p:spPr>
-          <a:xfrm>
-            <a:off x="426720" y="3953294"/>
-            <a:ext cx="7990204" cy="2185052"/>
-          </a:xfrm>
-          <a:prstGeom prst="rect">
-            <a:avLst/>
-          </a:prstGeom>
-        </p:spPr>
-      </p:pic>
-    </p:spTree>
-    <p:extLst>
-      <p:ext uri="{BB962C8B-B14F-4D97-AF65-F5344CB8AC3E}">
-        <p14:creationId xmlns:p14="http://schemas.microsoft.com/office/powerpoint/2010/main" val="994360358"/>
-      </p:ext>
-    </p:extLst>
-  </p:cSld>
-  <p:clrMapOvr>
-    <a:masterClrMapping/>
-  </p:clrMapOvr>
-</p:sld>
-</file>
-
-<file path=ppt/slides/slide16.xml><?xml version="1.0" encoding="utf-8"?>
-<p:sld xmlns:a="http://schemas.openxmlformats.org/drawingml/2006/main" xmlns:r="http://schemas.openxmlformats.org/officeDocument/2006/relationships" xmlns:p="http://schemas.openxmlformats.org/presentationml/2006/main">
-  <p:cSld>
-    <p:spTree>
-      <p:nvGrpSpPr>
-        <p:cNvPr id="1" name=""/>
-        <p:cNvGrpSpPr/>
-        <p:nvPr/>
-      </p:nvGrpSpPr>
-      <p:grpSpPr>
-        <a:xfrm>
-          <a:off x="0" y="0"/>
-          <a:ext cx="0" cy="0"/>
-          <a:chOff x="0" y="0"/>
-          <a:chExt cx="0" cy="0"/>
-        </a:xfrm>
-      </p:grpSpPr>
-      <p:sp>
-        <p:nvSpPr>
-          <p:cNvPr id="3" name="Slide Number Placeholder 2"/>
-          <p:cNvSpPr>
-            <a:spLocks noGrp="1"/>
-          </p:cNvSpPr>
-          <p:nvPr>
-            <p:ph type="sldNum" sz="quarter" idx="10"/>
-          </p:nvPr>
-        </p:nvSpPr>
-        <p:spPr/>
-        <p:txBody>
-          <a:bodyPr/>
-          <a:lstStyle/>
-          <a:p>
-            <a:pPr>
-              <a:defRPr/>
-            </a:pPr>
-            <a:fld id="{1188F9D2-5B65-4C92-8FFB-3F149C9EBFE1}" type="slidenum">
-              <a:rPr lang="en-US" altLang="en-US" smtClean="0"/>
-              <a:pPr>
-                <a:defRPr/>
-              </a:pPr>
-              <a:t>16</a:t>
-            </a:fld>
-            <a:endParaRPr lang="en-US" altLang="en-US" dirty="0"/>
-          </a:p>
-        </p:txBody>
-      </p:sp>
-      <p:sp>
-        <p:nvSpPr>
-          <p:cNvPr id="15" name="Title 14"/>
-          <p:cNvSpPr>
-            <a:spLocks noGrp="1"/>
-          </p:cNvSpPr>
-          <p:nvPr>
-            <p:ph type="title"/>
-          </p:nvPr>
-        </p:nvSpPr>
-        <p:spPr/>
-        <p:txBody>
-          <a:bodyPr/>
-          <a:lstStyle/>
-          <a:p>
-            <a:r>
-              <a:rPr lang="en-US" dirty="0"/>
-              <a:t>Summary</a:t>
-            </a:r>
-          </a:p>
-        </p:txBody>
-      </p:sp>
-      <p:sp>
-        <p:nvSpPr>
-          <p:cNvPr id="5" name="Content Placeholder 6">
-            <a:extLst>
-              <a:ext uri="{FF2B5EF4-FFF2-40B4-BE49-F238E27FC236}">
-                <a16:creationId xmlns:a16="http://schemas.microsoft.com/office/drawing/2014/main" id="{F744684B-D0C2-50CE-D71C-640A315516DE}"/>
+                <a16:creationId xmlns:a16="http://schemas.microsoft.com/office/drawing/2014/main" id="{F293DBE1-3186-4050-72C6-E8786983EE65}"/>
               </a:ext>
             </a:extLst>
           </p:cNvPr>
@@ -8877,7 +8722,7 @@
         <p:spPr>
           <a:xfrm>
             <a:off x="274320" y="1371600"/>
-            <a:ext cx="8321040" cy="4876800"/>
+            <a:ext cx="8321040" cy="4800600"/>
           </a:xfrm>
           <a:prstGeom prst="rect">
             <a:avLst/>
@@ -9025,61 +8870,1103 @@
             </a:lvl9pPr>
           </a:lstStyle>
           <a:p>
-            <a:pPr marL="461963" lvl="1" indent="0">
-              <a:buFontTx/>
+            <a:pPr marL="0" indent="0">
               <a:buNone/>
             </a:pPr>
-            <a:endParaRPr lang="en-US" altLang="en-US" sz="1200" kern="0" dirty="0"/>
-          </a:p>
-          <a:p>
-            <a:r>
-              <a:rPr lang="en-US" altLang="en-US" kern="0" dirty="0"/>
-              <a:t>Initial dataset had a few anomalies and required some cleaning, but after some discussion with my stakeholders and SMEs, I was able to resolve.</a:t>
-            </a:r>
-          </a:p>
-          <a:p>
-            <a:endParaRPr lang="en-US" altLang="en-US" kern="0" dirty="0"/>
-          </a:p>
-          <a:p>
-            <a:r>
-              <a:rPr lang="en-US" altLang="en-US" kern="0" dirty="0"/>
-              <a:t>Younger drivers are prone to DUI. Perhaps look into some sort of education program for younger drivers – especially around DUI. Propose a driver education credit.</a:t>
-            </a:r>
-          </a:p>
-          <a:p>
-            <a:endParaRPr lang="en-US" altLang="en-US" kern="0" dirty="0"/>
-          </a:p>
-          <a:p>
-            <a:r>
-              <a:rPr lang="en-US" altLang="en-US" kern="0" dirty="0"/>
-              <a:t>DC and West Virginia have the highest discrepancies in estimates vs. payout.</a:t>
-            </a:r>
-          </a:p>
-          <a:p>
-            <a:endParaRPr lang="en-US" altLang="en-US" kern="0" dirty="0"/>
-          </a:p>
-          <a:p>
-            <a:r>
-              <a:rPr lang="en-US" altLang="en-US" kern="0" dirty="0"/>
-              <a:t>DC appears to be an outlier on many different factors.  Perhaps we need to consider the drivers for this, and given it is such a small geographical area, perhaps consider a moratorium on writing new business in this area.</a:t>
-            </a:r>
-          </a:p>
-          <a:p>
-            <a:endParaRPr lang="en-US" altLang="en-US" kern="0" dirty="0"/>
-          </a:p>
-          <a:p>
-            <a:pPr marL="461963" lvl="1" indent="0">
-              <a:buFontTx/>
-              <a:buNone/>
-            </a:pPr>
-            <a:endParaRPr lang="en-US" altLang="en-US" kern="0" dirty="0"/>
-          </a:p>
-        </p:txBody>
-      </p:sp>
+            <a:endParaRPr lang="en-US" dirty="0"/>
+          </a:p>
+        </p:txBody>
+      </p:sp>
+      <p:pic>
+        <p:nvPicPr>
+          <p:cNvPr id="8" name="Picture 7">
+            <a:extLst>
+              <a:ext uri="{FF2B5EF4-FFF2-40B4-BE49-F238E27FC236}">
+                <a16:creationId xmlns:a16="http://schemas.microsoft.com/office/drawing/2014/main" id="{EADEDB82-CE86-7942-E069-034F360E4BFB}"/>
+              </a:ext>
+            </a:extLst>
+          </p:cNvPr>
+          <p:cNvPicPr>
+            <a:picLocks noChangeAspect="1"/>
+          </p:cNvPicPr>
+          <p:nvPr/>
+        </p:nvPicPr>
+        <p:blipFill>
+          <a:blip r:embed="rId3"/>
+          <a:stretch>
+            <a:fillRect/>
+          </a:stretch>
+        </p:blipFill>
+        <p:spPr>
+          <a:xfrm>
+            <a:off x="381000" y="1905000"/>
+            <a:ext cx="8595360" cy="4044503"/>
+          </a:xfrm>
+          <a:prstGeom prst="rect">
+            <a:avLst/>
+          </a:prstGeom>
+        </p:spPr>
+      </p:pic>
     </p:spTree>
     <p:extLst>
       <p:ext uri="{BB962C8B-B14F-4D97-AF65-F5344CB8AC3E}">
-        <p14:creationId xmlns:p14="http://schemas.microsoft.com/office/powerpoint/2010/main" val="2631957148"/>
+        <p14:creationId xmlns:p14="http://schemas.microsoft.com/office/powerpoint/2010/main" val="3633699534"/>
+      </p:ext>
+    </p:extLst>
+  </p:cSld>
+  <p:clrMapOvr>
+    <a:masterClrMapping/>
+  </p:clrMapOvr>
+</p:sld>
+</file>
+
+<file path=ppt/slides/slide11.xml><?xml version="1.0" encoding="utf-8"?>
+<p:sld xmlns:a="http://schemas.openxmlformats.org/drawingml/2006/main" xmlns:r="http://schemas.openxmlformats.org/officeDocument/2006/relationships" xmlns:p="http://schemas.openxmlformats.org/presentationml/2006/main">
+  <p:cSld>
+    <p:spTree>
+      <p:nvGrpSpPr>
+        <p:cNvPr id="1" name=""/>
+        <p:cNvGrpSpPr/>
+        <p:nvPr/>
+      </p:nvGrpSpPr>
+      <p:grpSpPr>
+        <a:xfrm>
+          <a:off x="0" y="0"/>
+          <a:ext cx="0" cy="0"/>
+          <a:chOff x="0" y="0"/>
+          <a:chExt cx="0" cy="0"/>
+        </a:xfrm>
+      </p:grpSpPr>
+      <p:sp>
+        <p:nvSpPr>
+          <p:cNvPr id="3" name="Slide Number Placeholder 2"/>
+          <p:cNvSpPr>
+            <a:spLocks noGrp="1"/>
+          </p:cNvSpPr>
+          <p:nvPr>
+            <p:ph type="sldNum" sz="quarter" idx="10"/>
+          </p:nvPr>
+        </p:nvSpPr>
+        <p:spPr/>
+        <p:txBody>
+          <a:bodyPr/>
+          <a:lstStyle/>
+          <a:p>
+            <a:pPr>
+              <a:defRPr/>
+            </a:pPr>
+            <a:fld id="{1188F9D2-5B65-4C92-8FFB-3F149C9EBFE1}" type="slidenum">
+              <a:rPr lang="en-US" altLang="en-US" smtClean="0"/>
+              <a:pPr>
+                <a:defRPr/>
+              </a:pPr>
+              <a:t>11</a:t>
+            </a:fld>
+            <a:endParaRPr lang="en-US" altLang="en-US" dirty="0"/>
+          </a:p>
+        </p:txBody>
+      </p:sp>
+      <p:sp>
+        <p:nvSpPr>
+          <p:cNvPr id="2" name="Content Placeholder 1">
+            <a:extLst>
+              <a:ext uri="{FF2B5EF4-FFF2-40B4-BE49-F238E27FC236}">
+                <a16:creationId xmlns:a16="http://schemas.microsoft.com/office/drawing/2014/main" id="{D8E0DBAD-F81A-DBBE-69C4-9EC60C4DAA78}"/>
+              </a:ext>
+            </a:extLst>
+          </p:cNvPr>
+          <p:cNvSpPr>
+            <a:spLocks noGrp="1"/>
+          </p:cNvSpPr>
+          <p:nvPr>
+            <p:ph idx="11"/>
+          </p:nvPr>
+        </p:nvSpPr>
+        <p:spPr>
+          <a:xfrm>
+            <a:off x="274320" y="1371600"/>
+            <a:ext cx="8564880" cy="4953000"/>
+          </a:xfrm>
+        </p:spPr>
+        <p:txBody>
+          <a:bodyPr/>
+          <a:lstStyle/>
+          <a:p>
+            <a:r>
+              <a:rPr lang="en-US" dirty="0"/>
+              <a:t>CA has largest dollar amount paid in Claim settlements ($5M), and also the youngest average age of 26.</a:t>
+            </a:r>
+          </a:p>
+          <a:p>
+            <a:pPr lvl="1"/>
+            <a:r>
+              <a:rPr lang="en-US" dirty="0"/>
+              <a:t>CA is a large state, so this was not a surprising discovery.</a:t>
+            </a:r>
+          </a:p>
+          <a:p>
+            <a:pPr marL="0" indent="0">
+              <a:buNone/>
+            </a:pPr>
+            <a:endParaRPr lang="en-US" dirty="0"/>
+          </a:p>
+          <a:p>
+            <a:r>
+              <a:rPr lang="en-US" dirty="0"/>
+              <a:t>WV has largest Average discrepancy between claim estimate and final cost. ($7,335)</a:t>
+            </a:r>
+          </a:p>
+          <a:p>
+            <a:endParaRPr lang="en-US" dirty="0"/>
+          </a:p>
+          <a:p>
+            <a:r>
+              <a:rPr lang="en-US" dirty="0"/>
+              <a:t>District of Columbia has largest Total discrepancy between claim estimate and final cost. ($1.7M)</a:t>
+            </a:r>
+          </a:p>
+          <a:p>
+            <a:pPr marL="0" indent="0">
+              <a:buNone/>
+            </a:pPr>
+            <a:endParaRPr lang="en-US" dirty="0"/>
+          </a:p>
+          <a:p>
+            <a:r>
+              <a:rPr lang="en-US" dirty="0"/>
+              <a:t>District of Columbia also has the highest DUI count and 2nd youngest average age of 28.</a:t>
+            </a:r>
+          </a:p>
+          <a:p>
+            <a:endParaRPr lang="en-US" dirty="0"/>
+          </a:p>
+          <a:p>
+            <a:r>
+              <a:rPr lang="en-US" dirty="0">
+                <a:solidFill>
+                  <a:srgbClr val="C00000"/>
+                </a:solidFill>
+              </a:rPr>
+              <a:t>*Both WV/DC are small states by geographic area, so definitely raise red flags.</a:t>
+            </a:r>
+          </a:p>
+          <a:p>
+            <a:r>
+              <a:rPr lang="en-US" dirty="0">
+                <a:solidFill>
+                  <a:srgbClr val="C00000"/>
+                </a:solidFill>
+              </a:rPr>
+              <a:t>*We not know the total size of book of business in each state – this dataset is only for claims, and for a specific time frame.</a:t>
+            </a:r>
+          </a:p>
+        </p:txBody>
+      </p:sp>
+      <p:sp>
+        <p:nvSpPr>
+          <p:cNvPr id="15" name="Title 14"/>
+          <p:cNvSpPr>
+            <a:spLocks noGrp="1"/>
+          </p:cNvSpPr>
+          <p:nvPr>
+            <p:ph type="title"/>
+          </p:nvPr>
+        </p:nvSpPr>
+        <p:spPr/>
+        <p:txBody>
+          <a:bodyPr/>
+          <a:lstStyle/>
+          <a:p>
+            <a:r>
+              <a:rPr lang="en-US" dirty="0"/>
+              <a:t>Statewide Analysis:</a:t>
+            </a:r>
+          </a:p>
+        </p:txBody>
+      </p:sp>
+    </p:spTree>
+    <p:extLst>
+      <p:ext uri="{BB962C8B-B14F-4D97-AF65-F5344CB8AC3E}">
+        <p14:creationId xmlns:p14="http://schemas.microsoft.com/office/powerpoint/2010/main" val="1921320003"/>
+      </p:ext>
+    </p:extLst>
+  </p:cSld>
+  <p:clrMapOvr>
+    <a:masterClrMapping/>
+  </p:clrMapOvr>
+</p:sld>
+</file>
+
+<file path=ppt/slides/slide12.xml><?xml version="1.0" encoding="utf-8"?>
+<p:sld xmlns:a="http://schemas.openxmlformats.org/drawingml/2006/main" xmlns:r="http://schemas.openxmlformats.org/officeDocument/2006/relationships" xmlns:p="http://schemas.openxmlformats.org/presentationml/2006/main">
+  <p:cSld>
+    <p:spTree>
+      <p:nvGrpSpPr>
+        <p:cNvPr id="1" name=""/>
+        <p:cNvGrpSpPr/>
+        <p:nvPr/>
+      </p:nvGrpSpPr>
+      <p:grpSpPr>
+        <a:xfrm>
+          <a:off x="0" y="0"/>
+          <a:ext cx="0" cy="0"/>
+          <a:chOff x="0" y="0"/>
+          <a:chExt cx="0" cy="0"/>
+        </a:xfrm>
+      </p:grpSpPr>
+      <p:sp>
+        <p:nvSpPr>
+          <p:cNvPr id="3" name="Slide Number Placeholder 2"/>
+          <p:cNvSpPr>
+            <a:spLocks noGrp="1"/>
+          </p:cNvSpPr>
+          <p:nvPr>
+            <p:ph type="sldNum" sz="quarter" idx="10"/>
+          </p:nvPr>
+        </p:nvSpPr>
+        <p:spPr/>
+        <p:txBody>
+          <a:bodyPr/>
+          <a:lstStyle/>
+          <a:p>
+            <a:pPr>
+              <a:defRPr/>
+            </a:pPr>
+            <a:fld id="{1188F9D2-5B65-4C92-8FFB-3F149C9EBFE1}" type="slidenum">
+              <a:rPr lang="en-US" altLang="en-US" smtClean="0"/>
+              <a:pPr>
+                <a:defRPr/>
+              </a:pPr>
+              <a:t>12</a:t>
+            </a:fld>
+            <a:endParaRPr lang="en-US" altLang="en-US" dirty="0"/>
+          </a:p>
+        </p:txBody>
+      </p:sp>
+      <p:sp>
+        <p:nvSpPr>
+          <p:cNvPr id="15" name="Title 14"/>
+          <p:cNvSpPr>
+            <a:spLocks noGrp="1"/>
+          </p:cNvSpPr>
+          <p:nvPr>
+            <p:ph type="title"/>
+          </p:nvPr>
+        </p:nvSpPr>
+        <p:spPr/>
+        <p:txBody>
+          <a:bodyPr/>
+          <a:lstStyle/>
+          <a:p>
+            <a:r>
+              <a:rPr lang="en-US" dirty="0"/>
+              <a:t>Dashboard #2 – Geographical Distribution of Accidents</a:t>
+            </a:r>
+          </a:p>
+        </p:txBody>
+      </p:sp>
+      <p:pic>
+        <p:nvPicPr>
+          <p:cNvPr id="5" name="Picture 4">
+            <a:extLst>
+              <a:ext uri="{FF2B5EF4-FFF2-40B4-BE49-F238E27FC236}">
+                <a16:creationId xmlns:a16="http://schemas.microsoft.com/office/drawing/2014/main" id="{E014B085-893C-9C50-811C-70493624A9DE}"/>
+              </a:ext>
+            </a:extLst>
+          </p:cNvPr>
+          <p:cNvPicPr>
+            <a:picLocks noChangeAspect="1"/>
+          </p:cNvPicPr>
+          <p:nvPr/>
+        </p:nvPicPr>
+        <p:blipFill>
+          <a:blip r:embed="rId3"/>
+          <a:stretch>
+            <a:fillRect/>
+          </a:stretch>
+        </p:blipFill>
+        <p:spPr>
+          <a:xfrm>
+            <a:off x="306140" y="1524000"/>
+            <a:ext cx="8305800" cy="4343400"/>
+          </a:xfrm>
+          <a:prstGeom prst="rect">
+            <a:avLst/>
+          </a:prstGeom>
+        </p:spPr>
+      </p:pic>
+    </p:spTree>
+    <p:extLst>
+      <p:ext uri="{BB962C8B-B14F-4D97-AF65-F5344CB8AC3E}">
+        <p14:creationId xmlns:p14="http://schemas.microsoft.com/office/powerpoint/2010/main" val="4012960174"/>
+      </p:ext>
+    </p:extLst>
+  </p:cSld>
+  <p:clrMapOvr>
+    <a:masterClrMapping/>
+  </p:clrMapOvr>
+</p:sld>
+</file>
+
+<file path=ppt/slides/slide13.xml><?xml version="1.0" encoding="utf-8"?>
+<p:sld xmlns:a="http://schemas.openxmlformats.org/drawingml/2006/main" xmlns:r="http://schemas.openxmlformats.org/officeDocument/2006/relationships" xmlns:p="http://schemas.openxmlformats.org/presentationml/2006/main">
+  <p:cSld>
+    <p:spTree>
+      <p:nvGrpSpPr>
+        <p:cNvPr id="1" name=""/>
+        <p:cNvGrpSpPr/>
+        <p:nvPr/>
+      </p:nvGrpSpPr>
+      <p:grpSpPr>
+        <a:xfrm>
+          <a:off x="0" y="0"/>
+          <a:ext cx="0" cy="0"/>
+          <a:chOff x="0" y="0"/>
+          <a:chExt cx="0" cy="0"/>
+        </a:xfrm>
+      </p:grpSpPr>
+      <p:sp>
+        <p:nvSpPr>
+          <p:cNvPr id="3" name="Slide Number Placeholder 2"/>
+          <p:cNvSpPr>
+            <a:spLocks noGrp="1"/>
+          </p:cNvSpPr>
+          <p:nvPr>
+            <p:ph type="sldNum" sz="quarter" idx="10"/>
+          </p:nvPr>
+        </p:nvSpPr>
+        <p:spPr/>
+        <p:txBody>
+          <a:bodyPr/>
+          <a:lstStyle/>
+          <a:p>
+            <a:pPr>
+              <a:defRPr/>
+            </a:pPr>
+            <a:fld id="{1188F9D2-5B65-4C92-8FFB-3F149C9EBFE1}" type="slidenum">
+              <a:rPr lang="en-US" altLang="en-US" smtClean="0"/>
+              <a:pPr>
+                <a:defRPr/>
+              </a:pPr>
+              <a:t>13</a:t>
+            </a:fld>
+            <a:endParaRPr lang="en-US" altLang="en-US" dirty="0"/>
+          </a:p>
+        </p:txBody>
+      </p:sp>
+      <p:sp>
+        <p:nvSpPr>
+          <p:cNvPr id="2" name="Content Placeholder 1">
+            <a:extLst>
+              <a:ext uri="{FF2B5EF4-FFF2-40B4-BE49-F238E27FC236}">
+                <a16:creationId xmlns:a16="http://schemas.microsoft.com/office/drawing/2014/main" id="{B19FA095-E0CC-2F9A-8A17-1705098112C6}"/>
+              </a:ext>
+            </a:extLst>
+          </p:cNvPr>
+          <p:cNvSpPr>
+            <a:spLocks noGrp="1"/>
+          </p:cNvSpPr>
+          <p:nvPr>
+            <p:ph idx="11"/>
+          </p:nvPr>
+        </p:nvSpPr>
+        <p:spPr>
+          <a:xfrm>
+            <a:off x="274320" y="1371600"/>
+            <a:ext cx="4221480" cy="4800600"/>
+          </a:xfrm>
+        </p:spPr>
+        <p:txBody>
+          <a:bodyPr/>
+          <a:lstStyle/>
+          <a:p>
+            <a:endParaRPr lang="en-US" dirty="0"/>
+          </a:p>
+          <a:p>
+            <a:r>
+              <a:rPr lang="en-US" dirty="0"/>
+              <a:t>Minimum age = 18</a:t>
+            </a:r>
+          </a:p>
+          <a:p>
+            <a:r>
+              <a:rPr lang="en-US" dirty="0"/>
+              <a:t>Maximum age = 60 </a:t>
+            </a:r>
+          </a:p>
+          <a:p>
+            <a:r>
+              <a:rPr lang="en-US" dirty="0"/>
+              <a:t>Average age = 35</a:t>
+            </a:r>
+          </a:p>
+          <a:p>
+            <a:endParaRPr lang="en-US" dirty="0"/>
+          </a:p>
+          <a:p>
+            <a:pPr marL="0" indent="0">
+              <a:buNone/>
+            </a:pPr>
+            <a:endParaRPr lang="en-US" dirty="0"/>
+          </a:p>
+          <a:p>
+            <a:pPr marL="0" indent="0">
+              <a:buNone/>
+            </a:pPr>
+            <a:endParaRPr lang="en-US" dirty="0"/>
+          </a:p>
+          <a:p>
+            <a:r>
+              <a:rPr lang="en-US" dirty="0"/>
+              <a:t>Gender/Marital Analysis:</a:t>
+            </a:r>
+          </a:p>
+          <a:p>
+            <a:pPr lvl="1"/>
+            <a:r>
+              <a:rPr lang="en-US" dirty="0"/>
+              <a:t>Males account for 45% of accidents and 49% of DUI.</a:t>
+            </a:r>
+          </a:p>
+          <a:p>
+            <a:pPr lvl="1"/>
+            <a:r>
+              <a:rPr lang="en-US" dirty="0"/>
+              <a:t>Approx. 20% of accidents and DUI are attributed to a “Neutral” gender marker per the dataset.</a:t>
+            </a:r>
+          </a:p>
+          <a:p>
+            <a:pPr marL="461963" lvl="1" indent="0">
+              <a:buNone/>
+            </a:pPr>
+            <a:endParaRPr lang="en-US" dirty="0"/>
+          </a:p>
+        </p:txBody>
+      </p:sp>
+      <p:sp>
+        <p:nvSpPr>
+          <p:cNvPr id="15" name="Title 14"/>
+          <p:cNvSpPr>
+            <a:spLocks noGrp="1"/>
+          </p:cNvSpPr>
+          <p:nvPr>
+            <p:ph type="title"/>
+          </p:nvPr>
+        </p:nvSpPr>
+        <p:spPr/>
+        <p:txBody>
+          <a:bodyPr/>
+          <a:lstStyle/>
+          <a:p>
+            <a:r>
+              <a:rPr lang="en-US" dirty="0"/>
+              <a:t>Policyholder Analysis:</a:t>
+            </a:r>
+          </a:p>
+        </p:txBody>
+      </p:sp>
+      <p:pic>
+        <p:nvPicPr>
+          <p:cNvPr id="12" name="Picture 11">
+            <a:extLst>
+              <a:ext uri="{FF2B5EF4-FFF2-40B4-BE49-F238E27FC236}">
+                <a16:creationId xmlns:a16="http://schemas.microsoft.com/office/drawing/2014/main" id="{01B72F0A-71FA-A093-FFF3-9BD1DC224AEB}"/>
+              </a:ext>
+            </a:extLst>
+          </p:cNvPr>
+          <p:cNvPicPr>
+            <a:picLocks noChangeAspect="1"/>
+          </p:cNvPicPr>
+          <p:nvPr/>
+        </p:nvPicPr>
+        <p:blipFill>
+          <a:blip r:embed="rId3"/>
+          <a:stretch>
+            <a:fillRect/>
+          </a:stretch>
+        </p:blipFill>
+        <p:spPr>
+          <a:xfrm>
+            <a:off x="4660761" y="1511897"/>
+            <a:ext cx="3844605" cy="1665615"/>
+          </a:xfrm>
+          <a:prstGeom prst="rect">
+            <a:avLst/>
+          </a:prstGeom>
+        </p:spPr>
+      </p:pic>
+      <p:pic>
+        <p:nvPicPr>
+          <p:cNvPr id="14" name="Picture 13">
+            <a:extLst>
+              <a:ext uri="{FF2B5EF4-FFF2-40B4-BE49-F238E27FC236}">
+                <a16:creationId xmlns:a16="http://schemas.microsoft.com/office/drawing/2014/main" id="{5519F19F-B5F0-FACD-E9D7-90B0520CCA91}"/>
+              </a:ext>
+            </a:extLst>
+          </p:cNvPr>
+          <p:cNvPicPr>
+            <a:picLocks noChangeAspect="1"/>
+          </p:cNvPicPr>
+          <p:nvPr/>
+        </p:nvPicPr>
+        <p:blipFill>
+          <a:blip r:embed="rId4"/>
+          <a:stretch>
+            <a:fillRect/>
+          </a:stretch>
+        </p:blipFill>
+        <p:spPr>
+          <a:xfrm>
+            <a:off x="4830685" y="3592186"/>
+            <a:ext cx="3504758" cy="1971426"/>
+          </a:xfrm>
+          <a:prstGeom prst="rect">
+            <a:avLst/>
+          </a:prstGeom>
+        </p:spPr>
+      </p:pic>
+    </p:spTree>
+    <p:extLst>
+      <p:ext uri="{BB962C8B-B14F-4D97-AF65-F5344CB8AC3E}">
+        <p14:creationId xmlns:p14="http://schemas.microsoft.com/office/powerpoint/2010/main" val="2356183093"/>
+      </p:ext>
+    </p:extLst>
+  </p:cSld>
+  <p:clrMapOvr>
+    <a:masterClrMapping/>
+  </p:clrMapOvr>
+</p:sld>
+</file>
+
+<file path=ppt/slides/slide14.xml><?xml version="1.0" encoding="utf-8"?>
+<p:sld xmlns:a="http://schemas.openxmlformats.org/drawingml/2006/main" xmlns:r="http://schemas.openxmlformats.org/officeDocument/2006/relationships" xmlns:p="http://schemas.openxmlformats.org/presentationml/2006/main">
+  <p:cSld>
+    <p:spTree>
+      <p:nvGrpSpPr>
+        <p:cNvPr id="1" name=""/>
+        <p:cNvGrpSpPr/>
+        <p:nvPr/>
+      </p:nvGrpSpPr>
+      <p:grpSpPr>
+        <a:xfrm>
+          <a:off x="0" y="0"/>
+          <a:ext cx="0" cy="0"/>
+          <a:chOff x="0" y="0"/>
+          <a:chExt cx="0" cy="0"/>
+        </a:xfrm>
+      </p:grpSpPr>
+      <p:sp>
+        <p:nvSpPr>
+          <p:cNvPr id="3" name="Slide Number Placeholder 2"/>
+          <p:cNvSpPr>
+            <a:spLocks noGrp="1"/>
+          </p:cNvSpPr>
+          <p:nvPr>
+            <p:ph type="sldNum" sz="quarter" idx="10"/>
+          </p:nvPr>
+        </p:nvSpPr>
+        <p:spPr/>
+        <p:txBody>
+          <a:bodyPr/>
+          <a:lstStyle/>
+          <a:p>
+            <a:pPr>
+              <a:defRPr/>
+            </a:pPr>
+            <a:fld id="{1188F9D2-5B65-4C92-8FFB-3F149C9EBFE1}" type="slidenum">
+              <a:rPr lang="en-US" altLang="en-US" smtClean="0"/>
+              <a:pPr>
+                <a:defRPr/>
+              </a:pPr>
+              <a:t>14</a:t>
+            </a:fld>
+            <a:endParaRPr lang="en-US" altLang="en-US" dirty="0"/>
+          </a:p>
+        </p:txBody>
+      </p:sp>
+      <p:sp>
+        <p:nvSpPr>
+          <p:cNvPr id="15" name="Title 14"/>
+          <p:cNvSpPr>
+            <a:spLocks noGrp="1"/>
+          </p:cNvSpPr>
+          <p:nvPr>
+            <p:ph type="title"/>
+          </p:nvPr>
+        </p:nvSpPr>
+        <p:spPr/>
+        <p:txBody>
+          <a:bodyPr/>
+          <a:lstStyle/>
+          <a:p>
+            <a:r>
+              <a:rPr lang="en-US" dirty="0"/>
+              <a:t>Dashboard #3 – States with highest DUI related Accidents</a:t>
+            </a:r>
+          </a:p>
+        </p:txBody>
+      </p:sp>
+      <p:pic>
+        <p:nvPicPr>
+          <p:cNvPr id="5" name="Picture 4">
+            <a:extLst>
+              <a:ext uri="{FF2B5EF4-FFF2-40B4-BE49-F238E27FC236}">
+                <a16:creationId xmlns:a16="http://schemas.microsoft.com/office/drawing/2014/main" id="{476D4FD6-CE43-B917-52BA-398E51CF5767}"/>
+              </a:ext>
+            </a:extLst>
+          </p:cNvPr>
+          <p:cNvPicPr>
+            <a:picLocks noChangeAspect="1"/>
+          </p:cNvPicPr>
+          <p:nvPr/>
+        </p:nvPicPr>
+        <p:blipFill>
+          <a:blip r:embed="rId3"/>
+          <a:stretch>
+            <a:fillRect/>
+          </a:stretch>
+        </p:blipFill>
+        <p:spPr>
+          <a:xfrm>
+            <a:off x="304800" y="1524000"/>
+            <a:ext cx="8534400" cy="4267200"/>
+          </a:xfrm>
+          <a:prstGeom prst="rect">
+            <a:avLst/>
+          </a:prstGeom>
+        </p:spPr>
+      </p:pic>
+    </p:spTree>
+    <p:extLst>
+      <p:ext uri="{BB962C8B-B14F-4D97-AF65-F5344CB8AC3E}">
+        <p14:creationId xmlns:p14="http://schemas.microsoft.com/office/powerpoint/2010/main" val="491978771"/>
+      </p:ext>
+    </p:extLst>
+  </p:cSld>
+  <p:clrMapOvr>
+    <a:masterClrMapping/>
+  </p:clrMapOvr>
+</p:sld>
+</file>
+
+<file path=ppt/slides/slide15.xml><?xml version="1.0" encoding="utf-8"?>
+<p:sld xmlns:a="http://schemas.openxmlformats.org/drawingml/2006/main" xmlns:r="http://schemas.openxmlformats.org/officeDocument/2006/relationships" xmlns:p="http://schemas.openxmlformats.org/presentationml/2006/main">
+  <p:cSld>
+    <p:spTree>
+      <p:nvGrpSpPr>
+        <p:cNvPr id="1" name=""/>
+        <p:cNvGrpSpPr/>
+        <p:nvPr/>
+      </p:nvGrpSpPr>
+      <p:grpSpPr>
+        <a:xfrm>
+          <a:off x="0" y="0"/>
+          <a:ext cx="0" cy="0"/>
+          <a:chOff x="0" y="0"/>
+          <a:chExt cx="0" cy="0"/>
+        </a:xfrm>
+      </p:grpSpPr>
+      <p:sp>
+        <p:nvSpPr>
+          <p:cNvPr id="3" name="Slide Number Placeholder 2"/>
+          <p:cNvSpPr>
+            <a:spLocks noGrp="1"/>
+          </p:cNvSpPr>
+          <p:nvPr>
+            <p:ph type="sldNum" sz="quarter" idx="10"/>
+          </p:nvPr>
+        </p:nvSpPr>
+        <p:spPr/>
+        <p:txBody>
+          <a:bodyPr/>
+          <a:lstStyle/>
+          <a:p>
+            <a:pPr>
+              <a:defRPr/>
+            </a:pPr>
+            <a:fld id="{1188F9D2-5B65-4C92-8FFB-3F149C9EBFE1}" type="slidenum">
+              <a:rPr lang="en-US" altLang="en-US" smtClean="0"/>
+              <a:pPr>
+                <a:defRPr/>
+              </a:pPr>
+              <a:t>15</a:t>
+            </a:fld>
+            <a:endParaRPr lang="en-US" altLang="en-US" dirty="0"/>
+          </a:p>
+        </p:txBody>
+      </p:sp>
+      <p:sp>
+        <p:nvSpPr>
+          <p:cNvPr id="2" name="Content Placeholder 1">
+            <a:extLst>
+              <a:ext uri="{FF2B5EF4-FFF2-40B4-BE49-F238E27FC236}">
+                <a16:creationId xmlns:a16="http://schemas.microsoft.com/office/drawing/2014/main" id="{B19FA095-E0CC-2F9A-8A17-1705098112C6}"/>
+              </a:ext>
+            </a:extLst>
+          </p:cNvPr>
+          <p:cNvSpPr>
+            <a:spLocks noGrp="1"/>
+          </p:cNvSpPr>
+          <p:nvPr>
+            <p:ph idx="11"/>
+          </p:nvPr>
+        </p:nvSpPr>
+        <p:spPr>
+          <a:xfrm>
+            <a:off x="274320" y="1361550"/>
+            <a:ext cx="8412480" cy="1457849"/>
+          </a:xfrm>
+        </p:spPr>
+        <p:txBody>
+          <a:bodyPr/>
+          <a:lstStyle/>
+          <a:p>
+            <a:r>
+              <a:rPr lang="en-US" sz="1600" dirty="0"/>
+              <a:t>I further analyzed the DUI age trend, as the 2 highest DUI states also had the lowest average ages.</a:t>
+            </a:r>
+          </a:p>
+          <a:p>
+            <a:r>
+              <a:rPr lang="en-US" sz="1600" dirty="0"/>
+              <a:t>Testing the hypothesis that younger drivers were more prone to DUI, the resulting scatterplot returned a statistically significant P-value, indicating that age and DUI count is related.</a:t>
+            </a:r>
+          </a:p>
+          <a:p>
+            <a:endParaRPr lang="en-US" dirty="0"/>
+          </a:p>
+          <a:p>
+            <a:endParaRPr lang="en-US" dirty="0"/>
+          </a:p>
+          <a:p>
+            <a:endParaRPr lang="en-US" b="1" dirty="0"/>
+          </a:p>
+          <a:p>
+            <a:pPr marL="461963" lvl="1" indent="0">
+              <a:buNone/>
+            </a:pPr>
+            <a:endParaRPr lang="en-US" dirty="0"/>
+          </a:p>
+        </p:txBody>
+      </p:sp>
+      <p:sp>
+        <p:nvSpPr>
+          <p:cNvPr id="15" name="Title 14"/>
+          <p:cNvSpPr>
+            <a:spLocks noGrp="1"/>
+          </p:cNvSpPr>
+          <p:nvPr>
+            <p:ph type="title"/>
+          </p:nvPr>
+        </p:nvSpPr>
+        <p:spPr/>
+        <p:txBody>
+          <a:bodyPr/>
+          <a:lstStyle/>
+          <a:p>
+            <a:r>
+              <a:rPr lang="en-US" dirty="0"/>
+              <a:t>Policyholder Analysis:</a:t>
+            </a:r>
+          </a:p>
+        </p:txBody>
+      </p:sp>
+      <p:grpSp>
+        <p:nvGrpSpPr>
+          <p:cNvPr id="18" name="Group 17">
+            <a:extLst>
+              <a:ext uri="{FF2B5EF4-FFF2-40B4-BE49-F238E27FC236}">
+                <a16:creationId xmlns:a16="http://schemas.microsoft.com/office/drawing/2014/main" id="{C2E9C7F1-E6AC-4589-F6D6-F9C4C3A21E7F}"/>
+              </a:ext>
+            </a:extLst>
+          </p:cNvPr>
+          <p:cNvGrpSpPr/>
+          <p:nvPr/>
+        </p:nvGrpSpPr>
+        <p:grpSpPr>
+          <a:xfrm>
+            <a:off x="834390" y="2868922"/>
+            <a:ext cx="7292340" cy="3810318"/>
+            <a:chOff x="0" y="1230605"/>
+            <a:chExt cx="9144000" cy="4396790"/>
+          </a:xfrm>
+        </p:grpSpPr>
+        <p:pic>
+          <p:nvPicPr>
+            <p:cNvPr id="13" name="Picture 12">
+              <a:extLst>
+                <a:ext uri="{FF2B5EF4-FFF2-40B4-BE49-F238E27FC236}">
+                  <a16:creationId xmlns:a16="http://schemas.microsoft.com/office/drawing/2014/main" id="{F9B47195-A7C9-CA4C-C5C0-C19051A8F4AF}"/>
+                </a:ext>
+              </a:extLst>
+            </p:cNvPr>
+            <p:cNvPicPr>
+              <a:picLocks noChangeAspect="1"/>
+            </p:cNvPicPr>
+            <p:nvPr/>
+          </p:nvPicPr>
+          <p:blipFill>
+            <a:blip r:embed="rId3"/>
+            <a:stretch>
+              <a:fillRect/>
+            </a:stretch>
+          </p:blipFill>
+          <p:spPr>
+            <a:xfrm>
+              <a:off x="0" y="1230605"/>
+              <a:ext cx="9144000" cy="4396790"/>
+            </a:xfrm>
+            <a:prstGeom prst="rect">
+              <a:avLst/>
+            </a:prstGeom>
+          </p:spPr>
+        </p:pic>
+        <p:pic>
+          <p:nvPicPr>
+            <p:cNvPr id="17" name="Picture 16">
+              <a:extLst>
+                <a:ext uri="{FF2B5EF4-FFF2-40B4-BE49-F238E27FC236}">
+                  <a16:creationId xmlns:a16="http://schemas.microsoft.com/office/drawing/2014/main" id="{64380B1B-F162-BA51-93E6-BC1712E5E272}"/>
+                </a:ext>
+              </a:extLst>
+            </p:cNvPr>
+            <p:cNvPicPr>
+              <a:picLocks noChangeAspect="1"/>
+            </p:cNvPicPr>
+            <p:nvPr/>
+          </p:nvPicPr>
+          <p:blipFill>
+            <a:blip r:embed="rId4"/>
+            <a:stretch>
+              <a:fillRect/>
+            </a:stretch>
+          </p:blipFill>
+          <p:spPr>
+            <a:xfrm>
+              <a:off x="4721909" y="1444847"/>
+              <a:ext cx="4276056" cy="460153"/>
+            </a:xfrm>
+            <a:prstGeom prst="rect">
+              <a:avLst/>
+            </a:prstGeom>
+          </p:spPr>
+        </p:pic>
+      </p:grpSp>
+    </p:spTree>
+    <p:extLst>
+      <p:ext uri="{BB962C8B-B14F-4D97-AF65-F5344CB8AC3E}">
+        <p14:creationId xmlns:p14="http://schemas.microsoft.com/office/powerpoint/2010/main" val="438840214"/>
+      </p:ext>
+    </p:extLst>
+  </p:cSld>
+  <p:clrMapOvr>
+    <a:masterClrMapping/>
+  </p:clrMapOvr>
+</p:sld>
+</file>
+
+<file path=ppt/slides/slide16.xml><?xml version="1.0" encoding="utf-8"?>
+<p:sld xmlns:a="http://schemas.openxmlformats.org/drawingml/2006/main" xmlns:r="http://schemas.openxmlformats.org/officeDocument/2006/relationships" xmlns:p="http://schemas.openxmlformats.org/presentationml/2006/main">
+  <p:cSld>
+    <p:spTree>
+      <p:nvGrpSpPr>
+        <p:cNvPr id="1" name=""/>
+        <p:cNvGrpSpPr/>
+        <p:nvPr/>
+      </p:nvGrpSpPr>
+      <p:grpSpPr>
+        <a:xfrm>
+          <a:off x="0" y="0"/>
+          <a:ext cx="0" cy="0"/>
+          <a:chOff x="0" y="0"/>
+          <a:chExt cx="0" cy="0"/>
+        </a:xfrm>
+      </p:grpSpPr>
+      <p:sp>
+        <p:nvSpPr>
+          <p:cNvPr id="3" name="Slide Number Placeholder 2"/>
+          <p:cNvSpPr>
+            <a:spLocks noGrp="1"/>
+          </p:cNvSpPr>
+          <p:nvPr>
+            <p:ph type="sldNum" sz="quarter" idx="10"/>
+          </p:nvPr>
+        </p:nvSpPr>
+        <p:spPr/>
+        <p:txBody>
+          <a:bodyPr/>
+          <a:lstStyle/>
+          <a:p>
+            <a:pPr>
+              <a:defRPr/>
+            </a:pPr>
+            <a:fld id="{1188F9D2-5B65-4C92-8FFB-3F149C9EBFE1}" type="slidenum">
+              <a:rPr lang="en-US" altLang="en-US" smtClean="0"/>
+              <a:pPr>
+                <a:defRPr/>
+              </a:pPr>
+              <a:t>16</a:t>
+            </a:fld>
+            <a:endParaRPr lang="en-US" altLang="en-US" dirty="0"/>
+          </a:p>
+        </p:txBody>
+      </p:sp>
+      <p:sp>
+        <p:nvSpPr>
+          <p:cNvPr id="2" name="Content Placeholder 1">
+            <a:extLst>
+              <a:ext uri="{FF2B5EF4-FFF2-40B4-BE49-F238E27FC236}">
+                <a16:creationId xmlns:a16="http://schemas.microsoft.com/office/drawing/2014/main" id="{761DC641-983A-996F-E956-0C944F3E7526}"/>
+              </a:ext>
+            </a:extLst>
+          </p:cNvPr>
+          <p:cNvSpPr>
+            <a:spLocks noGrp="1"/>
+          </p:cNvSpPr>
+          <p:nvPr>
+            <p:ph idx="11"/>
+          </p:nvPr>
+        </p:nvSpPr>
+        <p:spPr/>
+        <p:txBody>
+          <a:bodyPr/>
+          <a:lstStyle/>
+          <a:p>
+            <a:r>
+              <a:rPr lang="en-US" dirty="0"/>
+              <a:t>Only 5 body styles are used Convertible, Motorhome, Sedan, and Taxi/Limo/Van Pool.</a:t>
+            </a:r>
+          </a:p>
+          <a:p>
+            <a:pPr lvl="1"/>
+            <a:r>
+              <a:rPr lang="en-US" dirty="0"/>
+              <a:t>Initial Dataset had 23 styles</a:t>
+            </a:r>
+          </a:p>
+          <a:p>
+            <a:pPr marL="0" indent="0">
+              <a:buNone/>
+            </a:pPr>
+            <a:endParaRPr lang="en-US" sz="1600" dirty="0"/>
+          </a:p>
+          <a:p>
+            <a:r>
+              <a:rPr lang="en-US" dirty="0"/>
+              <a:t>Sedans make up 61% of total vehicles in dataset (combining 2 and 4-door), so are most likely to contribute most to loss totals.</a:t>
+            </a:r>
+          </a:p>
+          <a:p>
+            <a:endParaRPr lang="en-US" sz="1600" dirty="0"/>
+          </a:p>
+          <a:p>
+            <a:r>
+              <a:rPr lang="en-US" dirty="0"/>
+              <a:t>Accident type by body style:</a:t>
+            </a:r>
+          </a:p>
+          <a:p>
+            <a:pPr lvl="1"/>
+            <a:r>
+              <a:rPr lang="en-US" dirty="0"/>
+              <a:t>Collision, Vandalism highest for all body styles.</a:t>
+            </a:r>
+          </a:p>
+          <a:p>
+            <a:pPr lvl="1"/>
+            <a:r>
+              <a:rPr lang="en-US" dirty="0"/>
+              <a:t>Livery vehicles are more prone to Vandalism that other types</a:t>
+            </a:r>
+          </a:p>
+        </p:txBody>
+      </p:sp>
+      <p:sp>
+        <p:nvSpPr>
+          <p:cNvPr id="15" name="Title 14"/>
+          <p:cNvSpPr>
+            <a:spLocks noGrp="1"/>
+          </p:cNvSpPr>
+          <p:nvPr>
+            <p:ph type="title"/>
+          </p:nvPr>
+        </p:nvSpPr>
+        <p:spPr/>
+        <p:txBody>
+          <a:bodyPr/>
+          <a:lstStyle/>
+          <a:p>
+            <a:r>
+              <a:rPr lang="en-US" dirty="0"/>
+              <a:t>Vehicle Analysis:</a:t>
+            </a:r>
+          </a:p>
+        </p:txBody>
+      </p:sp>
+      <p:pic>
+        <p:nvPicPr>
+          <p:cNvPr id="7" name="Picture 6">
+            <a:extLst>
+              <a:ext uri="{FF2B5EF4-FFF2-40B4-BE49-F238E27FC236}">
+                <a16:creationId xmlns:a16="http://schemas.microsoft.com/office/drawing/2014/main" id="{4025752C-DFB9-9C51-88E8-E010F92D00F2}"/>
+              </a:ext>
+            </a:extLst>
+          </p:cNvPr>
+          <p:cNvPicPr>
+            <a:picLocks noChangeAspect="1"/>
+          </p:cNvPicPr>
+          <p:nvPr/>
+        </p:nvPicPr>
+        <p:blipFill>
+          <a:blip r:embed="rId3"/>
+          <a:stretch>
+            <a:fillRect/>
+          </a:stretch>
+        </p:blipFill>
+        <p:spPr>
+          <a:xfrm>
+            <a:off x="4572000" y="3887651"/>
+            <a:ext cx="4396740" cy="1776740"/>
+          </a:xfrm>
+          <a:prstGeom prst="rect">
+            <a:avLst/>
+          </a:prstGeom>
+        </p:spPr>
+      </p:pic>
+      <p:pic>
+        <p:nvPicPr>
+          <p:cNvPr id="14" name="Picture 13">
+            <a:extLst>
+              <a:ext uri="{FF2B5EF4-FFF2-40B4-BE49-F238E27FC236}">
+                <a16:creationId xmlns:a16="http://schemas.microsoft.com/office/drawing/2014/main" id="{8B442104-FE13-8424-751D-EAFF6F402A88}"/>
+              </a:ext>
+            </a:extLst>
+          </p:cNvPr>
+          <p:cNvPicPr>
+            <a:picLocks noChangeAspect="1"/>
+          </p:cNvPicPr>
+          <p:nvPr/>
+        </p:nvPicPr>
+        <p:blipFill>
+          <a:blip r:embed="rId4"/>
+          <a:stretch>
+            <a:fillRect/>
+          </a:stretch>
+        </p:blipFill>
+        <p:spPr>
+          <a:xfrm>
+            <a:off x="4583854" y="1676400"/>
+            <a:ext cx="4072466" cy="1490717"/>
+          </a:xfrm>
+          <a:prstGeom prst="rect">
+            <a:avLst/>
+          </a:prstGeom>
+        </p:spPr>
+      </p:pic>
+    </p:spTree>
+    <p:extLst>
+      <p:ext uri="{BB962C8B-B14F-4D97-AF65-F5344CB8AC3E}">
+        <p14:creationId xmlns:p14="http://schemas.microsoft.com/office/powerpoint/2010/main" val="3657309869"/>
       </p:ext>
     </p:extLst>
   </p:cSld>
@@ -9108,12 +9995,12 @@
       </p:grpSpPr>
       <p:sp>
         <p:nvSpPr>
-          <p:cNvPr id="12289" name="Rectangle 4"/>
-          <p:cNvSpPr>
-            <a:spLocks noGrp="1" noChangeArrowheads="1"/>
-          </p:cNvSpPr>
-          <p:nvPr>
-            <p:ph type="ctrTitle"/>
+          <p:cNvPr id="3" name="Slide Number Placeholder 2"/>
+          <p:cNvSpPr>
+            <a:spLocks noGrp="1"/>
+          </p:cNvSpPr>
+          <p:nvPr>
+            <p:ph type="sldNum" sz="quarter" idx="10"/>
           </p:nvPr>
         </p:nvSpPr>
         <p:spPr/>
@@ -9121,10 +10008,107 @@
           <a:bodyPr/>
           <a:lstStyle/>
           <a:p>
-            <a:pPr eaLnBrk="1" hangingPunct="1"/>
-            <a:r>
-              <a:rPr lang="en-US" altLang="en-US" dirty="0"/>
-              <a:t>Q&amp;A</a:t>
+            <a:pPr>
+              <a:defRPr/>
+            </a:pPr>
+            <a:fld id="{1188F9D2-5B65-4C92-8FFB-3F149C9EBFE1}" type="slidenum">
+              <a:rPr lang="en-US" altLang="en-US" smtClean="0"/>
+              <a:pPr>
+                <a:defRPr/>
+              </a:pPr>
+              <a:t>17</a:t>
+            </a:fld>
+            <a:endParaRPr lang="en-US" altLang="en-US" dirty="0"/>
+          </a:p>
+        </p:txBody>
+      </p:sp>
+      <p:sp>
+        <p:nvSpPr>
+          <p:cNvPr id="2" name="Content Placeholder 1">
+            <a:extLst>
+              <a:ext uri="{FF2B5EF4-FFF2-40B4-BE49-F238E27FC236}">
+                <a16:creationId xmlns:a16="http://schemas.microsoft.com/office/drawing/2014/main" id="{775AAD25-4F58-DB1C-AE3B-D434C09161FD}"/>
+              </a:ext>
+            </a:extLst>
+          </p:cNvPr>
+          <p:cNvSpPr>
+            <a:spLocks noGrp="1"/>
+          </p:cNvSpPr>
+          <p:nvPr>
+            <p:ph idx="11"/>
+          </p:nvPr>
+        </p:nvSpPr>
+        <p:spPr>
+          <a:xfrm>
+            <a:off x="274320" y="1371600"/>
+            <a:ext cx="8260080" cy="4876800"/>
+          </a:xfrm>
+        </p:spPr>
+        <p:txBody>
+          <a:bodyPr/>
+          <a:lstStyle/>
+          <a:p>
+            <a:r>
+              <a:rPr lang="en-US" dirty="0"/>
+              <a:t>Dataset included information on Estimated Repair costs and Actual Repair costs. </a:t>
+            </a:r>
+          </a:p>
+          <a:p>
+            <a:endParaRPr lang="en-US" dirty="0"/>
+          </a:p>
+          <a:p>
+            <a:r>
+              <a:rPr lang="en-US" dirty="0"/>
+              <a:t>In exploring this further, I wanted to pursue any trends among repair cost discrepancies</a:t>
+            </a:r>
+          </a:p>
+          <a:p>
+            <a:endParaRPr lang="en-US" dirty="0"/>
+          </a:p>
+          <a:p>
+            <a:r>
+              <a:rPr lang="en-US" dirty="0"/>
+              <a:t>Upon calculating a field for Repair Discrepancies (Sum and Average), noticed that West Virginia and District of Columbia were significant outliers in this area.</a:t>
+            </a:r>
+          </a:p>
+          <a:p>
+            <a:endParaRPr lang="en-US" dirty="0"/>
+          </a:p>
+          <a:p>
+            <a:r>
+              <a:rPr lang="en-US" dirty="0"/>
+              <a:t>West Virginia had the highest AVERAGE discrepancy ($1,909) and District of Columbia had the highest TOTAL discrepancies ($1,699,641.)</a:t>
+            </a:r>
+          </a:p>
+          <a:p>
+            <a:endParaRPr lang="en-US" dirty="0"/>
+          </a:p>
+          <a:p>
+            <a:r>
+              <a:rPr lang="en-US" dirty="0"/>
+              <a:t>Created dashboard to visualize these discrepancies.</a:t>
+            </a:r>
+          </a:p>
+        </p:txBody>
+      </p:sp>
+      <p:sp>
+        <p:nvSpPr>
+          <p:cNvPr id="15" name="Title 14"/>
+          <p:cNvSpPr>
+            <a:spLocks noGrp="1"/>
+          </p:cNvSpPr>
+          <p:nvPr>
+            <p:ph type="title"/>
+          </p:nvPr>
+        </p:nvSpPr>
+        <p:spPr/>
+        <p:txBody>
+          <a:bodyPr/>
+          <a:lstStyle/>
+          <a:p>
+            <a:r>
+              <a:rPr lang="en-US" dirty="0"/>
+              <a:t>Repair Discrepancies Deep-Dive</a:t>
             </a:r>
           </a:p>
         </p:txBody>
@@ -9132,7 +10116,7 @@
     </p:spTree>
     <p:extLst>
       <p:ext uri="{BB962C8B-B14F-4D97-AF65-F5344CB8AC3E}">
-        <p14:creationId xmlns:p14="http://schemas.microsoft.com/office/powerpoint/2010/main" val="686908543"/>
+        <p14:creationId xmlns:p14="http://schemas.microsoft.com/office/powerpoint/2010/main" val="1184692340"/>
       </p:ext>
     </p:extLst>
   </p:cSld>
@@ -9142,7 +10126,7 @@
 </p:sld>
 </file>
 
-<file path=ppt/slides/slide2.xml><?xml version="1.0" encoding="utf-8"?>
+<file path=ppt/slides/slide18.xml><?xml version="1.0" encoding="utf-8"?>
 <p:sld xmlns:a="http://schemas.openxmlformats.org/drawingml/2006/main" xmlns:r="http://schemas.openxmlformats.org/officeDocument/2006/relationships" xmlns:p="http://schemas.openxmlformats.org/presentationml/2006/main">
   <p:cSld>
     <p:spTree>
@@ -9161,12 +10145,12 @@
       </p:grpSpPr>
       <p:sp>
         <p:nvSpPr>
-          <p:cNvPr id="7" name="Content Placeholder 6"/>
+          <p:cNvPr id="3" name="Slide Number Placeholder 2"/>
           <p:cNvSpPr>
             <a:spLocks noGrp="1"/>
           </p:cNvSpPr>
           <p:nvPr>
-            <p:ph idx="1"/>
+            <p:ph type="sldNum" sz="quarter" idx="10"/>
           </p:nvPr>
         </p:nvSpPr>
         <p:spPr/>
@@ -9174,69 +10158,23 @@
           <a:bodyPr/>
           <a:lstStyle/>
           <a:p>
+            <a:pPr>
+              <a:defRPr/>
+            </a:pPr>
+            <a:fld id="{1188F9D2-5B65-4C92-8FFB-3F149C9EBFE1}" type="slidenum">
+              <a:rPr lang="en-US" altLang="en-US" smtClean="0"/>
+              <a:pPr>
+                <a:defRPr/>
+              </a:pPr>
+              <a:t>18</a:t>
+            </a:fld>
             <a:endParaRPr lang="en-US" altLang="en-US" dirty="0"/>
           </a:p>
-          <a:p>
-            <a:r>
-              <a:rPr lang="en-US" altLang="en-US" dirty="0"/>
-              <a:t>Initial Data cleanup and ETL:</a:t>
-            </a:r>
-          </a:p>
-          <a:p>
-            <a:pPr lvl="1"/>
-            <a:r>
-              <a:rPr lang="en-US" altLang="en-US" dirty="0"/>
-              <a:t>Data was converted to star schema via ETL process.</a:t>
-            </a:r>
-          </a:p>
-          <a:p>
-            <a:pPr lvl="1"/>
-            <a:r>
-              <a:rPr lang="en-US" altLang="en-US" dirty="0"/>
-              <a:t>Original schema contained 10 tables, was normalized into one fact table and six dimension tables via ETL.</a:t>
-            </a:r>
-          </a:p>
-          <a:p>
-            <a:pPr lvl="1"/>
-            <a:endParaRPr lang="en-US" altLang="en-US" dirty="0"/>
-          </a:p>
-          <a:p>
-            <a:r>
-              <a:rPr lang="en-US" altLang="en-US" dirty="0"/>
-              <a:t>Data discrepancies on Policyholder Birth Date</a:t>
-            </a:r>
-          </a:p>
-          <a:p>
-            <a:pPr lvl="1"/>
-            <a:r>
-              <a:rPr lang="en-US" altLang="en-US" dirty="0"/>
-              <a:t>Initial dataset had PH Birthdate ranging from 1907-2023 giving ages from 0-116.</a:t>
-            </a:r>
-          </a:p>
-          <a:p>
-            <a:pPr lvl="1"/>
-            <a:r>
-              <a:rPr lang="en-US" altLang="en-US" dirty="0"/>
-              <a:t>Reached out to project’s “data engineer” and confirmed this was error in date. Error was corrected.</a:t>
-            </a:r>
-          </a:p>
-          <a:p>
-            <a:pPr marL="0" indent="0">
-              <a:buNone/>
-            </a:pPr>
-            <a:endParaRPr lang="en-US" altLang="en-US" dirty="0"/>
-          </a:p>
-          <a:p>
-            <a:pPr marL="461963" lvl="1" indent="0">
-              <a:buNone/>
-            </a:pPr>
-            <a:endParaRPr lang="en-US" altLang="en-US" sz="1200" dirty="0"/>
-          </a:p>
-        </p:txBody>
-      </p:sp>
-      <p:sp>
-        <p:nvSpPr>
-          <p:cNvPr id="6" name="Title 5"/>
+        </p:txBody>
+      </p:sp>
+      <p:sp>
+        <p:nvSpPr>
+          <p:cNvPr id="15" name="Title 14"/>
           <p:cNvSpPr>
             <a:spLocks noGrp="1"/>
           </p:cNvSpPr>
@@ -9251,15 +10189,75 @@
           <a:p>
             <a:r>
               <a:rPr lang="en-US" dirty="0"/>
-              <a:t>Data Cleanup Notes and Anomalies:</a:t>
-            </a:r>
-          </a:p>
-        </p:txBody>
-      </p:sp>
+              <a:t>Dashboard #4 – Sum and Average Settlement Discrepancy</a:t>
+            </a:r>
+          </a:p>
+        </p:txBody>
+      </p:sp>
+      <p:pic>
+        <p:nvPicPr>
+          <p:cNvPr id="5" name="Picture 4">
+            <a:extLst>
+              <a:ext uri="{FF2B5EF4-FFF2-40B4-BE49-F238E27FC236}">
+                <a16:creationId xmlns:a16="http://schemas.microsoft.com/office/drawing/2014/main" id="{BD81517C-966E-E7EE-6F92-ECA0EA8962C0}"/>
+              </a:ext>
+            </a:extLst>
+          </p:cNvPr>
+          <p:cNvPicPr>
+            <a:picLocks noChangeAspect="1"/>
+          </p:cNvPicPr>
+          <p:nvPr/>
+        </p:nvPicPr>
+        <p:blipFill>
+          <a:blip r:embed="rId3"/>
+          <a:stretch>
+            <a:fillRect/>
+          </a:stretch>
+        </p:blipFill>
+        <p:spPr>
+          <a:xfrm>
+            <a:off x="426719" y="1573177"/>
+            <a:ext cx="7990205" cy="2183439"/>
+          </a:xfrm>
+          <a:prstGeom prst="rect">
+            <a:avLst/>
+          </a:prstGeom>
+        </p:spPr>
+      </p:pic>
+      <p:pic>
+        <p:nvPicPr>
+          <p:cNvPr id="7" name="Picture 6">
+            <a:extLst>
+              <a:ext uri="{FF2B5EF4-FFF2-40B4-BE49-F238E27FC236}">
+                <a16:creationId xmlns:a16="http://schemas.microsoft.com/office/drawing/2014/main" id="{8CB9381A-20BF-A569-FF4D-A8CD544D580C}"/>
+              </a:ext>
+            </a:extLst>
+          </p:cNvPr>
+          <p:cNvPicPr>
+            <a:picLocks noChangeAspect="1"/>
+          </p:cNvPicPr>
+          <p:nvPr/>
+        </p:nvPicPr>
+        <p:blipFill>
+          <a:blip r:embed="rId4"/>
+          <a:stretch>
+            <a:fillRect/>
+          </a:stretch>
+        </p:blipFill>
+        <p:spPr>
+          <a:xfrm>
+            <a:off x="426720" y="3953294"/>
+            <a:ext cx="7990204" cy="2185052"/>
+          </a:xfrm>
+          <a:prstGeom prst="rect">
+            <a:avLst/>
+          </a:prstGeom>
+        </p:spPr>
+      </p:pic>
     </p:spTree>
     <p:extLst>
       <p:ext uri="{BB962C8B-B14F-4D97-AF65-F5344CB8AC3E}">
-        <p14:creationId xmlns:p14="http://schemas.microsoft.com/office/powerpoint/2010/main" val="3091039958"/>
+        <p14:creationId xmlns:p14="http://schemas.microsoft.com/office/powerpoint/2010/main" val="994360358"/>
       </p:ext>
     </p:extLst>
   </p:cSld>
@@ -9269,7 +10267,7 @@
 </p:sld>
 </file>
 
-<file path=ppt/slides/slide3.xml><?xml version="1.0" encoding="utf-8"?>
+<file path=ppt/slides/slide19.xml><?xml version="1.0" encoding="utf-8"?>
 <p:sld xmlns:a="http://schemas.openxmlformats.org/drawingml/2006/main" xmlns:r="http://schemas.openxmlformats.org/officeDocument/2006/relationships" xmlns:p="http://schemas.openxmlformats.org/presentationml/2006/main">
   <p:cSld>
     <p:spTree>
@@ -9288,249 +10286,6 @@
       </p:grpSpPr>
       <p:sp>
         <p:nvSpPr>
-          <p:cNvPr id="7" name="Content Placeholder 6"/>
-          <p:cNvSpPr>
-            <a:spLocks noGrp="1"/>
-          </p:cNvSpPr>
-          <p:nvPr>
-            <p:ph idx="1"/>
-          </p:nvPr>
-        </p:nvSpPr>
-        <p:spPr>
-          <a:xfrm>
-            <a:off x="274320" y="1371600"/>
-            <a:ext cx="8321040" cy="4876800"/>
-          </a:xfrm>
-        </p:spPr>
-        <p:txBody>
-          <a:bodyPr/>
-          <a:lstStyle/>
-          <a:p>
-            <a:pPr marL="461963" lvl="1" indent="0">
-              <a:buNone/>
-            </a:pPr>
-            <a:endParaRPr lang="en-US" altLang="en-US" sz="1200" dirty="0"/>
-          </a:p>
-          <a:p>
-            <a:r>
-              <a:rPr lang="en-US" altLang="en-US" dirty="0"/>
-              <a:t>Accident type had duplicate Vandalism and Collision</a:t>
-            </a:r>
-          </a:p>
-          <a:p>
-            <a:pPr lvl="1"/>
-            <a:r>
-              <a:rPr lang="en-US" altLang="en-US" dirty="0"/>
-              <a:t>Reached out to stakeholder, confirmed duplicate Vandalism was correct.</a:t>
-            </a:r>
-          </a:p>
-          <a:p>
-            <a:pPr lvl="1"/>
-            <a:r>
-              <a:rPr lang="en-US" altLang="en-US" dirty="0"/>
-              <a:t>Wrote custom SQL to clean up Collision for Tableau.</a:t>
-            </a:r>
-          </a:p>
-          <a:p>
-            <a:pPr marL="461963" lvl="1" indent="0">
-              <a:buNone/>
-            </a:pPr>
-            <a:endParaRPr lang="en-US" altLang="en-US" dirty="0"/>
-          </a:p>
-          <a:p>
-            <a:r>
-              <a:rPr lang="en-US" altLang="en-US" dirty="0"/>
-              <a:t>Transformed Gender/Marital Status using custom SQL</a:t>
-            </a:r>
-          </a:p>
-          <a:p>
-            <a:pPr lvl="1"/>
-            <a:r>
-              <a:rPr lang="en-US" altLang="en-US" dirty="0"/>
-              <a:t>Eliminate primary/secondary operator and marital status.</a:t>
-            </a:r>
-          </a:p>
-          <a:p>
-            <a:pPr lvl="1"/>
-            <a:r>
-              <a:rPr lang="en-US" altLang="en-US" dirty="0"/>
-              <a:t>Put neutral category together.</a:t>
-            </a:r>
-          </a:p>
-          <a:p>
-            <a:pPr lvl="1"/>
-            <a:r>
-              <a:rPr lang="en-US" altLang="en-US" dirty="0"/>
-              <a:t>Final categories: Male, Female, Neutral.</a:t>
-            </a:r>
-          </a:p>
-          <a:p>
-            <a:pPr marL="461963" lvl="1" indent="0">
-              <a:buNone/>
-            </a:pPr>
-            <a:endParaRPr lang="en-US" altLang="en-US" dirty="0"/>
-          </a:p>
-          <a:p>
-            <a:r>
-              <a:rPr lang="en-US" altLang="en-US" dirty="0"/>
-              <a:t>Used custom SQL to create a combined view of Age/State/DUI for analysis in Tableau.</a:t>
-            </a:r>
-          </a:p>
-          <a:p>
-            <a:pPr marL="0" indent="0">
-              <a:buNone/>
-            </a:pPr>
-            <a:endParaRPr lang="en-US" altLang="en-US" dirty="0"/>
-          </a:p>
-          <a:p>
-            <a:r>
-              <a:rPr lang="en-US" altLang="en-US" dirty="0"/>
-              <a:t>Cast Boolean values for DUI, At Fault as integer also using custom SQL within Tableau.</a:t>
-            </a:r>
-          </a:p>
-          <a:p>
-            <a:pPr marL="461963" lvl="1" indent="0">
-              <a:buNone/>
-            </a:pPr>
-            <a:endParaRPr lang="en-US" altLang="en-US" dirty="0"/>
-          </a:p>
-        </p:txBody>
-      </p:sp>
-      <p:sp>
-        <p:nvSpPr>
-          <p:cNvPr id="6" name="Title 5"/>
-          <p:cNvSpPr>
-            <a:spLocks noGrp="1"/>
-          </p:cNvSpPr>
-          <p:nvPr>
-            <p:ph type="title"/>
-          </p:nvPr>
-        </p:nvSpPr>
-        <p:spPr/>
-        <p:txBody>
-          <a:bodyPr/>
-          <a:lstStyle/>
-          <a:p>
-            <a:r>
-              <a:rPr lang="en-US" dirty="0"/>
-              <a:t>Data Cleanup Notes and Anomalies:</a:t>
-            </a:r>
-          </a:p>
-        </p:txBody>
-      </p:sp>
-    </p:spTree>
-    <p:extLst>
-      <p:ext uri="{BB962C8B-B14F-4D97-AF65-F5344CB8AC3E}">
-        <p14:creationId xmlns:p14="http://schemas.microsoft.com/office/powerpoint/2010/main" val="4143210992"/>
-      </p:ext>
-    </p:extLst>
-  </p:cSld>
-  <p:clrMapOvr>
-    <a:masterClrMapping/>
-  </p:clrMapOvr>
-</p:sld>
-</file>
-
-<file path=ppt/slides/slide4.xml><?xml version="1.0" encoding="utf-8"?>
-<p:sld xmlns:a="http://schemas.openxmlformats.org/drawingml/2006/main" xmlns:r="http://schemas.openxmlformats.org/officeDocument/2006/relationships" xmlns:p="http://schemas.openxmlformats.org/presentationml/2006/main">
-  <p:cSld>
-    <p:spTree>
-      <p:nvGrpSpPr>
-        <p:cNvPr id="1" name=""/>
-        <p:cNvGrpSpPr/>
-        <p:nvPr/>
-      </p:nvGrpSpPr>
-      <p:grpSpPr>
-        <a:xfrm>
-          <a:off x="0" y="0"/>
-          <a:ext cx="0" cy="0"/>
-          <a:chOff x="0" y="0"/>
-          <a:chExt cx="0" cy="0"/>
-        </a:xfrm>
-      </p:grpSpPr>
-      <p:pic>
-        <p:nvPicPr>
-          <p:cNvPr id="3" name="Content Placeholder 2">
-            <a:extLst>
-              <a:ext uri="{FF2B5EF4-FFF2-40B4-BE49-F238E27FC236}">
-                <a16:creationId xmlns:a16="http://schemas.microsoft.com/office/drawing/2014/main" id="{B796F91F-32D9-7433-C52D-2B6C8A940B8E}"/>
-              </a:ext>
-            </a:extLst>
-          </p:cNvPr>
-          <p:cNvPicPr>
-            <a:picLocks noGrp="1" noChangeAspect="1"/>
-          </p:cNvPicPr>
-          <p:nvPr>
-            <p:ph idx="1"/>
-          </p:nvPr>
-        </p:nvPicPr>
-        <p:blipFill>
-          <a:blip r:embed="rId3"/>
-          <a:stretch>
-            <a:fillRect/>
-          </a:stretch>
-        </p:blipFill>
-        <p:spPr>
-          <a:xfrm>
-            <a:off x="274638" y="1413511"/>
-            <a:ext cx="8320087" cy="4716777"/>
-          </a:xfrm>
-        </p:spPr>
-      </p:pic>
-      <p:sp>
-        <p:nvSpPr>
-          <p:cNvPr id="6" name="Title 5"/>
-          <p:cNvSpPr>
-            <a:spLocks noGrp="1"/>
-          </p:cNvSpPr>
-          <p:nvPr>
-            <p:ph type="title"/>
-          </p:nvPr>
-        </p:nvSpPr>
-        <p:spPr/>
-        <p:txBody>
-          <a:bodyPr/>
-          <a:lstStyle/>
-          <a:p>
-            <a:r>
-              <a:rPr lang="en-US" dirty="0"/>
-              <a:t>Data Cleanup Notes and Anomalies:</a:t>
-            </a:r>
-          </a:p>
-        </p:txBody>
-      </p:sp>
-    </p:spTree>
-    <p:extLst>
-      <p:ext uri="{BB962C8B-B14F-4D97-AF65-F5344CB8AC3E}">
-        <p14:creationId xmlns:p14="http://schemas.microsoft.com/office/powerpoint/2010/main" val="2010582933"/>
-      </p:ext>
-    </p:extLst>
-  </p:cSld>
-  <p:clrMapOvr>
-    <a:masterClrMapping/>
-  </p:clrMapOvr>
-</p:sld>
-</file>
-
-<file path=ppt/slides/slide5.xml><?xml version="1.0" encoding="utf-8"?>
-<p:sld xmlns:a="http://schemas.openxmlformats.org/drawingml/2006/main" xmlns:r="http://schemas.openxmlformats.org/officeDocument/2006/relationships" xmlns:p="http://schemas.openxmlformats.org/presentationml/2006/main">
-  <p:cSld>
-    <p:spTree>
-      <p:nvGrpSpPr>
-        <p:cNvPr id="1" name=""/>
-        <p:cNvGrpSpPr/>
-        <p:nvPr/>
-      </p:nvGrpSpPr>
-      <p:grpSpPr>
-        <a:xfrm>
-          <a:off x="0" y="0"/>
-          <a:ext cx="0" cy="0"/>
-          <a:chOff x="0" y="0"/>
-          <a:chExt cx="0" cy="0"/>
-        </a:xfrm>
-      </p:grpSpPr>
-      <p:sp>
-        <p:nvSpPr>
           <p:cNvPr id="3" name="Slide Number Placeholder 2"/>
           <p:cNvSpPr>
             <a:spLocks noGrp="1"/>
@@ -9552,7 +10307,7 @@
               <a:pPr>
                 <a:defRPr/>
               </a:pPr>
-              <a:t>5</a:t>
+              <a:t>19</a:t>
             </a:fld>
             <a:endParaRPr lang="en-US" altLang="en-US" dirty="0"/>
           </a:p>
@@ -9560,386 +10315,32 @@
       </p:sp>
       <p:sp>
         <p:nvSpPr>
-          <p:cNvPr id="2" name="Content Placeholder 1">
+          <p:cNvPr id="15" name="Title 14"/>
+          <p:cNvSpPr>
+            <a:spLocks noGrp="1"/>
+          </p:cNvSpPr>
+          <p:nvPr>
+            <p:ph type="title"/>
+          </p:nvPr>
+        </p:nvSpPr>
+        <p:spPr/>
+        <p:txBody>
+          <a:bodyPr/>
+          <a:lstStyle/>
+          <a:p>
+            <a:r>
+              <a:rPr lang="en-US" dirty="0"/>
+              <a:t>Summary</a:t>
+            </a:r>
+          </a:p>
+        </p:txBody>
+      </p:sp>
+      <p:sp>
+        <p:nvSpPr>
+          <p:cNvPr id="5" name="Content Placeholder 6">
             <a:extLst>
               <a:ext uri="{FF2B5EF4-FFF2-40B4-BE49-F238E27FC236}">
-                <a16:creationId xmlns:a16="http://schemas.microsoft.com/office/drawing/2014/main" id="{130597F3-437F-CB85-03F2-D53DCAD686B4}"/>
-              </a:ext>
-            </a:extLst>
-          </p:cNvPr>
-          <p:cNvSpPr>
-            <a:spLocks noGrp="1"/>
-          </p:cNvSpPr>
-          <p:nvPr>
-            <p:ph idx="11"/>
-          </p:nvPr>
-        </p:nvSpPr>
-        <p:spPr>
-          <a:xfrm>
-            <a:off x="274320" y="1371600"/>
-            <a:ext cx="8488680" cy="1905000"/>
-          </a:xfrm>
-        </p:spPr>
-        <p:txBody>
-          <a:bodyPr/>
-          <a:lstStyle/>
-          <a:p>
-            <a:r>
-              <a:rPr lang="en-US" dirty="0"/>
-              <a:t>Dataset spans the timeframe 1/1/2019 through 11/1/2023</a:t>
-            </a:r>
-          </a:p>
-          <a:p>
-            <a:r>
-              <a:rPr lang="en-US" dirty="0"/>
-              <a:t>November 2021 stuck out as an outlier for peak accidents </a:t>
-            </a:r>
-          </a:p>
-          <a:p>
-            <a:pPr lvl="1"/>
-            <a:r>
-              <a:rPr lang="en-US" dirty="0"/>
-              <a:t>Further analysis showed the primary drivers were Collision and Vandalism losses.</a:t>
-            </a:r>
-          </a:p>
-          <a:p>
-            <a:pPr lvl="1"/>
-            <a:r>
-              <a:rPr lang="en-US" dirty="0"/>
-              <a:t>California and DC had the most overall losses.</a:t>
-            </a:r>
-          </a:p>
-        </p:txBody>
-      </p:sp>
-      <p:sp>
-        <p:nvSpPr>
-          <p:cNvPr id="15" name="Title 14"/>
-          <p:cNvSpPr>
-            <a:spLocks noGrp="1"/>
-          </p:cNvSpPr>
-          <p:nvPr>
-            <p:ph type="title"/>
-          </p:nvPr>
-        </p:nvSpPr>
-        <p:spPr/>
-        <p:txBody>
-          <a:bodyPr/>
-          <a:lstStyle/>
-          <a:p>
-            <a:r>
-              <a:rPr lang="en-US" dirty="0"/>
-              <a:t>Claims Time Analysis:</a:t>
-            </a:r>
-          </a:p>
-        </p:txBody>
-      </p:sp>
-      <p:pic>
-        <p:nvPicPr>
-          <p:cNvPr id="6" name="Picture 5">
-            <a:extLst>
-              <a:ext uri="{FF2B5EF4-FFF2-40B4-BE49-F238E27FC236}">
-                <a16:creationId xmlns:a16="http://schemas.microsoft.com/office/drawing/2014/main" id="{19FFF1AE-E496-18FC-D95C-AF2B4FB3E487}"/>
-              </a:ext>
-            </a:extLst>
-          </p:cNvPr>
-          <p:cNvPicPr>
-            <a:picLocks noChangeAspect="1"/>
-          </p:cNvPicPr>
-          <p:nvPr/>
-        </p:nvPicPr>
-        <p:blipFill>
-          <a:blip r:embed="rId3"/>
-          <a:stretch>
-            <a:fillRect/>
-          </a:stretch>
-        </p:blipFill>
-        <p:spPr>
-          <a:xfrm>
-            <a:off x="608728" y="3429000"/>
-            <a:ext cx="7791450" cy="2800350"/>
-          </a:xfrm>
-          <a:prstGeom prst="rect">
-            <a:avLst/>
-          </a:prstGeom>
-        </p:spPr>
-      </p:pic>
-    </p:spTree>
-    <p:extLst>
-      <p:ext uri="{BB962C8B-B14F-4D97-AF65-F5344CB8AC3E}">
-        <p14:creationId xmlns:p14="http://schemas.microsoft.com/office/powerpoint/2010/main" val="4013641661"/>
-      </p:ext>
-    </p:extLst>
-  </p:cSld>
-  <p:clrMapOvr>
-    <a:masterClrMapping/>
-  </p:clrMapOvr>
-</p:sld>
-</file>
-
-<file path=ppt/slides/slide6.xml><?xml version="1.0" encoding="utf-8"?>
-<p:sld xmlns:a="http://schemas.openxmlformats.org/drawingml/2006/main" xmlns:r="http://schemas.openxmlformats.org/officeDocument/2006/relationships" xmlns:p="http://schemas.openxmlformats.org/presentationml/2006/main">
-  <p:cSld>
-    <p:spTree>
-      <p:nvGrpSpPr>
-        <p:cNvPr id="1" name=""/>
-        <p:cNvGrpSpPr/>
-        <p:nvPr/>
-      </p:nvGrpSpPr>
-      <p:grpSpPr>
-        <a:xfrm>
-          <a:off x="0" y="0"/>
-          <a:ext cx="0" cy="0"/>
-          <a:chOff x="0" y="0"/>
-          <a:chExt cx="0" cy="0"/>
-        </a:xfrm>
-      </p:grpSpPr>
-      <p:sp>
-        <p:nvSpPr>
-          <p:cNvPr id="3" name="Slide Number Placeholder 2"/>
-          <p:cNvSpPr>
-            <a:spLocks noGrp="1"/>
-          </p:cNvSpPr>
-          <p:nvPr>
-            <p:ph type="sldNum" sz="quarter" idx="10"/>
-          </p:nvPr>
-        </p:nvSpPr>
-        <p:spPr/>
-        <p:txBody>
-          <a:bodyPr/>
-          <a:lstStyle/>
-          <a:p>
-            <a:pPr>
-              <a:defRPr/>
-            </a:pPr>
-            <a:fld id="{1188F9D2-5B65-4C92-8FFB-3F149C9EBFE1}" type="slidenum">
-              <a:rPr lang="en-US" altLang="en-US" smtClean="0"/>
-              <a:pPr>
-                <a:defRPr/>
-              </a:pPr>
-              <a:t>6</a:t>
-            </a:fld>
-            <a:endParaRPr lang="en-US" altLang="en-US" dirty="0"/>
-          </a:p>
-        </p:txBody>
-      </p:sp>
-      <p:sp>
-        <p:nvSpPr>
-          <p:cNvPr id="2" name="Content Placeholder 1">
-            <a:extLst>
-              <a:ext uri="{FF2B5EF4-FFF2-40B4-BE49-F238E27FC236}">
-                <a16:creationId xmlns:a16="http://schemas.microsoft.com/office/drawing/2014/main" id="{130597F3-437F-CB85-03F2-D53DCAD686B4}"/>
-              </a:ext>
-            </a:extLst>
-          </p:cNvPr>
-          <p:cNvSpPr>
-            <a:spLocks noGrp="1"/>
-          </p:cNvSpPr>
-          <p:nvPr>
-            <p:ph idx="11"/>
-          </p:nvPr>
-        </p:nvSpPr>
-        <p:spPr>
-          <a:xfrm>
-            <a:off x="274320" y="1371600"/>
-            <a:ext cx="8488680" cy="2057400"/>
-          </a:xfrm>
-        </p:spPr>
-        <p:txBody>
-          <a:bodyPr/>
-          <a:lstStyle/>
-          <a:p>
-            <a:r>
-              <a:rPr lang="en-US" dirty="0"/>
-              <a:t>Monthly and Quarterly accident trends are very “jagged” </a:t>
-            </a:r>
-          </a:p>
-          <a:p>
-            <a:pPr lvl="1"/>
-            <a:r>
-              <a:rPr lang="en-US" dirty="0"/>
-              <a:t>Every other month/quarter, the trend appears to reverse.</a:t>
-            </a:r>
-          </a:p>
-          <a:p>
-            <a:pPr lvl="1"/>
-            <a:r>
-              <a:rPr lang="en-US" dirty="0"/>
-              <a:t>This is consistent across accident types.</a:t>
-            </a:r>
-          </a:p>
-          <a:p>
-            <a:pPr marL="461963" lvl="1" indent="0">
-              <a:buNone/>
-            </a:pPr>
-            <a:endParaRPr lang="en-US" dirty="0"/>
-          </a:p>
-          <a:p>
-            <a:r>
-              <a:rPr lang="en-US" dirty="0"/>
-              <a:t>Every loss type decreased in 2020, however 2021 had 209 fewer accidents than 2020.</a:t>
-            </a:r>
-          </a:p>
-          <a:p>
-            <a:pPr marL="0" indent="0">
-              <a:buNone/>
-            </a:pPr>
-            <a:endParaRPr lang="en-US" dirty="0"/>
-          </a:p>
-          <a:p>
-            <a:r>
-              <a:rPr lang="en-US" dirty="0"/>
-              <a:t>Collision claims increased 146% between the years 2021 and 2022.</a:t>
-            </a:r>
-          </a:p>
-          <a:p>
-            <a:endParaRPr lang="en-US" dirty="0"/>
-          </a:p>
-        </p:txBody>
-      </p:sp>
-      <p:sp>
-        <p:nvSpPr>
-          <p:cNvPr id="15" name="Title 14"/>
-          <p:cNvSpPr>
-            <a:spLocks noGrp="1"/>
-          </p:cNvSpPr>
-          <p:nvPr>
-            <p:ph type="title"/>
-          </p:nvPr>
-        </p:nvSpPr>
-        <p:spPr/>
-        <p:txBody>
-          <a:bodyPr/>
-          <a:lstStyle/>
-          <a:p>
-            <a:r>
-              <a:rPr lang="en-US" dirty="0"/>
-              <a:t>Claims Time Analysis:</a:t>
-            </a:r>
-          </a:p>
-        </p:txBody>
-      </p:sp>
-      <p:pic>
-        <p:nvPicPr>
-          <p:cNvPr id="5" name="Picture 4">
-            <a:extLst>
-              <a:ext uri="{FF2B5EF4-FFF2-40B4-BE49-F238E27FC236}">
-                <a16:creationId xmlns:a16="http://schemas.microsoft.com/office/drawing/2014/main" id="{D73F7B78-08FD-BAE5-53C7-2EA323AB0502}"/>
-              </a:ext>
-            </a:extLst>
-          </p:cNvPr>
-          <p:cNvPicPr>
-            <a:picLocks noChangeAspect="1"/>
-          </p:cNvPicPr>
-          <p:nvPr/>
-        </p:nvPicPr>
-        <p:blipFill>
-          <a:blip r:embed="rId3"/>
-          <a:stretch>
-            <a:fillRect/>
-          </a:stretch>
-        </p:blipFill>
-        <p:spPr>
-          <a:xfrm>
-            <a:off x="243338" y="4419600"/>
-            <a:ext cx="8773886" cy="1786418"/>
-          </a:xfrm>
-          <a:prstGeom prst="rect">
-            <a:avLst/>
-          </a:prstGeom>
-        </p:spPr>
-      </p:pic>
-    </p:spTree>
-    <p:extLst>
-      <p:ext uri="{BB962C8B-B14F-4D97-AF65-F5344CB8AC3E}">
-        <p14:creationId xmlns:p14="http://schemas.microsoft.com/office/powerpoint/2010/main" val="2726571923"/>
-      </p:ext>
-    </p:extLst>
-  </p:cSld>
-  <p:clrMapOvr>
-    <a:masterClrMapping/>
-  </p:clrMapOvr>
-</p:sld>
-</file>
-
-<file path=ppt/slides/slide7.xml><?xml version="1.0" encoding="utf-8"?>
-<p:sld xmlns:a="http://schemas.openxmlformats.org/drawingml/2006/main" xmlns:r="http://schemas.openxmlformats.org/officeDocument/2006/relationships" xmlns:p="http://schemas.openxmlformats.org/presentationml/2006/main">
-  <p:cSld>
-    <p:spTree>
-      <p:nvGrpSpPr>
-        <p:cNvPr id="1" name=""/>
-        <p:cNvGrpSpPr/>
-        <p:nvPr/>
-      </p:nvGrpSpPr>
-      <p:grpSpPr>
-        <a:xfrm>
-          <a:off x="0" y="0"/>
-          <a:ext cx="0" cy="0"/>
-          <a:chOff x="0" y="0"/>
-          <a:chExt cx="0" cy="0"/>
-        </a:xfrm>
-      </p:grpSpPr>
-      <p:sp>
-        <p:nvSpPr>
-          <p:cNvPr id="3" name="Slide Number Placeholder 2"/>
-          <p:cNvSpPr>
-            <a:spLocks noGrp="1"/>
-          </p:cNvSpPr>
-          <p:nvPr>
-            <p:ph type="sldNum" sz="quarter" idx="10"/>
-          </p:nvPr>
-        </p:nvSpPr>
-        <p:spPr/>
-        <p:txBody>
-          <a:bodyPr/>
-          <a:lstStyle/>
-          <a:p>
-            <a:pPr>
-              <a:defRPr/>
-            </a:pPr>
-            <a:fld id="{1188F9D2-5B65-4C92-8FFB-3F149C9EBFE1}" type="slidenum">
-              <a:rPr lang="en-US" altLang="en-US" smtClean="0"/>
-              <a:pPr>
-                <a:defRPr/>
-              </a:pPr>
-              <a:t>7</a:t>
-            </a:fld>
-            <a:endParaRPr lang="en-US" altLang="en-US" dirty="0"/>
-          </a:p>
-        </p:txBody>
-      </p:sp>
-      <p:sp>
-        <p:nvSpPr>
-          <p:cNvPr id="15" name="Title 14"/>
-          <p:cNvSpPr>
-            <a:spLocks noGrp="1"/>
-          </p:cNvSpPr>
-          <p:nvPr>
-            <p:ph type="title"/>
-          </p:nvPr>
-        </p:nvSpPr>
-        <p:spPr>
-          <a:xfrm>
-            <a:off x="292742" y="381000"/>
-            <a:ext cx="7193280" cy="822960"/>
-          </a:xfrm>
-        </p:spPr>
-        <p:txBody>
-          <a:bodyPr/>
-          <a:lstStyle/>
-          <a:p>
-            <a:r>
-              <a:rPr lang="en-US" dirty="0"/>
-              <a:t>Dashboard #1 – Trend Overview</a:t>
-            </a:r>
-          </a:p>
-        </p:txBody>
-      </p:sp>
-      <p:sp>
-        <p:nvSpPr>
-          <p:cNvPr id="10" name="Content Placeholder 6">
-            <a:extLst>
-              <a:ext uri="{FF2B5EF4-FFF2-40B4-BE49-F238E27FC236}">
-                <a16:creationId xmlns:a16="http://schemas.microsoft.com/office/drawing/2014/main" id="{F293DBE1-3186-4050-72C6-E8786983EE65}"/>
+                <a16:creationId xmlns:a16="http://schemas.microsoft.com/office/drawing/2014/main" id="{F744684B-D0C2-50CE-D71C-640A315516DE}"/>
               </a:ext>
             </a:extLst>
           </p:cNvPr>
@@ -9951,7 +10352,7 @@
         <p:spPr>
           <a:xfrm>
             <a:off x="274320" y="1371600"/>
-            <a:ext cx="8321040" cy="4800600"/>
+            <a:ext cx="8321040" cy="4876800"/>
           </a:xfrm>
           <a:prstGeom prst="rect">
             <a:avLst/>
@@ -10099,19 +10500,928 @@
             </a:lvl9pPr>
           </a:lstStyle>
           <a:p>
+            <a:pPr marL="461963" lvl="1" indent="0">
+              <a:buFontTx/>
+              <a:buNone/>
+            </a:pPr>
+            <a:endParaRPr lang="en-US" altLang="en-US" sz="1200" kern="0" dirty="0"/>
+          </a:p>
+          <a:p>
+            <a:r>
+              <a:rPr lang="en-US" altLang="en-US" kern="0" dirty="0"/>
+              <a:t>Initial dataset had a few anomalies and required some cleaning, but after some discussion with my stakeholders and SMEs, I was able to resolve.</a:t>
+            </a:r>
+          </a:p>
+          <a:p>
+            <a:endParaRPr lang="en-US" altLang="en-US" kern="0" dirty="0"/>
+          </a:p>
+          <a:p>
+            <a:r>
+              <a:rPr lang="en-US" altLang="en-US" kern="0" dirty="0"/>
+              <a:t>Younger drivers are prone to DUI. Perhaps look into some sort of education program for younger drivers – especially around DUI. Propose a driver education credit.</a:t>
+            </a:r>
+          </a:p>
+          <a:p>
+            <a:endParaRPr lang="en-US" altLang="en-US" kern="0" dirty="0"/>
+          </a:p>
+          <a:p>
+            <a:r>
+              <a:rPr lang="en-US" dirty="0"/>
+              <a:t>District of Columbia</a:t>
+            </a:r>
+            <a:r>
+              <a:rPr lang="en-US" altLang="en-US" kern="0" dirty="0"/>
+              <a:t> and West Virginia have the highest discrepancies in estimates vs. payout.</a:t>
+            </a:r>
+          </a:p>
+          <a:p>
+            <a:endParaRPr lang="en-US" altLang="en-US" kern="0" dirty="0"/>
+          </a:p>
+          <a:p>
+            <a:r>
+              <a:rPr lang="en-US" dirty="0"/>
+              <a:t>District of Columbia</a:t>
+            </a:r>
+            <a:r>
+              <a:rPr lang="en-US" altLang="en-US" kern="0" dirty="0"/>
+              <a:t> appears to be an outlier on many different factors.  Perhaps we need to consider the drivers for this, and given it is such a small geographical area, perhaps consider a moratorium on writing new business in this area.</a:t>
+            </a:r>
+          </a:p>
+          <a:p>
+            <a:endParaRPr lang="en-US" altLang="en-US" kern="0" dirty="0"/>
+          </a:p>
+          <a:p>
+            <a:pPr marL="461963" lvl="1" indent="0">
+              <a:buFontTx/>
+              <a:buNone/>
+            </a:pPr>
+            <a:endParaRPr lang="en-US" altLang="en-US" kern="0" dirty="0"/>
+          </a:p>
+        </p:txBody>
+      </p:sp>
+    </p:spTree>
+    <p:extLst>
+      <p:ext uri="{BB962C8B-B14F-4D97-AF65-F5344CB8AC3E}">
+        <p14:creationId xmlns:p14="http://schemas.microsoft.com/office/powerpoint/2010/main" val="2631957148"/>
+      </p:ext>
+    </p:extLst>
+  </p:cSld>
+  <p:clrMapOvr>
+    <a:masterClrMapping/>
+  </p:clrMapOvr>
+</p:sld>
+</file>
+
+<file path=ppt/slides/slide2.xml><?xml version="1.0" encoding="utf-8"?>
+<p:sld xmlns:a="http://schemas.openxmlformats.org/drawingml/2006/main" xmlns:r="http://schemas.openxmlformats.org/officeDocument/2006/relationships" xmlns:p="http://schemas.openxmlformats.org/presentationml/2006/main">
+  <p:cSld>
+    <p:spTree>
+      <p:nvGrpSpPr>
+        <p:cNvPr id="1" name=""/>
+        <p:cNvGrpSpPr/>
+        <p:nvPr/>
+      </p:nvGrpSpPr>
+      <p:grpSpPr>
+        <a:xfrm>
+          <a:off x="0" y="0"/>
+          <a:ext cx="0" cy="0"/>
+          <a:chOff x="0" y="0"/>
+          <a:chExt cx="0" cy="0"/>
+        </a:xfrm>
+      </p:grpSpPr>
+      <p:sp>
+        <p:nvSpPr>
+          <p:cNvPr id="7" name="Content Placeholder 6"/>
+          <p:cNvSpPr>
+            <a:spLocks noGrp="1"/>
+          </p:cNvSpPr>
+          <p:nvPr>
+            <p:ph idx="1"/>
+          </p:nvPr>
+        </p:nvSpPr>
+        <p:spPr/>
+        <p:txBody>
+          <a:bodyPr/>
+          <a:lstStyle/>
+          <a:p>
+            <a:r>
+              <a:rPr lang="en-US" altLang="en-US" dirty="0"/>
+              <a:t>Data Cleanup Notes and Anomalies</a:t>
+            </a:r>
+          </a:p>
+          <a:p>
+            <a:endParaRPr lang="en-US" altLang="en-US" sz="1200" dirty="0"/>
+          </a:p>
+          <a:p>
+            <a:r>
+              <a:rPr lang="en-US" dirty="0"/>
+              <a:t>Claims Time Analysis</a:t>
+            </a:r>
+          </a:p>
+          <a:p>
+            <a:pPr lvl="1"/>
+            <a:r>
+              <a:rPr lang="en-US" altLang="en-US" dirty="0"/>
+              <a:t>Dashboard #1: Trend Overview</a:t>
+            </a:r>
+          </a:p>
+          <a:p>
+            <a:pPr lvl="1"/>
+            <a:r>
+              <a:rPr lang="en-US" altLang="en-US" dirty="0"/>
+              <a:t>Dashboard #1.5: Outlier Deep-Dive</a:t>
+            </a:r>
+          </a:p>
+          <a:p>
+            <a:pPr marL="461963" lvl="1" indent="0">
+              <a:buNone/>
+            </a:pPr>
+            <a:endParaRPr lang="en-US" altLang="en-US" sz="1200" dirty="0"/>
+          </a:p>
+          <a:p>
+            <a:r>
+              <a:rPr lang="en-US" dirty="0"/>
+              <a:t>Statewide Analysis</a:t>
+            </a:r>
+          </a:p>
+          <a:p>
+            <a:pPr lvl="1"/>
+            <a:r>
+              <a:rPr lang="en-US" dirty="0"/>
+              <a:t>Dashboard #2 – Geographical Distribution of Accidents</a:t>
+            </a:r>
+          </a:p>
+          <a:p>
+            <a:pPr lvl="1"/>
+            <a:endParaRPr lang="en-US" sz="1200" dirty="0"/>
+          </a:p>
+          <a:p>
+            <a:r>
+              <a:rPr lang="en-US" dirty="0"/>
+              <a:t>Policyholder Analysis:</a:t>
+            </a:r>
+          </a:p>
+          <a:p>
+            <a:pPr lvl="1"/>
+            <a:r>
+              <a:rPr lang="en-US" dirty="0"/>
+              <a:t>Dashboard #3 – States with highest DUI related Accidents</a:t>
+            </a:r>
+          </a:p>
+          <a:p>
+            <a:pPr lvl="1"/>
+            <a:endParaRPr lang="en-US" sz="1200" dirty="0"/>
+          </a:p>
+          <a:p>
+            <a:r>
+              <a:rPr lang="en-US" dirty="0"/>
+              <a:t>Vehicle Analysis</a:t>
+            </a:r>
+          </a:p>
+          <a:p>
+            <a:pPr lvl="1"/>
+            <a:r>
+              <a:rPr lang="en-US" dirty="0"/>
+              <a:t>Dashboard #4 – Sum and Average Settlement Discrepancy</a:t>
+            </a:r>
+          </a:p>
+          <a:p>
+            <a:pPr marL="461963" lvl="1" indent="0">
+              <a:buNone/>
+            </a:pPr>
+            <a:endParaRPr lang="en-US" sz="1200" dirty="0"/>
+          </a:p>
+          <a:p>
+            <a:r>
+              <a:rPr lang="en-US" dirty="0"/>
+              <a:t>Summary and Q &amp; A</a:t>
+            </a:r>
+          </a:p>
+          <a:p>
+            <a:pPr lvl="1"/>
+            <a:endParaRPr lang="en-US" dirty="0"/>
+          </a:p>
+          <a:p>
+            <a:pPr lvl="1"/>
+            <a:endParaRPr lang="en-US" altLang="en-US" dirty="0"/>
+          </a:p>
+          <a:p>
             <a:pPr marL="0" indent="0">
               <a:buNone/>
             </a:pPr>
-            <a:endParaRPr lang="en-US" dirty="0"/>
+            <a:endParaRPr lang="en-US" altLang="en-US" dirty="0"/>
+          </a:p>
+          <a:p>
+            <a:pPr marL="461963" lvl="1" indent="0">
+              <a:buNone/>
+            </a:pPr>
+            <a:endParaRPr lang="en-US" altLang="en-US" sz="1200" dirty="0"/>
+          </a:p>
+        </p:txBody>
+      </p:sp>
+      <p:sp>
+        <p:nvSpPr>
+          <p:cNvPr id="6" name="Title 5"/>
+          <p:cNvSpPr>
+            <a:spLocks noGrp="1"/>
+          </p:cNvSpPr>
+          <p:nvPr>
+            <p:ph type="title"/>
+          </p:nvPr>
+        </p:nvSpPr>
+        <p:spPr/>
+        <p:txBody>
+          <a:bodyPr/>
+          <a:lstStyle/>
+          <a:p>
+            <a:r>
+              <a:rPr lang="en-US" dirty="0"/>
+              <a:t>Outline:</a:t>
+            </a:r>
+          </a:p>
+        </p:txBody>
+      </p:sp>
+    </p:spTree>
+    <p:extLst>
+      <p:ext uri="{BB962C8B-B14F-4D97-AF65-F5344CB8AC3E}">
+        <p14:creationId xmlns:p14="http://schemas.microsoft.com/office/powerpoint/2010/main" val="3091039958"/>
+      </p:ext>
+    </p:extLst>
+  </p:cSld>
+  <p:clrMapOvr>
+    <a:masterClrMapping/>
+  </p:clrMapOvr>
+</p:sld>
+</file>
+
+<file path=ppt/slides/slide20.xml><?xml version="1.0" encoding="utf-8"?>
+<p:sld xmlns:a="http://schemas.openxmlformats.org/drawingml/2006/main" xmlns:r="http://schemas.openxmlformats.org/officeDocument/2006/relationships" xmlns:p="http://schemas.openxmlformats.org/presentationml/2006/main">
+  <p:cSld>
+    <p:spTree>
+      <p:nvGrpSpPr>
+        <p:cNvPr id="1" name=""/>
+        <p:cNvGrpSpPr/>
+        <p:nvPr/>
+      </p:nvGrpSpPr>
+      <p:grpSpPr>
+        <a:xfrm>
+          <a:off x="0" y="0"/>
+          <a:ext cx="0" cy="0"/>
+          <a:chOff x="0" y="0"/>
+          <a:chExt cx="0" cy="0"/>
+        </a:xfrm>
+      </p:grpSpPr>
+      <p:sp>
+        <p:nvSpPr>
+          <p:cNvPr id="12289" name="Rectangle 4"/>
+          <p:cNvSpPr>
+            <a:spLocks noGrp="1" noChangeArrowheads="1"/>
+          </p:cNvSpPr>
+          <p:nvPr>
+            <p:ph type="ctrTitle"/>
+          </p:nvPr>
+        </p:nvSpPr>
+        <p:spPr/>
+        <p:txBody>
+          <a:bodyPr/>
+          <a:lstStyle/>
+          <a:p>
+            <a:pPr eaLnBrk="1" hangingPunct="1"/>
+            <a:r>
+              <a:rPr lang="en-US" altLang="en-US" dirty="0"/>
+              <a:t>Q&amp;A</a:t>
+            </a:r>
+          </a:p>
+        </p:txBody>
+      </p:sp>
+    </p:spTree>
+    <p:extLst>
+      <p:ext uri="{BB962C8B-B14F-4D97-AF65-F5344CB8AC3E}">
+        <p14:creationId xmlns:p14="http://schemas.microsoft.com/office/powerpoint/2010/main" val="686908543"/>
+      </p:ext>
+    </p:extLst>
+  </p:cSld>
+  <p:clrMapOvr>
+    <a:masterClrMapping/>
+  </p:clrMapOvr>
+</p:sld>
+</file>
+
+<file path=ppt/slides/slide3.xml><?xml version="1.0" encoding="utf-8"?>
+<p:sld xmlns:a="http://schemas.openxmlformats.org/drawingml/2006/main" xmlns:r="http://schemas.openxmlformats.org/officeDocument/2006/relationships" xmlns:p="http://schemas.openxmlformats.org/presentationml/2006/main">
+  <p:cSld>
+    <p:spTree>
+      <p:nvGrpSpPr>
+        <p:cNvPr id="1" name=""/>
+        <p:cNvGrpSpPr/>
+        <p:nvPr/>
+      </p:nvGrpSpPr>
+      <p:grpSpPr>
+        <a:xfrm>
+          <a:off x="0" y="0"/>
+          <a:ext cx="0" cy="0"/>
+          <a:chOff x="0" y="0"/>
+          <a:chExt cx="0" cy="0"/>
+        </a:xfrm>
+      </p:grpSpPr>
+      <p:sp>
+        <p:nvSpPr>
+          <p:cNvPr id="7" name="Content Placeholder 6"/>
+          <p:cNvSpPr>
+            <a:spLocks noGrp="1"/>
+          </p:cNvSpPr>
+          <p:nvPr>
+            <p:ph idx="1"/>
+          </p:nvPr>
+        </p:nvSpPr>
+        <p:spPr/>
+        <p:txBody>
+          <a:bodyPr/>
+          <a:lstStyle/>
+          <a:p>
+            <a:r>
+              <a:rPr lang="en-US" altLang="en-US" dirty="0"/>
+              <a:t>Initial Data cleanup and ETL</a:t>
+            </a:r>
+          </a:p>
+          <a:p>
+            <a:pPr lvl="1"/>
+            <a:r>
+              <a:rPr lang="en-US" altLang="en-US" dirty="0"/>
+              <a:t>Data was converted to star schema via ETL process.</a:t>
+            </a:r>
+          </a:p>
+          <a:p>
+            <a:pPr lvl="1"/>
+            <a:r>
+              <a:rPr lang="en-US" altLang="en-US" dirty="0"/>
+              <a:t>Original schema contained 10 tables, was normalized into one fact table and six dimension tables via ETL.</a:t>
+            </a:r>
+          </a:p>
+          <a:p>
+            <a:pPr lvl="1"/>
+            <a:endParaRPr lang="en-US" altLang="en-US" dirty="0"/>
+          </a:p>
+          <a:p>
+            <a:r>
+              <a:rPr lang="en-US" altLang="en-US" dirty="0"/>
+              <a:t>Data discrepancies on Policyholder Birth Date</a:t>
+            </a:r>
+          </a:p>
+          <a:p>
+            <a:pPr lvl="1"/>
+            <a:r>
+              <a:rPr lang="en-US" altLang="en-US" dirty="0"/>
+              <a:t>Initial dataset had PH Birthdate ranging from 1907-2023 giving ages from 0-116 years old.</a:t>
+            </a:r>
+          </a:p>
+          <a:p>
+            <a:pPr lvl="1"/>
+            <a:r>
+              <a:rPr lang="en-US" altLang="en-US" dirty="0"/>
+              <a:t>Reached out to project’s data engineer and confirmed this was an error in the data. Error was corrected.</a:t>
+            </a:r>
+          </a:p>
+          <a:p>
+            <a:pPr lvl="1"/>
+            <a:endParaRPr lang="en-US" altLang="en-US" dirty="0"/>
+          </a:p>
+          <a:p>
+            <a:r>
+              <a:rPr lang="en-US" altLang="en-US" dirty="0"/>
+              <a:t>Custom SQL was written to convert birthdates to age in order to facilitate analysis of age-related trends. </a:t>
+            </a:r>
+          </a:p>
+          <a:p>
+            <a:pPr marL="0" indent="0">
+              <a:buNone/>
+            </a:pPr>
+            <a:endParaRPr lang="en-US" altLang="en-US" dirty="0"/>
+          </a:p>
+          <a:p>
+            <a:pPr marL="461963" lvl="1" indent="0">
+              <a:buNone/>
+            </a:pPr>
+            <a:endParaRPr lang="en-US" altLang="en-US" sz="1200" dirty="0"/>
+          </a:p>
+        </p:txBody>
+      </p:sp>
+      <p:sp>
+        <p:nvSpPr>
+          <p:cNvPr id="6" name="Title 5"/>
+          <p:cNvSpPr>
+            <a:spLocks noGrp="1"/>
+          </p:cNvSpPr>
+          <p:nvPr>
+            <p:ph type="title"/>
+          </p:nvPr>
+        </p:nvSpPr>
+        <p:spPr/>
+        <p:txBody>
+          <a:bodyPr/>
+          <a:lstStyle/>
+          <a:p>
+            <a:r>
+              <a:rPr lang="en-US" dirty="0"/>
+              <a:t>Data Cleanup Notes and Anomalies:</a:t>
+            </a:r>
+          </a:p>
+        </p:txBody>
+      </p:sp>
+    </p:spTree>
+    <p:extLst>
+      <p:ext uri="{BB962C8B-B14F-4D97-AF65-F5344CB8AC3E}">
+        <p14:creationId xmlns:p14="http://schemas.microsoft.com/office/powerpoint/2010/main" val="109215085"/>
+      </p:ext>
+    </p:extLst>
+  </p:cSld>
+  <p:clrMapOvr>
+    <a:masterClrMapping/>
+  </p:clrMapOvr>
+</p:sld>
+</file>
+
+<file path=ppt/slides/slide4.xml><?xml version="1.0" encoding="utf-8"?>
+<p:sld xmlns:a="http://schemas.openxmlformats.org/drawingml/2006/main" xmlns:r="http://schemas.openxmlformats.org/officeDocument/2006/relationships" xmlns:p="http://schemas.openxmlformats.org/presentationml/2006/main">
+  <p:cSld>
+    <p:spTree>
+      <p:nvGrpSpPr>
+        <p:cNvPr id="1" name=""/>
+        <p:cNvGrpSpPr/>
+        <p:nvPr/>
+      </p:nvGrpSpPr>
+      <p:grpSpPr>
+        <a:xfrm>
+          <a:off x="0" y="0"/>
+          <a:ext cx="0" cy="0"/>
+          <a:chOff x="0" y="0"/>
+          <a:chExt cx="0" cy="0"/>
+        </a:xfrm>
+      </p:grpSpPr>
+      <p:sp>
+        <p:nvSpPr>
+          <p:cNvPr id="7" name="Content Placeholder 6"/>
+          <p:cNvSpPr>
+            <a:spLocks noGrp="1"/>
+          </p:cNvSpPr>
+          <p:nvPr>
+            <p:ph idx="1"/>
+          </p:nvPr>
+        </p:nvSpPr>
+        <p:spPr>
+          <a:xfrm>
+            <a:off x="274320" y="1371600"/>
+            <a:ext cx="8321040" cy="4876800"/>
+          </a:xfrm>
+        </p:spPr>
+        <p:txBody>
+          <a:bodyPr/>
+          <a:lstStyle/>
+          <a:p>
+            <a:r>
+              <a:rPr lang="en-US" altLang="en-US" dirty="0"/>
+              <a:t>Accident type had duplicate Vandalism and Collision</a:t>
+            </a:r>
+          </a:p>
+          <a:p>
+            <a:pPr lvl="1"/>
+            <a:r>
+              <a:rPr lang="en-US" altLang="en-US" dirty="0"/>
+              <a:t>Reached out to stakeholder, confirmed duplicate Vandalism was correct.</a:t>
+            </a:r>
+          </a:p>
+          <a:p>
+            <a:pPr lvl="1"/>
+            <a:r>
+              <a:rPr lang="en-US" altLang="en-US" dirty="0"/>
+              <a:t>Wrote custom SQL to clean up Collision for Tableau.</a:t>
+            </a:r>
+          </a:p>
+          <a:p>
+            <a:endParaRPr lang="en-US" altLang="en-US" dirty="0"/>
+          </a:p>
+          <a:p>
+            <a:r>
+              <a:rPr lang="en-US" altLang="en-US" dirty="0"/>
+              <a:t>Transformed Gender/Marital Status using custom SQL</a:t>
+            </a:r>
+          </a:p>
+          <a:p>
+            <a:pPr lvl="1"/>
+            <a:r>
+              <a:rPr lang="en-US" altLang="en-US" dirty="0"/>
+              <a:t>Eliminate primary/secondary operator and marital status.</a:t>
+            </a:r>
+          </a:p>
+          <a:p>
+            <a:pPr lvl="1"/>
+            <a:r>
+              <a:rPr lang="en-US" altLang="en-US" dirty="0"/>
+              <a:t>Put neutral category together.</a:t>
+            </a:r>
+          </a:p>
+          <a:p>
+            <a:pPr lvl="1"/>
+            <a:r>
+              <a:rPr lang="en-US" altLang="en-US" dirty="0"/>
+              <a:t>Final categories: Male, Female, Neutral.</a:t>
+            </a:r>
+          </a:p>
+          <a:p>
+            <a:pPr marL="461963" lvl="1" indent="0">
+              <a:buNone/>
+            </a:pPr>
+            <a:endParaRPr lang="en-US" altLang="en-US" dirty="0"/>
+          </a:p>
+          <a:p>
+            <a:r>
+              <a:rPr lang="en-US" altLang="en-US" dirty="0"/>
+              <a:t>Used custom SQL to create a combined view of Age/State/DUI for analysis in Tableau.</a:t>
+            </a:r>
+          </a:p>
+          <a:p>
+            <a:pPr marL="0" indent="0">
+              <a:buNone/>
+            </a:pPr>
+            <a:endParaRPr lang="en-US" altLang="en-US" dirty="0"/>
+          </a:p>
+          <a:p>
+            <a:r>
+              <a:rPr lang="en-US" altLang="en-US" dirty="0"/>
+              <a:t>Cast Boolean values for DUI and At Fault as integer for simpler analysis, also using custom SQL within Tableau.</a:t>
+            </a:r>
+          </a:p>
+          <a:p>
+            <a:pPr marL="461963" lvl="1" indent="0">
+              <a:buNone/>
+            </a:pPr>
+            <a:endParaRPr lang="en-US" altLang="en-US" dirty="0"/>
+          </a:p>
+        </p:txBody>
+      </p:sp>
+      <p:sp>
+        <p:nvSpPr>
+          <p:cNvPr id="6" name="Title 5"/>
+          <p:cNvSpPr>
+            <a:spLocks noGrp="1"/>
+          </p:cNvSpPr>
+          <p:nvPr>
+            <p:ph type="title"/>
+          </p:nvPr>
+        </p:nvSpPr>
+        <p:spPr/>
+        <p:txBody>
+          <a:bodyPr/>
+          <a:lstStyle/>
+          <a:p>
+            <a:r>
+              <a:rPr lang="en-US" dirty="0"/>
+              <a:t>Data Cleanup Notes and Anomalies:</a:t>
+            </a:r>
+          </a:p>
+        </p:txBody>
+      </p:sp>
+    </p:spTree>
+    <p:extLst>
+      <p:ext uri="{BB962C8B-B14F-4D97-AF65-F5344CB8AC3E}">
+        <p14:creationId xmlns:p14="http://schemas.microsoft.com/office/powerpoint/2010/main" val="4143210992"/>
+      </p:ext>
+    </p:extLst>
+  </p:cSld>
+  <p:clrMapOvr>
+    <a:masterClrMapping/>
+  </p:clrMapOvr>
+</p:sld>
+</file>
+
+<file path=ppt/slides/slide5.xml><?xml version="1.0" encoding="utf-8"?>
+<p:sld xmlns:a="http://schemas.openxmlformats.org/drawingml/2006/main" xmlns:r="http://schemas.openxmlformats.org/officeDocument/2006/relationships" xmlns:p="http://schemas.openxmlformats.org/presentationml/2006/main">
+  <p:cSld>
+    <p:spTree>
+      <p:nvGrpSpPr>
+        <p:cNvPr id="1" name=""/>
+        <p:cNvGrpSpPr/>
+        <p:nvPr/>
+      </p:nvGrpSpPr>
+      <p:grpSpPr>
+        <a:xfrm>
+          <a:off x="0" y="0"/>
+          <a:ext cx="0" cy="0"/>
+          <a:chOff x="0" y="0"/>
+          <a:chExt cx="0" cy="0"/>
+        </a:xfrm>
+      </p:grpSpPr>
+      <p:sp>
+        <p:nvSpPr>
+          <p:cNvPr id="6" name="Title 5"/>
+          <p:cNvSpPr>
+            <a:spLocks noGrp="1"/>
+          </p:cNvSpPr>
+          <p:nvPr>
+            <p:ph type="title"/>
+          </p:nvPr>
+        </p:nvSpPr>
+        <p:spPr/>
+        <p:txBody>
+          <a:bodyPr/>
+          <a:lstStyle/>
+          <a:p>
+            <a:r>
+              <a:rPr lang="en-US" dirty="0"/>
+              <a:t>Data Cleanup Notes and Anomalies:</a:t>
+            </a:r>
           </a:p>
         </p:txBody>
       </p:sp>
       <p:pic>
         <p:nvPicPr>
-          <p:cNvPr id="12" name="Picture 11">
+          <p:cNvPr id="9" name="Content Placeholder 8" descr="A screenshot of a computer screen&#10;&#10;Description automatically generated">
             <a:extLst>
               <a:ext uri="{FF2B5EF4-FFF2-40B4-BE49-F238E27FC236}">
-                <a16:creationId xmlns:a16="http://schemas.microsoft.com/office/drawing/2014/main" id="{6396F560-858D-77FF-1DDD-437B8C425E24}"/>
+                <a16:creationId xmlns:a16="http://schemas.microsoft.com/office/drawing/2014/main" id="{FFA3F48C-A6BB-47CE-51AC-5E17CE907AFF}"/>
+              </a:ext>
+            </a:extLst>
+          </p:cNvPr>
+          <p:cNvPicPr>
+            <a:picLocks noGrp="1" noChangeAspect="1"/>
+          </p:cNvPicPr>
+          <p:nvPr>
+            <p:ph idx="1"/>
+          </p:nvPr>
+        </p:nvPicPr>
+        <p:blipFill>
+          <a:blip r:embed="rId3">
+            <a:extLst>
+              <a:ext uri="{28A0092B-C50C-407E-A947-70E740481C1C}">
+                <a14:useLocalDpi xmlns:a14="http://schemas.microsoft.com/office/drawing/2010/main" val="0"/>
+              </a:ext>
+            </a:extLst>
+          </a:blip>
+          <a:stretch>
+            <a:fillRect/>
+          </a:stretch>
+        </p:blipFill>
+        <p:spPr>
+          <a:xfrm>
+            <a:off x="806677" y="1371600"/>
+            <a:ext cx="7256008" cy="4800600"/>
+          </a:xfrm>
+        </p:spPr>
+      </p:pic>
+    </p:spTree>
+    <p:extLst>
+      <p:ext uri="{BB962C8B-B14F-4D97-AF65-F5344CB8AC3E}">
+        <p14:creationId xmlns:p14="http://schemas.microsoft.com/office/powerpoint/2010/main" val="2010582933"/>
+      </p:ext>
+    </p:extLst>
+  </p:cSld>
+  <p:clrMapOvr>
+    <a:masterClrMapping/>
+  </p:clrMapOvr>
+</p:sld>
+</file>
+
+<file path=ppt/slides/slide6.xml><?xml version="1.0" encoding="utf-8"?>
+<p:sld xmlns:a="http://schemas.openxmlformats.org/drawingml/2006/main" xmlns:r="http://schemas.openxmlformats.org/officeDocument/2006/relationships" xmlns:p="http://schemas.openxmlformats.org/presentationml/2006/main">
+  <p:cSld>
+    <p:spTree>
+      <p:nvGrpSpPr>
+        <p:cNvPr id="1" name=""/>
+        <p:cNvGrpSpPr/>
+        <p:nvPr/>
+      </p:nvGrpSpPr>
+      <p:grpSpPr>
+        <a:xfrm>
+          <a:off x="0" y="0"/>
+          <a:ext cx="0" cy="0"/>
+          <a:chOff x="0" y="0"/>
+          <a:chExt cx="0" cy="0"/>
+        </a:xfrm>
+      </p:grpSpPr>
+      <p:pic>
+        <p:nvPicPr>
+          <p:cNvPr id="3" name="Content Placeholder 2">
+            <a:extLst>
+              <a:ext uri="{FF2B5EF4-FFF2-40B4-BE49-F238E27FC236}">
+                <a16:creationId xmlns:a16="http://schemas.microsoft.com/office/drawing/2014/main" id="{B796F91F-32D9-7433-C52D-2B6C8A940B8E}"/>
+              </a:ext>
+            </a:extLst>
+          </p:cNvPr>
+          <p:cNvPicPr>
+            <a:picLocks noGrp="1" noChangeAspect="1"/>
+          </p:cNvPicPr>
+          <p:nvPr>
+            <p:ph idx="1"/>
+          </p:nvPr>
+        </p:nvPicPr>
+        <p:blipFill>
+          <a:blip r:embed="rId3"/>
+          <a:stretch>
+            <a:fillRect/>
+          </a:stretch>
+        </p:blipFill>
+        <p:spPr>
+          <a:xfrm>
+            <a:off x="274638" y="1413511"/>
+            <a:ext cx="8320087" cy="4716777"/>
+          </a:xfrm>
+        </p:spPr>
+      </p:pic>
+      <p:sp>
+        <p:nvSpPr>
+          <p:cNvPr id="6" name="Title 5"/>
+          <p:cNvSpPr>
+            <a:spLocks noGrp="1"/>
+          </p:cNvSpPr>
+          <p:nvPr>
+            <p:ph type="title"/>
+          </p:nvPr>
+        </p:nvSpPr>
+        <p:spPr/>
+        <p:txBody>
+          <a:bodyPr/>
+          <a:lstStyle/>
+          <a:p>
+            <a:r>
+              <a:rPr lang="en-US" dirty="0"/>
+              <a:t>Data Cleanup Notes and Anomalies:</a:t>
+            </a:r>
+          </a:p>
+        </p:txBody>
+      </p:sp>
+    </p:spTree>
+    <p:extLst>
+      <p:ext uri="{BB962C8B-B14F-4D97-AF65-F5344CB8AC3E}">
+        <p14:creationId xmlns:p14="http://schemas.microsoft.com/office/powerpoint/2010/main" val="681815517"/>
+      </p:ext>
+    </p:extLst>
+  </p:cSld>
+  <p:clrMapOvr>
+    <a:masterClrMapping/>
+  </p:clrMapOvr>
+</p:sld>
+</file>
+
+<file path=ppt/slides/slide7.xml><?xml version="1.0" encoding="utf-8"?>
+<p:sld xmlns:a="http://schemas.openxmlformats.org/drawingml/2006/main" xmlns:r="http://schemas.openxmlformats.org/officeDocument/2006/relationships" xmlns:p="http://schemas.openxmlformats.org/presentationml/2006/main">
+  <p:cSld>
+    <p:spTree>
+      <p:nvGrpSpPr>
+        <p:cNvPr id="1" name=""/>
+        <p:cNvGrpSpPr/>
+        <p:nvPr/>
+      </p:nvGrpSpPr>
+      <p:grpSpPr>
+        <a:xfrm>
+          <a:off x="0" y="0"/>
+          <a:ext cx="0" cy="0"/>
+          <a:chOff x="0" y="0"/>
+          <a:chExt cx="0" cy="0"/>
+        </a:xfrm>
+      </p:grpSpPr>
+      <p:sp>
+        <p:nvSpPr>
+          <p:cNvPr id="3" name="Slide Number Placeholder 2"/>
+          <p:cNvSpPr>
+            <a:spLocks noGrp="1"/>
+          </p:cNvSpPr>
+          <p:nvPr>
+            <p:ph type="sldNum" sz="quarter" idx="10"/>
+          </p:nvPr>
+        </p:nvSpPr>
+        <p:spPr/>
+        <p:txBody>
+          <a:bodyPr/>
+          <a:lstStyle/>
+          <a:p>
+            <a:pPr>
+              <a:defRPr/>
+            </a:pPr>
+            <a:fld id="{1188F9D2-5B65-4C92-8FFB-3F149C9EBFE1}" type="slidenum">
+              <a:rPr lang="en-US" altLang="en-US" smtClean="0"/>
+              <a:pPr>
+                <a:defRPr/>
+              </a:pPr>
+              <a:t>7</a:t>
+            </a:fld>
+            <a:endParaRPr lang="en-US" altLang="en-US" dirty="0"/>
+          </a:p>
+        </p:txBody>
+      </p:sp>
+      <p:sp>
+        <p:nvSpPr>
+          <p:cNvPr id="2" name="Content Placeholder 1">
+            <a:extLst>
+              <a:ext uri="{FF2B5EF4-FFF2-40B4-BE49-F238E27FC236}">
+                <a16:creationId xmlns:a16="http://schemas.microsoft.com/office/drawing/2014/main" id="{130597F3-437F-CB85-03F2-D53DCAD686B4}"/>
+              </a:ext>
+            </a:extLst>
+          </p:cNvPr>
+          <p:cNvSpPr>
+            <a:spLocks noGrp="1"/>
+          </p:cNvSpPr>
+          <p:nvPr>
+            <p:ph idx="11"/>
+          </p:nvPr>
+        </p:nvSpPr>
+        <p:spPr>
+          <a:xfrm>
+            <a:off x="274320" y="1371600"/>
+            <a:ext cx="8488680" cy="2971800"/>
+          </a:xfrm>
+        </p:spPr>
+        <p:txBody>
+          <a:bodyPr/>
+          <a:lstStyle/>
+          <a:p>
+            <a:r>
+              <a:rPr lang="en-US" dirty="0"/>
+              <a:t>Dataset spans the timeframe 1/1/2019 through 11/1/2023</a:t>
+            </a:r>
+          </a:p>
+          <a:p>
+            <a:pPr marL="0" indent="0">
+              <a:buNone/>
+            </a:pPr>
+            <a:endParaRPr lang="en-US" sz="1200" dirty="0"/>
+          </a:p>
+          <a:p>
+            <a:r>
+              <a:rPr lang="en-US" dirty="0"/>
+              <a:t>Monthly and Quarterly accident trends are very “jagged” </a:t>
+            </a:r>
+          </a:p>
+          <a:p>
+            <a:pPr lvl="1"/>
+            <a:r>
+              <a:rPr lang="en-US" dirty="0"/>
+              <a:t>Every other month/quarter, the trend appears to reverse.</a:t>
+            </a:r>
+          </a:p>
+          <a:p>
+            <a:pPr lvl="1"/>
+            <a:r>
+              <a:rPr lang="en-US" dirty="0"/>
+              <a:t>This is consistent across accident types.</a:t>
+            </a:r>
+          </a:p>
+          <a:p>
+            <a:pPr marL="461963" lvl="1" indent="0">
+              <a:buNone/>
+            </a:pPr>
+            <a:endParaRPr lang="en-US" sz="1200" dirty="0"/>
+          </a:p>
+          <a:p>
+            <a:r>
+              <a:rPr lang="en-US" dirty="0"/>
+              <a:t>Every loss type decreased in 2020, however 2021 had 2019 fewer accidents than 2020.</a:t>
+            </a:r>
+          </a:p>
+          <a:p>
+            <a:pPr marL="0" indent="0">
+              <a:buNone/>
+            </a:pPr>
+            <a:endParaRPr lang="en-US" sz="1200" dirty="0"/>
+          </a:p>
+          <a:p>
+            <a:r>
+              <a:rPr lang="en-US" dirty="0"/>
+              <a:t>Collision claims increased 146% between the years 2021 and 2022.</a:t>
+            </a:r>
+          </a:p>
+          <a:p>
+            <a:endParaRPr lang="en-US" dirty="0"/>
+          </a:p>
+        </p:txBody>
+      </p:sp>
+      <p:sp>
+        <p:nvSpPr>
+          <p:cNvPr id="15" name="Title 14"/>
+          <p:cNvSpPr>
+            <a:spLocks noGrp="1"/>
+          </p:cNvSpPr>
+          <p:nvPr>
+            <p:ph type="title"/>
+          </p:nvPr>
+        </p:nvSpPr>
+        <p:spPr/>
+        <p:txBody>
+          <a:bodyPr/>
+          <a:lstStyle/>
+          <a:p>
+            <a:r>
+              <a:rPr lang="en-US" dirty="0"/>
+              <a:t>Claims Time Analysis:</a:t>
+            </a:r>
+          </a:p>
+        </p:txBody>
+      </p:sp>
+      <p:pic>
+        <p:nvPicPr>
+          <p:cNvPr id="5" name="Picture 4">
+            <a:extLst>
+              <a:ext uri="{FF2B5EF4-FFF2-40B4-BE49-F238E27FC236}">
+                <a16:creationId xmlns:a16="http://schemas.microsoft.com/office/drawing/2014/main" id="{D73F7B78-08FD-BAE5-53C7-2EA323AB0502}"/>
               </a:ext>
             </a:extLst>
           </p:cNvPr>
@@ -10128,8 +11438,8 @@
         </p:blipFill>
         <p:spPr>
           <a:xfrm>
-            <a:off x="274320" y="1569085"/>
-            <a:ext cx="8321040" cy="4225673"/>
+            <a:off x="185057" y="4542415"/>
+            <a:ext cx="8773886" cy="1786418"/>
           </a:xfrm>
           <a:prstGeom prst="rect">
             <a:avLst/>
@@ -10139,7 +11449,7 @@
     </p:spTree>
     <p:extLst>
       <p:ext uri="{BB962C8B-B14F-4D97-AF65-F5344CB8AC3E}">
-        <p14:creationId xmlns:p14="http://schemas.microsoft.com/office/powerpoint/2010/main" val="3675679554"/>
+        <p14:creationId xmlns:p14="http://schemas.microsoft.com/office/powerpoint/2010/main" val="2726571923"/>
       </p:ext>
     </p:extLst>
   </p:cSld>
@@ -10197,87 +11507,237 @@
       </p:sp>
       <p:sp>
         <p:nvSpPr>
-          <p:cNvPr id="2" name="Content Placeholder 1">
+          <p:cNvPr id="15" name="Title 14"/>
+          <p:cNvSpPr>
+            <a:spLocks noGrp="1"/>
+          </p:cNvSpPr>
+          <p:nvPr>
+            <p:ph type="title"/>
+          </p:nvPr>
+        </p:nvSpPr>
+        <p:spPr>
+          <a:xfrm>
+            <a:off x="292742" y="381000"/>
+            <a:ext cx="7193280" cy="822960"/>
+          </a:xfrm>
+        </p:spPr>
+        <p:txBody>
+          <a:bodyPr/>
+          <a:lstStyle/>
+          <a:p>
+            <a:r>
+              <a:rPr lang="en-US" dirty="0"/>
+              <a:t>Dashboard #1 – Trend Overview</a:t>
+            </a:r>
+          </a:p>
+        </p:txBody>
+      </p:sp>
+      <p:sp>
+        <p:nvSpPr>
+          <p:cNvPr id="10" name="Content Placeholder 6">
             <a:extLst>
               <a:ext uri="{FF2B5EF4-FFF2-40B4-BE49-F238E27FC236}">
-                <a16:creationId xmlns:a16="http://schemas.microsoft.com/office/drawing/2014/main" id="{D8E0DBAD-F81A-DBBE-69C4-9EC60C4DAA78}"/>
+                <a16:creationId xmlns:a16="http://schemas.microsoft.com/office/drawing/2014/main" id="{F293DBE1-3186-4050-72C6-E8786983EE65}"/>
               </a:ext>
             </a:extLst>
           </p:cNvPr>
-          <p:cNvSpPr>
-            <a:spLocks noGrp="1"/>
-          </p:cNvSpPr>
-          <p:nvPr>
-            <p:ph idx="11"/>
-          </p:nvPr>
+          <p:cNvSpPr txBox="1">
+            <a:spLocks/>
+          </p:cNvSpPr>
+          <p:nvPr/>
         </p:nvSpPr>
         <p:spPr>
           <a:xfrm>
             <a:off x="274320" y="1371600"/>
-            <a:ext cx="8564880" cy="4800600"/>
+            <a:ext cx="8321040" cy="4800600"/>
           </a:xfrm>
+          <a:prstGeom prst="rect">
+            <a:avLst/>
+          </a:prstGeom>
         </p:spPr>
         <p:txBody>
           <a:bodyPr/>
-          <a:lstStyle/>
-          <a:p>
-            <a:r>
-              <a:rPr lang="en-US" dirty="0"/>
-              <a:t>CA has largest dollar amount paid in Claim settlements and also the youngest average age (26.)</a:t>
-            </a:r>
-          </a:p>
+          <a:lstStyle>
+            <a:lvl1pPr marL="228600" indent="-228600" algn="l" rtl="0" eaLnBrk="1" fontAlgn="base" hangingPunct="1">
+              <a:spcBef>
+                <a:spcPct val="20000"/>
+              </a:spcBef>
+              <a:spcAft>
+                <a:spcPct val="0"/>
+              </a:spcAft>
+              <a:buChar char="•"/>
+              <a:defRPr>
+                <a:solidFill>
+                  <a:schemeClr val="tx1"/>
+                </a:solidFill>
+                <a:latin typeface="+mn-lt"/>
+                <a:ea typeface="+mn-ea"/>
+                <a:cs typeface="+mn-cs"/>
+              </a:defRPr>
+            </a:lvl1pPr>
+            <a:lvl2pPr marL="747713" indent="-285750" algn="l" rtl="0" eaLnBrk="1" fontAlgn="base" hangingPunct="1">
+              <a:spcBef>
+                <a:spcPct val="20000"/>
+              </a:spcBef>
+              <a:spcAft>
+                <a:spcPct val="0"/>
+              </a:spcAft>
+              <a:buChar char="–"/>
+              <a:defRPr>
+                <a:solidFill>
+                  <a:schemeClr val="tx1"/>
+                </a:solidFill>
+                <a:latin typeface="+mn-lt"/>
+              </a:defRPr>
+            </a:lvl2pPr>
+            <a:lvl3pPr marL="1143000" indent="-228600" algn="l" rtl="0" eaLnBrk="1" fontAlgn="base" hangingPunct="1">
+              <a:spcBef>
+                <a:spcPct val="20000"/>
+              </a:spcBef>
+              <a:spcAft>
+                <a:spcPct val="0"/>
+              </a:spcAft>
+              <a:buChar char="•"/>
+              <a:defRPr sz="1600">
+                <a:solidFill>
+                  <a:schemeClr val="tx1"/>
+                </a:solidFill>
+                <a:latin typeface="+mn-lt"/>
+              </a:defRPr>
+            </a:lvl3pPr>
+            <a:lvl4pPr marL="1600200" indent="-228600" algn="l" rtl="0" eaLnBrk="1" fontAlgn="base" hangingPunct="1">
+              <a:spcBef>
+                <a:spcPct val="20000"/>
+              </a:spcBef>
+              <a:spcAft>
+                <a:spcPct val="0"/>
+              </a:spcAft>
+              <a:buChar char="–"/>
+              <a:defRPr sz="1600">
+                <a:solidFill>
+                  <a:schemeClr val="tx1"/>
+                </a:solidFill>
+                <a:latin typeface="+mn-lt"/>
+              </a:defRPr>
+            </a:lvl4pPr>
+            <a:lvl5pPr marL="2057400" indent="-228600" algn="l" rtl="0" eaLnBrk="1" fontAlgn="base" hangingPunct="1">
+              <a:spcBef>
+                <a:spcPct val="20000"/>
+              </a:spcBef>
+              <a:spcAft>
+                <a:spcPct val="0"/>
+              </a:spcAft>
+              <a:buChar char="»"/>
+              <a:defRPr sz="1600">
+                <a:solidFill>
+                  <a:schemeClr val="tx1"/>
+                </a:solidFill>
+                <a:latin typeface="+mn-lt"/>
+              </a:defRPr>
+            </a:lvl5pPr>
+            <a:lvl6pPr marL="2514600" indent="-228600" algn="l" rtl="0" eaLnBrk="1" fontAlgn="base" hangingPunct="1">
+              <a:spcBef>
+                <a:spcPct val="20000"/>
+              </a:spcBef>
+              <a:spcAft>
+                <a:spcPct val="0"/>
+              </a:spcAft>
+              <a:buChar char="»"/>
+              <a:defRPr>
+                <a:solidFill>
+                  <a:schemeClr val="tx1"/>
+                </a:solidFill>
+                <a:latin typeface="+mn-lt"/>
+              </a:defRPr>
+            </a:lvl6pPr>
+            <a:lvl7pPr marL="2971800" indent="-228600" algn="l" rtl="0" eaLnBrk="1" fontAlgn="base" hangingPunct="1">
+              <a:spcBef>
+                <a:spcPct val="20000"/>
+              </a:spcBef>
+              <a:spcAft>
+                <a:spcPct val="0"/>
+              </a:spcAft>
+              <a:buChar char="»"/>
+              <a:defRPr>
+                <a:solidFill>
+                  <a:schemeClr val="tx1"/>
+                </a:solidFill>
+                <a:latin typeface="+mn-lt"/>
+              </a:defRPr>
+            </a:lvl7pPr>
+            <a:lvl8pPr marL="3429000" indent="-228600" algn="l" rtl="0" eaLnBrk="1" fontAlgn="base" hangingPunct="1">
+              <a:spcBef>
+                <a:spcPct val="20000"/>
+              </a:spcBef>
+              <a:spcAft>
+                <a:spcPct val="0"/>
+              </a:spcAft>
+              <a:buChar char="»"/>
+              <a:defRPr>
+                <a:solidFill>
+                  <a:schemeClr val="tx1"/>
+                </a:solidFill>
+                <a:latin typeface="+mn-lt"/>
+              </a:defRPr>
+            </a:lvl8pPr>
+            <a:lvl9pPr marL="3886200" indent="-228600" algn="l" rtl="0" eaLnBrk="1" fontAlgn="base" hangingPunct="1">
+              <a:spcBef>
+                <a:spcPct val="20000"/>
+              </a:spcBef>
+              <a:spcAft>
+                <a:spcPct val="0"/>
+              </a:spcAft>
+              <a:buChar char="»"/>
+              <a:defRPr>
+                <a:solidFill>
+                  <a:schemeClr val="tx1"/>
+                </a:solidFill>
+                <a:latin typeface="+mn-lt"/>
+              </a:defRPr>
+            </a:lvl9pPr>
+          </a:lstStyle>
           <a:p>
             <a:pPr marL="0" indent="0">
               <a:buNone/>
             </a:pPr>
             <a:endParaRPr lang="en-US" dirty="0"/>
           </a:p>
-          <a:p>
-            <a:r>
-              <a:rPr lang="en-US" dirty="0"/>
-              <a:t>WV has largest discrepancy between claim estimate and final cost.</a:t>
-            </a:r>
-          </a:p>
-          <a:p>
-            <a:pPr marL="0" indent="0">
-              <a:buNone/>
-            </a:pPr>
-            <a:endParaRPr lang="en-US" dirty="0"/>
-          </a:p>
-          <a:p>
-            <a:r>
-              <a:rPr lang="en-US" dirty="0"/>
-              <a:t>DC has highest DUI count and 2nd youngest average age (28.)</a:t>
-            </a:r>
-          </a:p>
-        </p:txBody>
-      </p:sp>
-      <p:sp>
-        <p:nvSpPr>
-          <p:cNvPr id="15" name="Title 14"/>
-          <p:cNvSpPr>
-            <a:spLocks noGrp="1"/>
-          </p:cNvSpPr>
-          <p:nvPr>
-            <p:ph type="title"/>
-          </p:nvPr>
-        </p:nvSpPr>
-        <p:spPr/>
-        <p:txBody>
-          <a:bodyPr/>
-          <a:lstStyle/>
-          <a:p>
-            <a:r>
-              <a:rPr lang="en-US" dirty="0"/>
-              <a:t>Statewide Analysis:</a:t>
-            </a:r>
-          </a:p>
-        </p:txBody>
-      </p:sp>
+        </p:txBody>
+      </p:sp>
+      <p:pic>
+        <p:nvPicPr>
+          <p:cNvPr id="6" name="Picture 5">
+            <a:extLst>
+              <a:ext uri="{FF2B5EF4-FFF2-40B4-BE49-F238E27FC236}">
+                <a16:creationId xmlns:a16="http://schemas.microsoft.com/office/drawing/2014/main" id="{D6C227D5-046C-3DB6-8EA4-229662ECB6DA}"/>
+              </a:ext>
+            </a:extLst>
+          </p:cNvPr>
+          <p:cNvPicPr>
+            <a:picLocks noChangeAspect="1"/>
+          </p:cNvPicPr>
+          <p:nvPr/>
+        </p:nvPicPr>
+        <p:blipFill>
+          <a:blip r:embed="rId3"/>
+          <a:stretch>
+            <a:fillRect/>
+          </a:stretch>
+        </p:blipFill>
+        <p:spPr>
+          <a:xfrm>
+            <a:off x="213360" y="1635941"/>
+            <a:ext cx="8717280" cy="4271917"/>
+          </a:xfrm>
+          <a:prstGeom prst="rect">
+            <a:avLst/>
+          </a:prstGeom>
+        </p:spPr>
+      </p:pic>
     </p:spTree>
     <p:extLst>
       <p:ext uri="{BB962C8B-B14F-4D97-AF65-F5344CB8AC3E}">
-        <p14:creationId xmlns:p14="http://schemas.microsoft.com/office/powerpoint/2010/main" val="1921320003"/>
+        <p14:creationId xmlns:p14="http://schemas.microsoft.com/office/powerpoint/2010/main" val="3675679554"/>
       </p:ext>
     </p:extLst>
   </p:cSld>
@@ -10335,6 +11795,53 @@
       </p:sp>
       <p:sp>
         <p:nvSpPr>
+          <p:cNvPr id="2" name="Content Placeholder 1">
+            <a:extLst>
+              <a:ext uri="{FF2B5EF4-FFF2-40B4-BE49-F238E27FC236}">
+                <a16:creationId xmlns:a16="http://schemas.microsoft.com/office/drawing/2014/main" id="{130597F3-437F-CB85-03F2-D53DCAD686B4}"/>
+              </a:ext>
+            </a:extLst>
+          </p:cNvPr>
+          <p:cNvSpPr>
+            <a:spLocks noGrp="1"/>
+          </p:cNvSpPr>
+          <p:nvPr>
+            <p:ph idx="11"/>
+          </p:nvPr>
+        </p:nvSpPr>
+        <p:spPr>
+          <a:xfrm>
+            <a:off x="274320" y="1371600"/>
+            <a:ext cx="8488680" cy="1600200"/>
+          </a:xfrm>
+        </p:spPr>
+        <p:txBody>
+          <a:bodyPr/>
+          <a:lstStyle/>
+          <a:p>
+            <a:r>
+              <a:rPr lang="en-US" dirty="0"/>
+              <a:t>November 2021 stuck out as an outlier for peak accidents </a:t>
+            </a:r>
+          </a:p>
+          <a:p>
+            <a:pPr lvl="1"/>
+            <a:r>
+              <a:rPr lang="en-US" dirty="0"/>
+              <a:t>Further analysis showed the primary drivers were Collision and Vandalism losses.</a:t>
+            </a:r>
+          </a:p>
+          <a:p>
+            <a:pPr lvl="1"/>
+            <a:r>
+              <a:rPr lang="en-US" dirty="0"/>
+              <a:t>California and DC had the most overall losses.</a:t>
+            </a:r>
+          </a:p>
+        </p:txBody>
+      </p:sp>
+      <p:sp>
+        <p:nvSpPr>
           <p:cNvPr id="15" name="Title 14"/>
           <p:cNvSpPr>
             <a:spLocks noGrp="1"/>
@@ -10350,17 +11857,17 @@
           <a:p>
             <a:r>
               <a:rPr lang="en-US" dirty="0"/>
-              <a:t>Dashboard #2 – Geographical Distribution of Accidents</a:t>
+              <a:t>Claims Time Analysis:</a:t>
             </a:r>
           </a:p>
         </p:txBody>
       </p:sp>
       <p:pic>
         <p:nvPicPr>
-          <p:cNvPr id="5" name="Picture 4">
+          <p:cNvPr id="6" name="Picture 5">
             <a:extLst>
               <a:ext uri="{FF2B5EF4-FFF2-40B4-BE49-F238E27FC236}">
-                <a16:creationId xmlns:a16="http://schemas.microsoft.com/office/drawing/2014/main" id="{E014B085-893C-9C50-811C-70493624A9DE}"/>
+                <a16:creationId xmlns:a16="http://schemas.microsoft.com/office/drawing/2014/main" id="{19FFF1AE-E496-18FC-D95C-AF2B4FB3E487}"/>
               </a:ext>
             </a:extLst>
           </p:cNvPr>
@@ -10377,8 +11884,8 @@
         </p:blipFill>
         <p:spPr>
           <a:xfrm>
-            <a:off x="306140" y="1524000"/>
-            <a:ext cx="8305800" cy="4343400"/>
+            <a:off x="622935" y="3175002"/>
+            <a:ext cx="7791450" cy="2800350"/>
           </a:xfrm>
           <a:prstGeom prst="rect">
             <a:avLst/>
@@ -10388,7 +11895,7 @@
     </p:spTree>
     <p:extLst>
       <p:ext uri="{BB962C8B-B14F-4D97-AF65-F5344CB8AC3E}">
-        <p14:creationId xmlns:p14="http://schemas.microsoft.com/office/powerpoint/2010/main" val="4012960174"/>
+        <p14:creationId xmlns:p14="http://schemas.microsoft.com/office/powerpoint/2010/main" val="4013641661"/>
       </p:ext>
     </p:extLst>
   </p:cSld>
@@ -10487,6 +11994,30 @@
 </file>
 
 <file path=ppt/tags/tag2.xml><?xml version="1.0" encoding="utf-8"?>
+<p:tagLst xmlns:a="http://schemas.openxmlformats.org/drawingml/2006/main" xmlns:r="http://schemas.openxmlformats.org/officeDocument/2006/relationships" xmlns:p="http://schemas.openxmlformats.org/presentationml/2006/main">
+  <p:tag name="BJHEADERFOOTERLABEL" val="TRUE"/>
+  <p:tag name="BJHEADERFOOTERTEXTLABEL" val="© 2020 by The Hartford. Classification: Company Confidential. No part of this document may be reproduced, published or used without the permission of The Hartford."/>
+  <p:tag name="BJHEADERFOOTERTEXTMARKING" val="© 2020 by The Hartford. Classification: Company Confidential. No part of this document may be reproduced, published or used without the permission of The Hartford."/>
+</p:tagLst>
+</file>
+
+<file path=ppt/tags/tag20.xml><?xml version="1.0" encoding="utf-8"?>
+<p:tagLst xmlns:a="http://schemas.openxmlformats.org/drawingml/2006/main" xmlns:r="http://schemas.openxmlformats.org/officeDocument/2006/relationships" xmlns:p="http://schemas.openxmlformats.org/presentationml/2006/main">
+  <p:tag name="BJHEADERFOOTERLABEL" val="TRUE"/>
+  <p:tag name="BJHEADERFOOTERTEXTLABEL" val="© 2020 by The Hartford. Classification: Company Confidential. No part of this document may be reproduced, published or used without the permission of The Hartford."/>
+  <p:tag name="BJHEADERFOOTERTEXTMARKING" val="© 2020 by The Hartford. Classification: Company Confidential. No part of this document may be reproduced, published or used without the permission of The Hartford."/>
+</p:tagLst>
+</file>
+
+<file path=ppt/tags/tag21.xml><?xml version="1.0" encoding="utf-8"?>
+<p:tagLst xmlns:a="http://schemas.openxmlformats.org/drawingml/2006/main" xmlns:r="http://schemas.openxmlformats.org/officeDocument/2006/relationships" xmlns:p="http://schemas.openxmlformats.org/presentationml/2006/main">
+  <p:tag name="BJHEADERFOOTERLABEL" val="TRUE"/>
+  <p:tag name="BJHEADERFOOTERTEXTLABEL" val="© 2020 by The Hartford. Classification: Company Confidential. No part of this document may be reproduced, published or used without the permission of The Hartford."/>
+  <p:tag name="BJHEADERFOOTERTEXTMARKING" val="© 2020 by The Hartford. Classification: Company Confidential. No part of this document may be reproduced, published or used without the permission of The Hartford."/>
+</p:tagLst>
+</file>
+
+<file path=ppt/tags/tag22.xml><?xml version="1.0" encoding="utf-8"?>
 <p:tagLst xmlns:a="http://schemas.openxmlformats.org/drawingml/2006/main" xmlns:r="http://schemas.openxmlformats.org/officeDocument/2006/relationships" xmlns:p="http://schemas.openxmlformats.org/presentationml/2006/main">
   <p:tag name="BJHEADERFOOTERLABEL" val="TRUE"/>
   <p:tag name="BJHEADERFOOTERTEXTLABEL" val="© 2020 by The Hartford. Classification: Company Confidential. No part of this document may be reproduced, published or used without the permission of The Hartford."/>
@@ -11896,96 +13427,6 @@
 </file>
 
 <file path=customXml/item2.xml><?xml version="1.0" encoding="utf-8"?>
-<?mso-contentType ?>
-<FormTemplates xmlns="http://schemas.microsoft.com/sharepoint/v3/contenttype/forms">
-  <Display>DocumentLibraryForm</Display>
-  <Edit>DocumentLibraryForm</Edit>
-  <New>DocumentLibraryForm</New>
-</FormTemplates>
-</file>
-
-<file path=customXml/item3.xml>
-</file>
-
-<file path=customXml/item4.xml><?xml version="1.0" encoding="utf-8"?>
-<WrappedLabelHistory xmlns:xsi="http://www.w3.org/2001/XMLSchema-instance" xmlns:xsd="http://www.w3.org/2001/XMLSchema" xmlns="http://www.boldonjames.com/2016/02/Classifier/internal/wrappedLabelHistory">
-  <Value>PD94bWwgdmVyc2lvbj0iMS4wIiBlbmNvZGluZz0idXMtYXNjaWkiPz48bGFiZWxIaXN0b3J5IHhtbG5zOnhzaT0iaHR0cDovL3d3dy53My5vcmcvMjAwMS9YTUxTY2hlbWEtaW5zdGFuY2UiIHhtbG5zOnhzZD0iaHR0cDovL3d3dy53My5vcmcvMjAwMS9YTUxTY2hlbWEiIHhtbG5zPSJodHRwOi8vd3d3LmJvbGRvbmphbWVzLmNvbS8yMDE2LzAyL0NsYXNzaWZpZXIvaW50ZXJuYWwvbGFiZWxIaXN0b3J5Ij48aXRlbT48c2lzbCBzaXNsVmVyc2lvbj0iMCIgcG9saWN5PSIyNDZkZTk0Yy04ODY3LTQ3YjAtOTI2ZS0zMTBjMTIwZDQ5ZWEiIG9yaWdpbj0idXNlclNlbGVjdGVkIj48ZWxlbWVudCB1aWQ9IjNiMjU3NTRkLTAyNGEtNDNjMi04YWM4LWRhYmYzZGUyMmU5NSIgdmFsdWU9IiIgeG1sbnM9Imh0dHA6Ly93d3cuYm9sZG9uamFtZXMuY29tLzIwMDgvMDEvc2llL2ludGVybmFsL2xhYmVsIiAvPjxlbGVtZW50IHVpZD0iaWRfY2xhc3NpZmljYXRpb25fY29uZmlkZW50aWFsIiB2YWx1ZT0iIiB4bWxucz0iaHR0cDovL3d3dy5ib2xkb25qYW1lcy5jb20vMjAwOC8wMS9zaWUvaW50ZXJuYWwvbGFiZWwiIC8+PC9zaXNsPjxVc2VyTmFtZT5BRDFcRFQ4NDg0MjwvVXNlck5hbWU+PERhdGVUaW1lPjMvMTAvMjAxOSA0OjE2OjUzIEFNPC9EYXRlVGltZT48TGFiZWxTdHJpbmc+Q29tcGFueSBDb25maWRlbnRpYWw8L0xhYmVsU3RyaW5nPjwvaXRlbT48L2xhYmVsSGlzdG9yeT4=</Value>
-</WrappedLabelHistory>
-</file>
-
-<file path=customXml/item5.xml><?xml version="1.0" encoding="utf-8"?>
-<sisl xmlns:xsi="http://www.w3.org/2001/XMLSchema-instance" xmlns:xsd="http://www.w3.org/2001/XMLSchema" xmlns="http://www.boldonjames.com/2008/01/sie/internal/label" sislVersion="0" policy="246de94c-8867-47b0-926e-310c120d49ea" origin="userSelected">
-  <element uid="id_classification_confidential" value=""/>
-  <element uid="3b25754d-024a-43c2-8ac8-dabf3de22e95" value=""/>
-</sisl>
-</file>
-
-<file path=customXml/item6.xml><?xml version="1.0" encoding="utf-8"?>
-<p:properties xmlns:p="http://schemas.microsoft.com/office/2006/metadata/properties" xmlns:xsi="http://www.w3.org/2001/XMLSchema-instance" xmlns:pc="http://schemas.microsoft.com/office/infopath/2007/PartnerControls">
-  <documentManagement>
-    <ParentListItemID xmlns="e41776cb-f1e4-4db6-9f53-c61fb189f18a" xsi:nil="true"/>
-    <PublishingExpirationDate xmlns="http://schemas.microsoft.com/sharepoint/v3" xsi:nil="true"/>
-    <PublishingStartDate xmlns="http://schemas.microsoft.com/sharepoint/v3" xsi:nil="true"/>
-    <_dlc_DocId xmlns="9bb93603-0383-4dc3-94c0-d838e010d382">D657ZVAK56N3-157-315</_dlc_DocId>
-    <_dlc_DocIdUrl xmlns="9bb93603-0383-4dc3-94c0-d838e010d382">
-      <Url>http://iconnect.thehartford.com/WorkTools/Organization/Brand/_layouts/15/DocIdRedir.aspx?ID=D657ZVAK56N3-157-315</Url>
-      <Description>D657ZVAK56N3-157-315</Description>
-    </_dlc_DocIdUrl>
-  </documentManagement>
-</p:properties>
-</file>
-
-<file path=customXml/item7.xml><?xml version="1.0" encoding="utf-8"?>
-<?mso-contentType ?>
-<spe:Receivers xmlns:spe="http://schemas.microsoft.com/sharepoint/events">
-  <Receiver>
-    <Name>Document ID Generator</Name>
-    <Synchronization>Synchronous</Synchronization>
-    <Type>10001</Type>
-    <SequenceNumber>1000</SequenceNumber>
-    <Url/>
-    <Assembly>Microsoft.Office.DocumentManagement, Version=15.0.0.0, Culture=neutral, PublicKeyToken=71e9bce111e9429c</Assembly>
-    <Class>Microsoft.Office.DocumentManagement.Internal.DocIdHandler</Class>
-    <Data/>
-    <Filter/>
-  </Receiver>
-  <Receiver>
-    <Name>Document ID Generator</Name>
-    <Synchronization>Synchronous</Synchronization>
-    <Type>10002</Type>
-    <SequenceNumber>1001</SequenceNumber>
-    <Url/>
-    <Assembly>Microsoft.Office.DocumentManagement, Version=15.0.0.0, Culture=neutral, PublicKeyToken=71e9bce111e9429c</Assembly>
-    <Class>Microsoft.Office.DocumentManagement.Internal.DocIdHandler</Class>
-    <Data/>
-    <Filter/>
-  </Receiver>
-  <Receiver>
-    <Name>Document ID Generator</Name>
-    <Synchronization>Synchronous</Synchronization>
-    <Type>10004</Type>
-    <SequenceNumber>1002</SequenceNumber>
-    <Url/>
-    <Assembly>Microsoft.Office.DocumentManagement, Version=15.0.0.0, Culture=neutral, PublicKeyToken=71e9bce111e9429c</Assembly>
-    <Class>Microsoft.Office.DocumentManagement.Internal.DocIdHandler</Class>
-    <Data/>
-    <Filter/>
-  </Receiver>
-  <Receiver>
-    <Name>Document ID Generator</Name>
-    <Synchronization>Synchronous</Synchronization>
-    <Type>10006</Type>
-    <SequenceNumber>1003</SequenceNumber>
-    <Url/>
-    <Assembly>Microsoft.Office.DocumentManagement, Version=15.0.0.0, Culture=neutral, PublicKeyToken=71e9bce111e9429c</Assembly>
-    <Class>Microsoft.Office.DocumentManagement.Internal.DocIdHandler</Class>
-    <Data/>
-    <Filter/>
-  </Receiver>
-</spe:Receivers>
-</file>
-
-<file path=customXml/item8.xml><?xml version="1.0" encoding="utf-8"?>
 <ct:contentTypeSchema xmlns:ct="http://schemas.microsoft.com/office/2006/metadata/contentType" xmlns:ma="http://schemas.microsoft.com/office/2006/metadata/properties/metaAttributes" ct:_="" ma:_="" ma:contentTypeName="Document" ma:contentTypeID="0x01010067494878D4AC6B42AE961535AE294E1A" ma:contentTypeVersion="3" ma:contentTypeDescription="Create a new document." ma:contentTypeScope="" ma:versionID="3cf48adff6bf995d2412dc17eda949ff">
   <xsd:schema xmlns:xsd="http://www.w3.org/2001/XMLSchema" xmlns:xs="http://www.w3.org/2001/XMLSchema" xmlns:p="http://schemas.microsoft.com/office/2006/metadata/properties" xmlns:ns1="http://schemas.microsoft.com/sharepoint/v3" xmlns:ns2="9bb93603-0383-4dc3-94c0-d838e010d382" xmlns:ns3="e41776cb-f1e4-4db6-9f53-c61fb189f18a" targetNamespace="http://schemas.microsoft.com/office/2006/metadata/properties" ma:root="true" ma:fieldsID="8514c56c8a1f6390237e3354e4e76ccb" ns1:_="" ns2:_="" ns3:_="">
     <xsd:import namespace="http://schemas.microsoft.com/sharepoint/v3"/>
@@ -12158,7 +13599,97 @@
 </ct:contentTypeSchema>
 </file>
 
-<file path=customXml/item9.xml>
+<file path=customXml/item3.xml>
+</file>
+
+<file path=customXml/item4.xml><?xml version="1.0" encoding="utf-8"?>
+<WrappedLabelHistory xmlns:xsi="http://www.w3.org/2001/XMLSchema-instance" xmlns:xsd="http://www.w3.org/2001/XMLSchema" xmlns="http://www.boldonjames.com/2016/02/Classifier/internal/wrappedLabelHistory">
+  <Value>PD94bWwgdmVyc2lvbj0iMS4wIiBlbmNvZGluZz0idXMtYXNjaWkiPz48bGFiZWxIaXN0b3J5IHhtbG5zOnhzaT0iaHR0cDovL3d3dy53My5vcmcvMjAwMS9YTUxTY2hlbWEtaW5zdGFuY2UiIHhtbG5zOnhzZD0iaHR0cDovL3d3dy53My5vcmcvMjAwMS9YTUxTY2hlbWEiIHhtbG5zPSJodHRwOi8vd3d3LmJvbGRvbmphbWVzLmNvbS8yMDE2LzAyL0NsYXNzaWZpZXIvaW50ZXJuYWwvbGFiZWxIaXN0b3J5Ij48aXRlbT48c2lzbCBzaXNsVmVyc2lvbj0iMCIgcG9saWN5PSIyNDZkZTk0Yy04ODY3LTQ3YjAtOTI2ZS0zMTBjMTIwZDQ5ZWEiIG9yaWdpbj0idXNlclNlbGVjdGVkIj48ZWxlbWVudCB1aWQ9IjNiMjU3NTRkLTAyNGEtNDNjMi04YWM4LWRhYmYzZGUyMmU5NSIgdmFsdWU9IiIgeG1sbnM9Imh0dHA6Ly93d3cuYm9sZG9uamFtZXMuY29tLzIwMDgvMDEvc2llL2ludGVybmFsL2xhYmVsIiAvPjxlbGVtZW50IHVpZD0iaWRfY2xhc3NpZmljYXRpb25fY29uZmlkZW50aWFsIiB2YWx1ZT0iIiB4bWxucz0iaHR0cDovL3d3dy5ib2xkb25qYW1lcy5jb20vMjAwOC8wMS9zaWUvaW50ZXJuYWwvbGFiZWwiIC8+PC9zaXNsPjxVc2VyTmFtZT5BRDFcRFQ4NDg0MjwvVXNlck5hbWU+PERhdGVUaW1lPjMvMTAvMjAxOSA0OjE2OjUzIEFNPC9EYXRlVGltZT48TGFiZWxTdHJpbmc+Q29tcGFueSBDb25maWRlbnRpYWw8L0xhYmVsU3RyaW5nPjwvaXRlbT48L2xhYmVsSGlzdG9yeT4=</Value>
+</WrappedLabelHistory>
+</file>
+
+<file path=customXml/item5.xml><?xml version="1.0" encoding="utf-8"?>
+<?mso-contentType ?>
+<FormTemplates xmlns="http://schemas.microsoft.com/sharepoint/v3/contenttype/forms">
+  <Display>DocumentLibraryForm</Display>
+  <Edit>DocumentLibraryForm</Edit>
+  <New>DocumentLibraryForm</New>
+</FormTemplates>
+</file>
+
+<file path=customXml/item6.xml><?xml version="1.0" encoding="utf-8"?>
+<?mso-contentType ?>
+<spe:Receivers xmlns:spe="http://schemas.microsoft.com/sharepoint/events">
+  <Receiver>
+    <Name>Document ID Generator</Name>
+    <Synchronization>Synchronous</Synchronization>
+    <Type>10001</Type>
+    <SequenceNumber>1000</SequenceNumber>
+    <Url/>
+    <Assembly>Microsoft.Office.DocumentManagement, Version=15.0.0.0, Culture=neutral, PublicKeyToken=71e9bce111e9429c</Assembly>
+    <Class>Microsoft.Office.DocumentManagement.Internal.DocIdHandler</Class>
+    <Data/>
+    <Filter/>
+  </Receiver>
+  <Receiver>
+    <Name>Document ID Generator</Name>
+    <Synchronization>Synchronous</Synchronization>
+    <Type>10002</Type>
+    <SequenceNumber>1001</SequenceNumber>
+    <Url/>
+    <Assembly>Microsoft.Office.DocumentManagement, Version=15.0.0.0, Culture=neutral, PublicKeyToken=71e9bce111e9429c</Assembly>
+    <Class>Microsoft.Office.DocumentManagement.Internal.DocIdHandler</Class>
+    <Data/>
+    <Filter/>
+  </Receiver>
+  <Receiver>
+    <Name>Document ID Generator</Name>
+    <Synchronization>Synchronous</Synchronization>
+    <Type>10004</Type>
+    <SequenceNumber>1002</SequenceNumber>
+    <Url/>
+    <Assembly>Microsoft.Office.DocumentManagement, Version=15.0.0.0, Culture=neutral, PublicKeyToken=71e9bce111e9429c</Assembly>
+    <Class>Microsoft.Office.DocumentManagement.Internal.DocIdHandler</Class>
+    <Data/>
+    <Filter/>
+  </Receiver>
+  <Receiver>
+    <Name>Document ID Generator</Name>
+    <Synchronization>Synchronous</Synchronization>
+    <Type>10006</Type>
+    <SequenceNumber>1003</SequenceNumber>
+    <Url/>
+    <Assembly>Microsoft.Office.DocumentManagement, Version=15.0.0.0, Culture=neutral, PublicKeyToken=71e9bce111e9429c</Assembly>
+    <Class>Microsoft.Office.DocumentManagement.Internal.DocIdHandler</Class>
+    <Data/>
+    <Filter/>
+  </Receiver>
+</spe:Receivers>
+</file>
+
+<file path=customXml/item7.xml><?xml version="1.0" encoding="utf-8"?>
+<sisl xmlns:xsi="http://www.w3.org/2001/XMLSchema-instance" xmlns:xsd="http://www.w3.org/2001/XMLSchema" xmlns="http://www.boldonjames.com/2008/01/sie/internal/label" sislVersion="0" policy="246de94c-8867-47b0-926e-310c120d49ea" origin="userSelected">
+  <element uid="id_classification_confidential" value=""/>
+  <element uid="3b25754d-024a-43c2-8ac8-dabf3de22e95" value=""/>
+</sisl>
+</file>
+
+<file path=customXml/item8.xml>
+</file>
+
+<file path=customXml/item9.xml><?xml version="1.0" encoding="utf-8"?>
+<p:properties xmlns:p="http://schemas.microsoft.com/office/2006/metadata/properties" xmlns:xsi="http://www.w3.org/2001/XMLSchema-instance" xmlns:pc="http://schemas.microsoft.com/office/infopath/2007/PartnerControls">
+  <documentManagement>
+    <ParentListItemID xmlns="e41776cb-f1e4-4db6-9f53-c61fb189f18a" xsi:nil="true"/>
+    <PublishingExpirationDate xmlns="http://schemas.microsoft.com/sharepoint/v3" xsi:nil="true"/>
+    <PublishingStartDate xmlns="http://schemas.microsoft.com/sharepoint/v3" xsi:nil="true"/>
+    <_dlc_DocId xmlns="9bb93603-0383-4dc3-94c0-d838e010d382">D657ZVAK56N3-157-315</_dlc_DocId>
+    <_dlc_DocIdUrl xmlns="9bb93603-0383-4dc3-94c0-d838e010d382">
+      <Url>http://iconnect.thehartford.com/WorkTools/Organization/Brand/_layouts/15/DocIdRedir.aspx?ID=D657ZVAK56N3-157-315</Url>
+      <Description>D657ZVAK56N3-157-315</Description>
+    </_dlc_DocIdUrl>
+  </documentManagement>
+</p:properties>
 </file>
 
 <file path=customXml/itemProps1.xml><?xml version="1.0" encoding="utf-8"?>
@@ -12171,67 +13702,6 @@
 </file>
 
 <file path=customXml/itemProps2.xml><?xml version="1.0" encoding="utf-8"?>
-<ds:datastoreItem xmlns:ds="http://schemas.openxmlformats.org/officeDocument/2006/customXml" ds:itemID="{A5DAB40E-92AA-4F2E-B9DA-35FEBE368420}">
-  <ds:schemaRefs>
-    <ds:schemaRef ds:uri="http://schemas.microsoft.com/sharepoint/v3/contenttype/forms"/>
-  </ds:schemaRefs>
-</ds:datastoreItem>
-</file>
-
-<file path=customXml/itemProps3.xml><?xml version="1.0" encoding="utf-8"?>
-<ds:datastoreItem xmlns:ds="http://schemas.openxmlformats.org/officeDocument/2006/customXml" ds:itemID="{CC5A3BDC-AE74-4928-BD5F-32E42CA8A5B9}">
-  <ds:schemaRefs>
-    <ds:schemaRef ds:uri="http://www.w3.org/2001/XMLSchema"/>
-    <ds:schemaRef ds:uri="http://www.boldonjames.com/2008/01/sie/internal/label"/>
-  </ds:schemaRefs>
-</ds:datastoreItem>
-</file>
-
-<file path=customXml/itemProps4.xml><?xml version="1.0" encoding="utf-8"?>
-<ds:datastoreItem xmlns:ds="http://schemas.openxmlformats.org/officeDocument/2006/customXml" ds:itemID="{F8A7A059-D32C-491E-A0B6-086993E4653B}">
-  <ds:schemaRefs>
-    <ds:schemaRef ds:uri="http://www.w3.org/2001/XMLSchema"/>
-    <ds:schemaRef ds:uri="http://www.boldonjames.com/2016/02/Classifier/internal/wrappedLabelHistory"/>
-  </ds:schemaRefs>
-</ds:datastoreItem>
-</file>
-
-<file path=customXml/itemProps5.xml><?xml version="1.0" encoding="utf-8"?>
-<ds:datastoreItem xmlns:ds="http://schemas.openxmlformats.org/officeDocument/2006/customXml" ds:itemID="{9B9415DB-942A-4FA1-A645-E2F2B9473B43}">
-  <ds:schemaRefs>
-    <ds:schemaRef ds:uri="http://www.w3.org/2001/XMLSchema"/>
-    <ds:schemaRef ds:uri="http://www.boldonjames.com/2008/01/sie/internal/label"/>
-  </ds:schemaRefs>
-</ds:datastoreItem>
-</file>
-
-<file path=customXml/itemProps6.xml><?xml version="1.0" encoding="utf-8"?>
-<ds:datastoreItem xmlns:ds="http://schemas.openxmlformats.org/officeDocument/2006/customXml" ds:itemID="{91CAAC60-F163-4857-A62E-D8F1E485AC89}">
-  <ds:schemaRefs>
-    <ds:schemaRef ds:uri="http://schemas.microsoft.com/office/2006/documentManagement/types"/>
-    <ds:schemaRef ds:uri="e41776cb-f1e4-4db6-9f53-c61fb189f18a"/>
-    <ds:schemaRef ds:uri="http://schemas.microsoft.com/office/2006/metadata/properties"/>
-    <ds:schemaRef ds:uri="http://purl.org/dc/elements/1.1/"/>
-    <ds:schemaRef ds:uri="http://schemas.microsoft.com/sharepoint/v3"/>
-    <ds:schemaRef ds:uri="http://www.w3.org/XML/1998/namespace"/>
-    <ds:schemaRef ds:uri="http://schemas.openxmlformats.org/package/2006/metadata/core-properties"/>
-    <ds:schemaRef ds:uri="http://purl.org/dc/terms/"/>
-    <ds:schemaRef ds:uri="http://schemas.microsoft.com/office/infopath/2007/PartnerControls"/>
-    <ds:schemaRef ds:uri="9bb93603-0383-4dc3-94c0-d838e010d382"/>
-    <ds:schemaRef ds:uri="http://purl.org/dc/dcmitype/"/>
-  </ds:schemaRefs>
-</ds:datastoreItem>
-</file>
-
-<file path=customXml/itemProps7.xml><?xml version="1.0" encoding="utf-8"?>
-<ds:datastoreItem xmlns:ds="http://schemas.openxmlformats.org/officeDocument/2006/customXml" ds:itemID="{3CB8DA8A-1E5F-4939-B6BA-EA4AAE55C0CF}">
-  <ds:schemaRefs>
-    <ds:schemaRef ds:uri="http://schemas.microsoft.com/sharepoint/events"/>
-  </ds:schemaRefs>
-</ds:datastoreItem>
-</file>
-
-<file path=customXml/itemProps8.xml><?xml version="1.0" encoding="utf-8"?>
 <ds:datastoreItem xmlns:ds="http://schemas.openxmlformats.org/officeDocument/2006/customXml" ds:itemID="{94A2F985-3AF9-4BA5-B9BB-A280C2BFF911}">
   <ds:schemaRefs>
     <ds:schemaRef ds:uri="http://schemas.microsoft.com/office/2006/metadata/contentType"/>
@@ -12251,11 +13721,72 @@
 </ds:datastoreItem>
 </file>
 
-<file path=customXml/itemProps9.xml><?xml version="1.0" encoding="utf-8"?>
+<file path=customXml/itemProps3.xml><?xml version="1.0" encoding="utf-8"?>
 <ds:datastoreItem xmlns:ds="http://schemas.openxmlformats.org/officeDocument/2006/customXml" ds:itemID="{91CBF000-5D03-4BE9-8AE1-83EACD87CD03}">
   <ds:schemaRefs>
     <ds:schemaRef ds:uri="http://www.w3.org/2001/XMLSchema"/>
     <ds:schemaRef ds:uri="http://www.boldonjames.com/2008/01/sie/internal/label"/>
   </ds:schemaRefs>
 </ds:datastoreItem>
+</file>
+
+<file path=customXml/itemProps4.xml><?xml version="1.0" encoding="utf-8"?>
+<ds:datastoreItem xmlns:ds="http://schemas.openxmlformats.org/officeDocument/2006/customXml" ds:itemID="{F8A7A059-D32C-491E-A0B6-086993E4653B}">
+  <ds:schemaRefs>
+    <ds:schemaRef ds:uri="http://www.w3.org/2001/XMLSchema"/>
+    <ds:schemaRef ds:uri="http://www.boldonjames.com/2016/02/Classifier/internal/wrappedLabelHistory"/>
+  </ds:schemaRefs>
+</ds:datastoreItem>
+</file>
+
+<file path=customXml/itemProps5.xml><?xml version="1.0" encoding="utf-8"?>
+<ds:datastoreItem xmlns:ds="http://schemas.openxmlformats.org/officeDocument/2006/customXml" ds:itemID="{A5DAB40E-92AA-4F2E-B9DA-35FEBE368420}">
+  <ds:schemaRefs>
+    <ds:schemaRef ds:uri="http://schemas.microsoft.com/sharepoint/v3/contenttype/forms"/>
+  </ds:schemaRefs>
+</ds:datastoreItem>
+</file>
+
+<file path=customXml/itemProps6.xml><?xml version="1.0" encoding="utf-8"?>
+<ds:datastoreItem xmlns:ds="http://schemas.openxmlformats.org/officeDocument/2006/customXml" ds:itemID="{3CB8DA8A-1E5F-4939-B6BA-EA4AAE55C0CF}">
+  <ds:schemaRefs>
+    <ds:schemaRef ds:uri="http://schemas.microsoft.com/sharepoint/events"/>
+  </ds:schemaRefs>
+</ds:datastoreItem>
+</file>
+
+<file path=customXml/itemProps7.xml><?xml version="1.0" encoding="utf-8"?>
+<ds:datastoreItem xmlns:ds="http://schemas.openxmlformats.org/officeDocument/2006/customXml" ds:itemID="{9B9415DB-942A-4FA1-A645-E2F2B9473B43}">
+  <ds:schemaRefs>
+    <ds:schemaRef ds:uri="http://www.w3.org/2001/XMLSchema"/>
+    <ds:schemaRef ds:uri="http://www.boldonjames.com/2008/01/sie/internal/label"/>
+  </ds:schemaRefs>
+</ds:datastoreItem>
+</file>
+
+<file path=customXml/itemProps8.xml><?xml version="1.0" encoding="utf-8"?>
+<ds:datastoreItem xmlns:ds="http://schemas.openxmlformats.org/officeDocument/2006/customXml" ds:itemID="{CC5A3BDC-AE74-4928-BD5F-32E42CA8A5B9}">
+  <ds:schemaRefs>
+    <ds:schemaRef ds:uri="http://www.w3.org/2001/XMLSchema"/>
+    <ds:schemaRef ds:uri="http://www.boldonjames.com/2008/01/sie/internal/label"/>
+  </ds:schemaRefs>
+</ds:datastoreItem>
+</file>
+
+<file path=customXml/itemProps9.xml><?xml version="1.0" encoding="utf-8"?>
+<ds:datastoreItem xmlns:ds="http://schemas.openxmlformats.org/officeDocument/2006/customXml" ds:itemID="{91CAAC60-F163-4857-A62E-D8F1E485AC89}">
+  <ds:schemaRefs>
+    <ds:schemaRef ds:uri="http://schemas.microsoft.com/office/2006/documentManagement/types"/>
+    <ds:schemaRef ds:uri="e41776cb-f1e4-4db6-9f53-c61fb189f18a"/>
+    <ds:schemaRef ds:uri="http://schemas.microsoft.com/office/2006/metadata/properties"/>
+    <ds:schemaRef ds:uri="http://purl.org/dc/elements/1.1/"/>
+    <ds:schemaRef ds:uri="http://schemas.microsoft.com/sharepoint/v3"/>
+    <ds:schemaRef ds:uri="http://www.w3.org/XML/1998/namespace"/>
+    <ds:schemaRef ds:uri="http://schemas.openxmlformats.org/package/2006/metadata/core-properties"/>
+    <ds:schemaRef ds:uri="http://purl.org/dc/terms/"/>
+    <ds:schemaRef ds:uri="http://schemas.microsoft.com/office/infopath/2007/PartnerControls"/>
+    <ds:schemaRef ds:uri="9bb93603-0383-4dc3-94c0-d838e010d382"/>
+    <ds:schemaRef ds:uri="http://purl.org/dc/dcmitype/"/>
+  </ds:schemaRefs>
+</ds:datastoreItem>
 </file>
--- a/Capstone/JDUSCHAK CAPSTONE POWERPOINT.pptx
+++ b/Capstone/JDUSCHAK CAPSTONE POWERPOINT.pptx
@@ -451,7 +451,7 @@
   <pc:docChgLst>
     <pc:chgData name="Duschak, Jennifer (Chief Data Office)" userId="bc9cde4e-dfd7-4af5-98f1-09ef461b221f" providerId="ADAL" clId="{4AA14816-38AF-42D3-8008-DDBEC2552DB3}"/>
     <pc:docChg chg="undo custSel addSld modSld sldOrd">
-      <pc:chgData name="Duschak, Jennifer (Chief Data Office)" userId="bc9cde4e-dfd7-4af5-98f1-09ef461b221f" providerId="ADAL" clId="{4AA14816-38AF-42D3-8008-DDBEC2552DB3}" dt="2023-11-09T19:27:43.351" v="941"/>
+      <pc:chgData name="Duschak, Jennifer (Chief Data Office)" userId="bc9cde4e-dfd7-4af5-98f1-09ef461b221f" providerId="ADAL" clId="{4AA14816-38AF-42D3-8008-DDBEC2552DB3}" dt="2023-11-09T20:35:51.985" v="1076" actId="6549"/>
       <pc:docMkLst>
         <pc:docMk/>
       </pc:docMkLst>
@@ -542,7 +542,7 @@
         </pc:picChg>
       </pc:sldChg>
       <pc:sldChg chg="modSp mod">
-        <pc:chgData name="Duschak, Jennifer (Chief Data Office)" userId="bc9cde4e-dfd7-4af5-98f1-09ef461b221f" providerId="ADAL" clId="{4AA14816-38AF-42D3-8008-DDBEC2552DB3}" dt="2023-11-09T16:12:40.581" v="585" actId="20577"/>
+        <pc:chgData name="Duschak, Jennifer (Chief Data Office)" userId="bc9cde4e-dfd7-4af5-98f1-09ef461b221f" providerId="ADAL" clId="{4AA14816-38AF-42D3-8008-DDBEC2552DB3}" dt="2023-11-09T20:35:27.597" v="1074" actId="6549"/>
         <pc:sldMkLst>
           <pc:docMk/>
           <pc:sldMk cId="1921320003" sldId="299"/>
@@ -555,9 +555,17 @@
             <ac:spMk id="2" creationId="{D8E0DBAD-F81A-DBBE-69C4-9EC60C4DAA78}"/>
           </ac:spMkLst>
         </pc:spChg>
+        <pc:spChg chg="mod">
+          <ac:chgData name="Duschak, Jennifer (Chief Data Office)" userId="bc9cde4e-dfd7-4af5-98f1-09ef461b221f" providerId="ADAL" clId="{4AA14816-38AF-42D3-8008-DDBEC2552DB3}" dt="2023-11-09T20:35:27.597" v="1074" actId="6549"/>
+          <ac:spMkLst>
+            <pc:docMk/>
+            <pc:sldMk cId="1921320003" sldId="299"/>
+            <ac:spMk id="15" creationId="{00000000-0000-0000-0000-000000000000}"/>
+          </ac:spMkLst>
+        </pc:spChg>
       </pc:sldChg>
       <pc:sldChg chg="modSp mod">
-        <pc:chgData name="Duschak, Jennifer (Chief Data Office)" userId="bc9cde4e-dfd7-4af5-98f1-09ef461b221f" providerId="ADAL" clId="{4AA14816-38AF-42D3-8008-DDBEC2552DB3}" dt="2023-11-09T16:04:49.195" v="372" actId="1076"/>
+        <pc:chgData name="Duschak, Jennifer (Chief Data Office)" userId="bc9cde4e-dfd7-4af5-98f1-09ef461b221f" providerId="ADAL" clId="{4AA14816-38AF-42D3-8008-DDBEC2552DB3}" dt="2023-11-09T20:34:51.421" v="1067" actId="20577"/>
         <pc:sldMkLst>
           <pc:docMk/>
           <pc:sldMk cId="4013641661" sldId="301"/>
@@ -570,6 +578,14 @@
             <ac:spMk id="2" creationId="{130597F3-437F-CB85-03F2-D53DCAD686B4}"/>
           </ac:spMkLst>
         </pc:spChg>
+        <pc:spChg chg="mod">
+          <ac:chgData name="Duschak, Jennifer (Chief Data Office)" userId="bc9cde4e-dfd7-4af5-98f1-09ef461b221f" providerId="ADAL" clId="{4AA14816-38AF-42D3-8008-DDBEC2552DB3}" dt="2023-11-09T20:34:51.421" v="1067" actId="20577"/>
+          <ac:spMkLst>
+            <pc:docMk/>
+            <pc:sldMk cId="4013641661" sldId="301"/>
+            <ac:spMk id="15" creationId="{00000000-0000-0000-0000-000000000000}"/>
+          </ac:spMkLst>
+        </pc:spChg>
         <pc:picChg chg="mod">
           <ac:chgData name="Duschak, Jennifer (Chief Data Office)" userId="bc9cde4e-dfd7-4af5-98f1-09ef461b221f" providerId="ADAL" clId="{4AA14816-38AF-42D3-8008-DDBEC2552DB3}" dt="2023-11-09T16:04:49.195" v="372" actId="1076"/>
           <ac:picMkLst>
@@ -580,7 +596,7 @@
         </pc:picChg>
       </pc:sldChg>
       <pc:sldChg chg="addSp delSp modSp mod ord">
-        <pc:chgData name="Duschak, Jennifer (Chief Data Office)" userId="bc9cde4e-dfd7-4af5-98f1-09ef461b221f" providerId="ADAL" clId="{4AA14816-38AF-42D3-8008-DDBEC2552DB3}" dt="2023-11-09T17:30:45.159" v="927" actId="1076"/>
+        <pc:chgData name="Duschak, Jennifer (Chief Data Office)" userId="bc9cde4e-dfd7-4af5-98f1-09ef461b221f" providerId="ADAL" clId="{4AA14816-38AF-42D3-8008-DDBEC2552DB3}" dt="2023-11-09T20:34:28.230" v="1066" actId="1076"/>
         <pc:sldMkLst>
           <pc:docMk/>
           <pc:sldMk cId="3675679554" sldId="302"/>
@@ -593,12 +609,28 @@
             <ac:picMk id="4" creationId="{1ECE54E2-5E23-BED1-DDB0-816D5B5D6FC6}"/>
           </ac:picMkLst>
         </pc:picChg>
-        <pc:picChg chg="add mod">
-          <ac:chgData name="Duschak, Jennifer (Chief Data Office)" userId="bc9cde4e-dfd7-4af5-98f1-09ef461b221f" providerId="ADAL" clId="{4AA14816-38AF-42D3-8008-DDBEC2552DB3}" dt="2023-11-09T17:30:45.159" v="927" actId="1076"/>
+        <pc:picChg chg="add del mod">
+          <ac:chgData name="Duschak, Jennifer (Chief Data Office)" userId="bc9cde4e-dfd7-4af5-98f1-09ef461b221f" providerId="ADAL" clId="{4AA14816-38AF-42D3-8008-DDBEC2552DB3}" dt="2023-11-09T20:32:21.442" v="1048" actId="478"/>
           <ac:picMkLst>
             <pc:docMk/>
             <pc:sldMk cId="3675679554" sldId="302"/>
             <ac:picMk id="6" creationId="{D6C227D5-046C-3DB6-8EA4-229662ECB6DA}"/>
+          </ac:picMkLst>
+        </pc:picChg>
+        <pc:picChg chg="add del mod">
+          <ac:chgData name="Duschak, Jennifer (Chief Data Office)" userId="bc9cde4e-dfd7-4af5-98f1-09ef461b221f" providerId="ADAL" clId="{4AA14816-38AF-42D3-8008-DDBEC2552DB3}" dt="2023-11-09T20:33:29.787" v="1055" actId="478"/>
+          <ac:picMkLst>
+            <pc:docMk/>
+            <pc:sldMk cId="3675679554" sldId="302"/>
+            <ac:picMk id="8" creationId="{E3409C46-970C-5064-CCD0-E7A4124CD8CC}"/>
+          </ac:picMkLst>
+        </pc:picChg>
+        <pc:picChg chg="add del mod">
+          <ac:chgData name="Duschak, Jennifer (Chief Data Office)" userId="bc9cde4e-dfd7-4af5-98f1-09ef461b221f" providerId="ADAL" clId="{4AA14816-38AF-42D3-8008-DDBEC2552DB3}" dt="2023-11-09T20:34:17.306" v="1062" actId="478"/>
+          <ac:picMkLst>
+            <pc:docMk/>
+            <pc:sldMk cId="3675679554" sldId="302"/>
+            <ac:picMk id="11" creationId="{532B991C-C806-E1B4-266F-532C27123246}"/>
           </ac:picMkLst>
         </pc:picChg>
         <pc:picChg chg="del mod">
@@ -609,9 +641,17 @@
             <ac:picMk id="12" creationId="{6396F560-858D-77FF-1DDD-437B8C425E24}"/>
           </ac:picMkLst>
         </pc:picChg>
+        <pc:picChg chg="add mod">
+          <ac:chgData name="Duschak, Jennifer (Chief Data Office)" userId="bc9cde4e-dfd7-4af5-98f1-09ef461b221f" providerId="ADAL" clId="{4AA14816-38AF-42D3-8008-DDBEC2552DB3}" dt="2023-11-09T20:34:28.230" v="1066" actId="1076"/>
+          <ac:picMkLst>
+            <pc:docMk/>
+            <pc:sldMk cId="3675679554" sldId="302"/>
+            <ac:picMk id="14" creationId="{65F649D9-193F-1C81-D37C-F72D9BF2E720}"/>
+          </ac:picMkLst>
+        </pc:picChg>
       </pc:sldChg>
       <pc:sldChg chg="modSp mod">
-        <pc:chgData name="Duschak, Jennifer (Chief Data Office)" userId="bc9cde4e-dfd7-4af5-98f1-09ef461b221f" providerId="ADAL" clId="{4AA14816-38AF-42D3-8008-DDBEC2552DB3}" dt="2023-11-09T16:32:31.611" v="864" actId="21"/>
+        <pc:chgData name="Duschak, Jennifer (Chief Data Office)" userId="bc9cde4e-dfd7-4af5-98f1-09ef461b221f" providerId="ADAL" clId="{4AA14816-38AF-42D3-8008-DDBEC2552DB3}" dt="2023-11-09T20:35:34.477" v="1075" actId="6549"/>
         <pc:sldMkLst>
           <pc:docMk/>
           <pc:sldMk cId="2356183093" sldId="303"/>
@@ -625,7 +665,7 @@
           </ac:spMkLst>
         </pc:spChg>
         <pc:spChg chg="mod">
-          <ac:chgData name="Duschak, Jennifer (Chief Data Office)" userId="bc9cde4e-dfd7-4af5-98f1-09ef461b221f" providerId="ADAL" clId="{4AA14816-38AF-42D3-8008-DDBEC2552DB3}" dt="2023-11-09T16:32:31.611" v="864" actId="21"/>
+          <ac:chgData name="Duschak, Jennifer (Chief Data Office)" userId="bc9cde4e-dfd7-4af5-98f1-09ef461b221f" providerId="ADAL" clId="{4AA14816-38AF-42D3-8008-DDBEC2552DB3}" dt="2023-11-09T20:35:34.477" v="1075" actId="6549"/>
           <ac:spMkLst>
             <pc:docMk/>
             <pc:sldMk cId="2356183093" sldId="303"/>
@@ -650,13 +690,13 @@
         </pc:picChg>
       </pc:sldChg>
       <pc:sldChg chg="modSp mod">
-        <pc:chgData name="Duschak, Jennifer (Chief Data Office)" userId="bc9cde4e-dfd7-4af5-98f1-09ef461b221f" providerId="ADAL" clId="{4AA14816-38AF-42D3-8008-DDBEC2552DB3}" dt="2023-11-09T16:35:50.160" v="918" actId="6549"/>
+        <pc:chgData name="Duschak, Jennifer (Chief Data Office)" userId="bc9cde4e-dfd7-4af5-98f1-09ef461b221f" providerId="ADAL" clId="{4AA14816-38AF-42D3-8008-DDBEC2552DB3}" dt="2023-11-09T20:35:21.548" v="1073" actId="6549"/>
         <pc:sldMkLst>
           <pc:docMk/>
           <pc:sldMk cId="3091039958" sldId="305"/>
         </pc:sldMkLst>
         <pc:spChg chg="mod">
-          <ac:chgData name="Duschak, Jennifer (Chief Data Office)" userId="bc9cde4e-dfd7-4af5-98f1-09ef461b221f" providerId="ADAL" clId="{4AA14816-38AF-42D3-8008-DDBEC2552DB3}" dt="2023-11-09T16:30:58.385" v="771" actId="20577"/>
+          <ac:chgData name="Duschak, Jennifer (Chief Data Office)" userId="bc9cde4e-dfd7-4af5-98f1-09ef461b221f" providerId="ADAL" clId="{4AA14816-38AF-42D3-8008-DDBEC2552DB3}" dt="2023-11-09T20:35:21.548" v="1073" actId="6549"/>
           <ac:spMkLst>
             <pc:docMk/>
             <pc:sldMk cId="3091039958" sldId="305"/>
@@ -664,7 +704,7 @@
           </ac:spMkLst>
         </pc:spChg>
         <pc:spChg chg="mod">
-          <ac:chgData name="Duschak, Jennifer (Chief Data Office)" userId="bc9cde4e-dfd7-4af5-98f1-09ef461b221f" providerId="ADAL" clId="{4AA14816-38AF-42D3-8008-DDBEC2552DB3}" dt="2023-11-09T16:35:50.160" v="918" actId="6549"/>
+          <ac:chgData name="Duschak, Jennifer (Chief Data Office)" userId="bc9cde4e-dfd7-4af5-98f1-09ef461b221f" providerId="ADAL" clId="{4AA14816-38AF-42D3-8008-DDBEC2552DB3}" dt="2023-11-09T20:28:23.433" v="1046" actId="5793"/>
           <ac:spMkLst>
             <pc:docMk/>
             <pc:sldMk cId="3091039958" sldId="305"/>
@@ -673,13 +713,21 @@
         </pc:spChg>
       </pc:sldChg>
       <pc:sldChg chg="modSp mod">
-        <pc:chgData name="Duschak, Jennifer (Chief Data Office)" userId="bc9cde4e-dfd7-4af5-98f1-09ef461b221f" providerId="ADAL" clId="{4AA14816-38AF-42D3-8008-DDBEC2552DB3}" dt="2023-11-09T16:26:38.012" v="610"/>
+        <pc:chgData name="Duschak, Jennifer (Chief Data Office)" userId="bc9cde4e-dfd7-4af5-98f1-09ef461b221f" providerId="ADAL" clId="{4AA14816-38AF-42D3-8008-DDBEC2552DB3}" dt="2023-11-09T20:35:13.212" v="1071" actId="20577"/>
         <pc:sldMkLst>
           <pc:docMk/>
           <pc:sldMk cId="4143210992" sldId="306"/>
         </pc:sldMkLst>
         <pc:spChg chg="mod">
-          <ac:chgData name="Duschak, Jennifer (Chief Data Office)" userId="bc9cde4e-dfd7-4af5-98f1-09ef461b221f" providerId="ADAL" clId="{4AA14816-38AF-42D3-8008-DDBEC2552DB3}" dt="2023-11-09T16:26:38.012" v="610"/>
+          <ac:chgData name="Duschak, Jennifer (Chief Data Office)" userId="bc9cde4e-dfd7-4af5-98f1-09ef461b221f" providerId="ADAL" clId="{4AA14816-38AF-42D3-8008-DDBEC2552DB3}" dt="2023-11-09T20:35:13.212" v="1071" actId="20577"/>
+          <ac:spMkLst>
+            <pc:docMk/>
+            <pc:sldMk cId="4143210992" sldId="306"/>
+            <ac:spMk id="6" creationId="{00000000-0000-0000-0000-000000000000}"/>
+          </ac:spMkLst>
+        </pc:spChg>
+        <pc:spChg chg="mod">
+          <ac:chgData name="Duschak, Jennifer (Chief Data Office)" userId="bc9cde4e-dfd7-4af5-98f1-09ef461b221f" providerId="ADAL" clId="{4AA14816-38AF-42D3-8008-DDBEC2552DB3}" dt="2023-11-09T20:27:26.736" v="1024" actId="20577"/>
           <ac:spMkLst>
             <pc:docMk/>
             <pc:sldMk cId="4143210992" sldId="306"/>
@@ -688,7 +736,7 @@
         </pc:spChg>
       </pc:sldChg>
       <pc:sldChg chg="addSp delSp modSp mod">
-        <pc:chgData name="Duschak, Jennifer (Chief Data Office)" userId="bc9cde4e-dfd7-4af5-98f1-09ef461b221f" providerId="ADAL" clId="{4AA14816-38AF-42D3-8008-DDBEC2552DB3}" dt="2023-11-09T16:02:59.709" v="350" actId="962"/>
+        <pc:chgData name="Duschak, Jennifer (Chief Data Office)" userId="bc9cde4e-dfd7-4af5-98f1-09ef461b221f" providerId="ADAL" clId="{4AA14816-38AF-42D3-8008-DDBEC2552DB3}" dt="2023-11-09T20:35:08.572" v="1070" actId="6549"/>
         <pc:sldMkLst>
           <pc:docMk/>
           <pc:sldMk cId="2010582933" sldId="307"/>
@@ -701,6 +749,14 @@
             <ac:spMk id="4" creationId="{511AA68F-53C6-2A75-D167-49DD0668EAE0}"/>
           </ac:spMkLst>
         </pc:spChg>
+        <pc:spChg chg="mod">
+          <ac:chgData name="Duschak, Jennifer (Chief Data Office)" userId="bc9cde4e-dfd7-4af5-98f1-09ef461b221f" providerId="ADAL" clId="{4AA14816-38AF-42D3-8008-DDBEC2552DB3}" dt="2023-11-09T20:35:08.572" v="1070" actId="6549"/>
+          <ac:spMkLst>
+            <pc:docMk/>
+            <pc:sldMk cId="2010582933" sldId="307"/>
+            <ac:spMk id="6" creationId="{00000000-0000-0000-0000-000000000000}"/>
+          </ac:spMkLst>
+        </pc:spChg>
         <pc:picChg chg="del">
           <ac:chgData name="Duschak, Jennifer (Chief Data Office)" userId="bc9cde4e-dfd7-4af5-98f1-09ef461b221f" providerId="ADAL" clId="{4AA14816-38AF-42D3-8008-DDBEC2552DB3}" dt="2023-11-09T16:02:30.289" v="347" actId="478"/>
           <ac:picMkLst>
@@ -718,8 +774,23 @@
           </ac:picMkLst>
         </pc:picChg>
       </pc:sldChg>
+      <pc:sldChg chg="modSp mod">
+        <pc:chgData name="Duschak, Jennifer (Chief Data Office)" userId="bc9cde4e-dfd7-4af5-98f1-09ef461b221f" providerId="ADAL" clId="{4AA14816-38AF-42D3-8008-DDBEC2552DB3}" dt="2023-11-09T20:35:51.985" v="1076" actId="6549"/>
+        <pc:sldMkLst>
+          <pc:docMk/>
+          <pc:sldMk cId="438840214" sldId="309"/>
+        </pc:sldMkLst>
+        <pc:spChg chg="mod">
+          <ac:chgData name="Duschak, Jennifer (Chief Data Office)" userId="bc9cde4e-dfd7-4af5-98f1-09ef461b221f" providerId="ADAL" clId="{4AA14816-38AF-42D3-8008-DDBEC2552DB3}" dt="2023-11-09T20:35:51.985" v="1076" actId="6549"/>
+          <ac:spMkLst>
+            <pc:docMk/>
+            <pc:sldMk cId="438840214" sldId="309"/>
+            <ac:spMk id="15" creationId="{00000000-0000-0000-0000-000000000000}"/>
+          </ac:spMkLst>
+        </pc:spChg>
+      </pc:sldChg>
       <pc:sldChg chg="modSp mod ord">
-        <pc:chgData name="Duschak, Jennifer (Chief Data Office)" userId="bc9cde4e-dfd7-4af5-98f1-09ef461b221f" providerId="ADAL" clId="{4AA14816-38AF-42D3-8008-DDBEC2552DB3}" dt="2023-11-09T17:33:13.560" v="939" actId="20577"/>
+        <pc:chgData name="Duschak, Jennifer (Chief Data Office)" userId="bc9cde4e-dfd7-4af5-98f1-09ef461b221f" providerId="ADAL" clId="{4AA14816-38AF-42D3-8008-DDBEC2552DB3}" dt="2023-11-09T20:34:55.293" v="1068" actId="20577"/>
         <pc:sldMkLst>
           <pc:docMk/>
           <pc:sldMk cId="2726571923" sldId="310"/>
@@ -730,6 +801,14 @@
             <pc:docMk/>
             <pc:sldMk cId="2726571923" sldId="310"/>
             <ac:spMk id="2" creationId="{130597F3-437F-CB85-03F2-D53DCAD686B4}"/>
+          </ac:spMkLst>
+        </pc:spChg>
+        <pc:spChg chg="mod">
+          <ac:chgData name="Duschak, Jennifer (Chief Data Office)" userId="bc9cde4e-dfd7-4af5-98f1-09ef461b221f" providerId="ADAL" clId="{4AA14816-38AF-42D3-8008-DDBEC2552DB3}" dt="2023-11-09T20:34:55.293" v="1068" actId="20577"/>
+          <ac:spMkLst>
+            <pc:docMk/>
+            <pc:sldMk cId="2726571923" sldId="310"/>
+            <ac:spMk id="15" creationId="{00000000-0000-0000-0000-000000000000}"/>
           </ac:spMkLst>
         </pc:spChg>
         <pc:picChg chg="mod">
@@ -788,19 +867,43 @@
           </ac:picMkLst>
         </pc:picChg>
       </pc:sldChg>
-      <pc:sldChg chg="add">
-        <pc:chgData name="Duschak, Jennifer (Chief Data Office)" userId="bc9cde4e-dfd7-4af5-98f1-09ef461b221f" providerId="ADAL" clId="{4AA14816-38AF-42D3-8008-DDBEC2552DB3}" dt="2023-11-09T16:02:27.437" v="346" actId="2890"/>
+      <pc:sldChg chg="modSp add mod">
+        <pc:chgData name="Duschak, Jennifer (Chief Data Office)" userId="bc9cde4e-dfd7-4af5-98f1-09ef461b221f" providerId="ADAL" clId="{4AA14816-38AF-42D3-8008-DDBEC2552DB3}" dt="2023-11-09T20:35:03.781" v="1069" actId="20577"/>
         <pc:sldMkLst>
           <pc:docMk/>
           <pc:sldMk cId="681815517" sldId="312"/>
         </pc:sldMkLst>
+        <pc:spChg chg="mod">
+          <ac:chgData name="Duschak, Jennifer (Chief Data Office)" userId="bc9cde4e-dfd7-4af5-98f1-09ef461b221f" providerId="ADAL" clId="{4AA14816-38AF-42D3-8008-DDBEC2552DB3}" dt="2023-11-09T20:35:03.781" v="1069" actId="20577"/>
+          <ac:spMkLst>
+            <pc:docMk/>
+            <pc:sldMk cId="681815517" sldId="312"/>
+            <ac:spMk id="6" creationId="{00000000-0000-0000-0000-000000000000}"/>
+          </ac:spMkLst>
+        </pc:spChg>
       </pc:sldChg>
-      <pc:sldChg chg="add">
-        <pc:chgData name="Duschak, Jennifer (Chief Data Office)" userId="bc9cde4e-dfd7-4af5-98f1-09ef461b221f" providerId="ADAL" clId="{4AA14816-38AF-42D3-8008-DDBEC2552DB3}" dt="2023-11-09T16:30:36.082" v="732"/>
+      <pc:sldChg chg="modSp add mod">
+        <pc:chgData name="Duschak, Jennifer (Chief Data Office)" userId="bc9cde4e-dfd7-4af5-98f1-09ef461b221f" providerId="ADAL" clId="{4AA14816-38AF-42D3-8008-DDBEC2552DB3}" dt="2023-11-09T20:35:16.358" v="1072" actId="20577"/>
         <pc:sldMkLst>
           <pc:docMk/>
           <pc:sldMk cId="109215085" sldId="313"/>
         </pc:sldMkLst>
+        <pc:spChg chg="mod">
+          <ac:chgData name="Duschak, Jennifer (Chief Data Office)" userId="bc9cde4e-dfd7-4af5-98f1-09ef461b221f" providerId="ADAL" clId="{4AA14816-38AF-42D3-8008-DDBEC2552DB3}" dt="2023-11-09T20:35:16.358" v="1072" actId="20577"/>
+          <ac:spMkLst>
+            <pc:docMk/>
+            <pc:sldMk cId="109215085" sldId="313"/>
+            <ac:spMk id="6" creationId="{00000000-0000-0000-0000-000000000000}"/>
+          </ac:spMkLst>
+        </pc:spChg>
+        <pc:spChg chg="mod">
+          <ac:chgData name="Duschak, Jennifer (Chief Data Office)" userId="bc9cde4e-dfd7-4af5-98f1-09ef461b221f" providerId="ADAL" clId="{4AA14816-38AF-42D3-8008-DDBEC2552DB3}" dt="2023-11-09T20:26:35.840" v="999" actId="15"/>
+          <ac:spMkLst>
+            <pc:docMk/>
+            <pc:sldMk cId="109215085" sldId="313"/>
+            <ac:spMk id="7" creationId="{00000000-0000-0000-0000-000000000000}"/>
+          </ac:spMkLst>
+        </pc:spChg>
       </pc:sldChg>
     </pc:docChg>
   </pc:docChgLst>
@@ -9079,7 +9182,7 @@
           <a:p>
             <a:r>
               <a:rPr lang="en-US" dirty="0"/>
-              <a:t>Statewide Analysis:</a:t>
+              <a:t>Statewide Analysis</a:t>
             </a:r>
           </a:p>
         </p:txBody>
@@ -9360,7 +9463,7 @@
           <a:p>
             <a:r>
               <a:rPr lang="en-US" dirty="0"/>
-              <a:t>Policyholder Analysis:</a:t>
+              <a:t>Policyholder Analysis</a:t>
             </a:r>
           </a:p>
         </p:txBody>
@@ -9666,7 +9769,7 @@
           <a:p>
             <a:r>
               <a:rPr lang="en-US" dirty="0"/>
-              <a:t>Policyholder Analysis:</a:t>
+              <a:t>Policyholder Analysis</a:t>
             </a:r>
           </a:p>
         </p:txBody>
@@ -10605,11 +10708,14 @@
           <a:lstStyle/>
           <a:p>
             <a:r>
-              <a:rPr lang="en-US" altLang="en-US" dirty="0"/>
-              <a:t>Data Cleanup Notes and Anomalies</a:t>
-            </a:r>
-          </a:p>
-          <a:p>
+              <a:rPr lang="en-US" dirty="0"/>
+              <a:t>Data Cleanup/Transformation Notes and Anomalies</a:t>
+            </a:r>
+          </a:p>
+          <a:p>
+            <a:pPr marL="0" indent="0">
+              <a:buNone/>
+            </a:pPr>
             <a:endParaRPr lang="en-US" altLang="en-US" sz="1200" dirty="0"/>
           </a:p>
           <a:p>
@@ -10622,14 +10728,14 @@
             <a:pPr lvl="1"/>
             <a:r>
               <a:rPr lang="en-US" altLang="en-US" dirty="0"/>
-              <a:t>Dashboard #1: Trend Overview</a:t>
+              <a:t>Dashboard 1: Trend Overview</a:t>
             </a:r>
           </a:p>
           <a:p>
             <a:pPr lvl="1"/>
             <a:r>
               <a:rPr lang="en-US" altLang="en-US" dirty="0"/>
-              <a:t>Dashboard #1.5: Outlier Deep-Dive</a:t>
+              <a:t>Dashboard 1.5: Outlier Deep-Dive</a:t>
             </a:r>
           </a:p>
           <a:p>
@@ -10648,7 +10754,7 @@
             <a:pPr lvl="1"/>
             <a:r>
               <a:rPr lang="en-US" dirty="0"/>
-              <a:t>Dashboard #2 – Geographical Distribution of Accidents</a:t>
+              <a:t>Dashboard 2 – Geographical Distribution of Accidents</a:t>
             </a:r>
           </a:p>
           <a:p>
@@ -10665,7 +10771,7 @@
             <a:pPr lvl="1"/>
             <a:r>
               <a:rPr lang="en-US" dirty="0"/>
-              <a:t>Dashboard #3 – States with highest DUI related Accidents</a:t>
+              <a:t>Dashboard 3 – States with highest DUI related Accidents</a:t>
             </a:r>
           </a:p>
           <a:p>
@@ -10682,7 +10788,7 @@
             <a:pPr lvl="1"/>
             <a:r>
               <a:rPr lang="en-US" dirty="0"/>
-              <a:t>Dashboard #4 – Sum and Average Settlement Discrepancy</a:t>
+              <a:t>Dashboard 4 – Sum and Average Settlement Discrepancy</a:t>
             </a:r>
           </a:p>
           <a:p>
@@ -10736,7 +10842,7 @@
           <a:p>
             <a:r>
               <a:rPr lang="en-US" dirty="0"/>
-              <a:t>Outline:</a:t>
+              <a:t>Outline</a:t>
             </a:r>
           </a:p>
         </p:txBody>
@@ -10884,12 +10990,9 @@
           </a:p>
           <a:p>
             <a:pPr lvl="1"/>
-            <a:endParaRPr lang="en-US" altLang="en-US" dirty="0"/>
-          </a:p>
-          <a:p>
             <a:r>
               <a:rPr lang="en-US" altLang="en-US" dirty="0"/>
-              <a:t>Custom SQL was written to convert birthdates to age in order to facilitate analysis of age-related trends. </a:t>
+              <a:t>Custom code was written to convert birthdates to age in order to facilitate analysis of age-related trends once dataset was linked to Tableau. </a:t>
             </a:r>
           </a:p>
           <a:p>
@@ -10923,7 +11026,7 @@
           <a:p>
             <a:r>
               <a:rPr lang="en-US" dirty="0"/>
-              <a:t>Data Cleanup Notes and Anomalies:</a:t>
+              <a:t>Data Cleanup/Transformation Notes and Anomalies</a:t>
             </a:r>
           </a:p>
         </p:txBody>
@@ -11036,7 +11139,7 @@
           <a:p>
             <a:r>
               <a:rPr lang="en-US" altLang="en-US" dirty="0"/>
-              <a:t>Used custom SQL to create a combined view of Age/State/DUI for analysis in Tableau.</a:t>
+              <a:t>Created combined view of Age/State/DUI for further analysis in Tableau.</a:t>
             </a:r>
           </a:p>
           <a:p>
@@ -11048,7 +11151,7 @@
           <a:p>
             <a:r>
               <a:rPr lang="en-US" altLang="en-US" dirty="0"/>
-              <a:t>Cast Boolean values for DUI and At Fault as integer for simpler analysis, also using custom SQL within Tableau.</a:t>
+              <a:t>Cast Boolean values for DUI and At Fault as integer for simpler analysis.</a:t>
             </a:r>
           </a:p>
           <a:p>
@@ -11076,7 +11179,7 @@
           <a:p>
             <a:r>
               <a:rPr lang="en-US" dirty="0"/>
-              <a:t>Data Cleanup Notes and Anomalies:</a:t>
+              <a:t>Data Cleanup/Transformation Notes and Anomalies</a:t>
             </a:r>
           </a:p>
         </p:txBody>
@@ -11128,7 +11231,7 @@
           <a:p>
             <a:r>
               <a:rPr lang="en-US" dirty="0"/>
-              <a:t>Data Cleanup Notes and Anomalies:</a:t>
+              <a:t>Data Cleanup/Transformation Notes and Anomalies</a:t>
             </a:r>
           </a:p>
         </p:txBody>
@@ -11244,7 +11347,7 @@
           <a:p>
             <a:r>
               <a:rPr lang="en-US" dirty="0"/>
-              <a:t>Data Cleanup Notes and Anomalies:</a:t>
+              <a:t>Data Cleanup/Transformation Notes and Anomalies</a:t>
             </a:r>
           </a:p>
         </p:txBody>
@@ -11411,7 +11514,7 @@
           <a:p>
             <a:r>
               <a:rPr lang="en-US" dirty="0"/>
-              <a:t>Claims Time Analysis:</a:t>
+              <a:t>Claims Time Analysis</a:t>
             </a:r>
           </a:p>
         </p:txBody>
@@ -11706,10 +11809,10 @@
       </p:sp>
       <p:pic>
         <p:nvPicPr>
-          <p:cNvPr id="6" name="Picture 5">
+          <p:cNvPr id="14" name="Picture 13">
             <a:extLst>
               <a:ext uri="{FF2B5EF4-FFF2-40B4-BE49-F238E27FC236}">
-                <a16:creationId xmlns:a16="http://schemas.microsoft.com/office/drawing/2014/main" id="{D6C227D5-046C-3DB6-8EA4-229662ECB6DA}"/>
+                <a16:creationId xmlns:a16="http://schemas.microsoft.com/office/drawing/2014/main" id="{65F649D9-193F-1C81-D37C-F72D9BF2E720}"/>
               </a:ext>
             </a:extLst>
           </p:cNvPr>
@@ -11726,8 +11829,8 @@
         </p:blipFill>
         <p:spPr>
           <a:xfrm>
-            <a:off x="213360" y="1635941"/>
-            <a:ext cx="8717280" cy="4271917"/>
+            <a:off x="307022" y="1764987"/>
+            <a:ext cx="8321040" cy="4013825"/>
           </a:xfrm>
           <a:prstGeom prst="rect">
             <a:avLst/>
@@ -11857,7 +11960,7 @@
           <a:p>
             <a:r>
               <a:rPr lang="en-US" dirty="0"/>
-              <a:t>Claims Time Analysis:</a:t>
+              <a:t>Claims Time Analysis</a:t>
             </a:r>
           </a:p>
         </p:txBody>
